--- a/PythonCourse.pptx
+++ b/PythonCourse.pptx
@@ -9,6 +9,17 @@
     <p:sldId id="257" r:id="rId3"/>
     <p:sldId id="258" r:id="rId4"/>
     <p:sldId id="259" r:id="rId5"/>
+    <p:sldId id="260" r:id="rId6"/>
+    <p:sldId id="261" r:id="rId7"/>
+    <p:sldId id="262" r:id="rId8"/>
+    <p:sldId id="263" r:id="rId9"/>
+    <p:sldId id="264" r:id="rId10"/>
+    <p:sldId id="265" r:id="rId11"/>
+    <p:sldId id="266" r:id="rId12"/>
+    <p:sldId id="267" r:id="rId13"/>
+    <p:sldId id="268" r:id="rId14"/>
+    <p:sldId id="269" r:id="rId15"/>
+    <p:sldId id="270" r:id="rId16"/>
   </p:sldIdLst>
   <p:sldSz cx="12192000" cy="6858000"/>
   <p:notesSz cx="6858000" cy="9144000"/>
@@ -278,7 +289,7 @@
           <a:p>
             <a:fld id="{3C26619D-9AC7-2F41-8B17-F99B030703E5}" type="datetimeFigureOut">
               <a:rPr lang="en-US" smtClean="0"/>
-              <a:t>12/26/23</a:t>
+              <a:t>3/18/24</a:t>
             </a:fld>
             <a:endParaRPr lang="en-US"/>
           </a:p>
@@ -448,7 +459,7 @@
           <a:p>
             <a:fld id="{3C26619D-9AC7-2F41-8B17-F99B030703E5}" type="datetimeFigureOut">
               <a:rPr lang="en-US" smtClean="0"/>
-              <a:t>12/26/23</a:t>
+              <a:t>3/18/24</a:t>
             </a:fld>
             <a:endParaRPr lang="en-US"/>
           </a:p>
@@ -628,7 +639,7 @@
           <a:p>
             <a:fld id="{3C26619D-9AC7-2F41-8B17-F99B030703E5}" type="datetimeFigureOut">
               <a:rPr lang="en-US" smtClean="0"/>
-              <a:t>12/26/23</a:t>
+              <a:t>3/18/24</a:t>
             </a:fld>
             <a:endParaRPr lang="en-US"/>
           </a:p>
@@ -798,7 +809,7 @@
           <a:p>
             <a:fld id="{3C26619D-9AC7-2F41-8B17-F99B030703E5}" type="datetimeFigureOut">
               <a:rPr lang="en-US" smtClean="0"/>
-              <a:t>12/26/23</a:t>
+              <a:t>3/18/24</a:t>
             </a:fld>
             <a:endParaRPr lang="en-US"/>
           </a:p>
@@ -1066,7 +1077,7 @@
           <a:p>
             <a:fld id="{3C26619D-9AC7-2F41-8B17-F99B030703E5}" type="datetimeFigureOut">
               <a:rPr lang="en-US" smtClean="0"/>
-              <a:t>12/26/23</a:t>
+              <a:t>3/18/24</a:t>
             </a:fld>
             <a:endParaRPr lang="en-US"/>
           </a:p>
@@ -1298,7 +1309,7 @@
           <a:p>
             <a:fld id="{3C26619D-9AC7-2F41-8B17-F99B030703E5}" type="datetimeFigureOut">
               <a:rPr lang="en-US" smtClean="0"/>
-              <a:t>12/26/23</a:t>
+              <a:t>3/18/24</a:t>
             </a:fld>
             <a:endParaRPr lang="en-US"/>
           </a:p>
@@ -1657,7 +1668,7 @@
           <a:p>
             <a:fld id="{3C26619D-9AC7-2F41-8B17-F99B030703E5}" type="datetimeFigureOut">
               <a:rPr lang="en-US" smtClean="0"/>
-              <a:t>12/26/23</a:t>
+              <a:t>3/18/24</a:t>
             </a:fld>
             <a:endParaRPr lang="en-US"/>
           </a:p>
@@ -1798,7 +1809,7 @@
           <a:p>
             <a:fld id="{3C26619D-9AC7-2F41-8B17-F99B030703E5}" type="datetimeFigureOut">
               <a:rPr lang="en-US" smtClean="0"/>
-              <a:t>12/26/23</a:t>
+              <a:t>3/18/24</a:t>
             </a:fld>
             <a:endParaRPr lang="en-US"/>
           </a:p>
@@ -1893,7 +1904,7 @@
           <a:p>
             <a:fld id="{3C26619D-9AC7-2F41-8B17-F99B030703E5}" type="datetimeFigureOut">
               <a:rPr lang="en-US" smtClean="0"/>
-              <a:t>12/26/23</a:t>
+              <a:t>3/18/24</a:t>
             </a:fld>
             <a:endParaRPr lang="en-US"/>
           </a:p>
@@ -2250,7 +2261,7 @@
           <a:p>
             <a:fld id="{3C26619D-9AC7-2F41-8B17-F99B030703E5}" type="datetimeFigureOut">
               <a:rPr lang="en-US" smtClean="0"/>
-              <a:t>12/26/23</a:t>
+              <a:t>3/18/24</a:t>
             </a:fld>
             <a:endParaRPr lang="en-US"/>
           </a:p>
@@ -2607,7 +2618,7 @@
           <a:p>
             <a:fld id="{3C26619D-9AC7-2F41-8B17-F99B030703E5}" type="datetimeFigureOut">
               <a:rPr lang="en-US" smtClean="0"/>
-              <a:t>12/26/23</a:t>
+              <a:t>3/18/24</a:t>
             </a:fld>
             <a:endParaRPr lang="en-US"/>
           </a:p>
@@ -2849,7 +2860,7 @@
           <a:p>
             <a:fld id="{3C26619D-9AC7-2F41-8B17-F99B030703E5}" type="datetimeFigureOut">
               <a:rPr lang="en-US" smtClean="0"/>
-              <a:t>12/26/23</a:t>
+              <a:t>3/18/24</a:t>
             </a:fld>
             <a:endParaRPr lang="en-US"/>
           </a:p>
@@ -3592,6 +3603,2528 @@
 </p:sld>
 </file>
 
+<file path=ppt/slides/slide10.xml><?xml version="1.0" encoding="utf-8"?>
+<p:sld xmlns:a="http://schemas.openxmlformats.org/drawingml/2006/main" xmlns:r="http://schemas.openxmlformats.org/officeDocument/2006/relationships" xmlns:p="http://schemas.openxmlformats.org/presentationml/2006/main">
+  <p:cSld>
+    <p:spTree>
+      <p:nvGrpSpPr>
+        <p:cNvPr id="1" name=""/>
+        <p:cNvGrpSpPr/>
+        <p:nvPr/>
+      </p:nvGrpSpPr>
+      <p:grpSpPr>
+        <a:xfrm>
+          <a:off x="0" y="0"/>
+          <a:ext cx="0" cy="0"/>
+          <a:chOff x="0" y="0"/>
+          <a:chExt cx="0" cy="0"/>
+        </a:xfrm>
+      </p:grpSpPr>
+      <p:sp>
+        <p:nvSpPr>
+          <p:cNvPr id="2" name="Title 1">
+            <a:extLst>
+              <a:ext uri="{FF2B5EF4-FFF2-40B4-BE49-F238E27FC236}">
+                <a16:creationId xmlns:a16="http://schemas.microsoft.com/office/drawing/2014/main" id="{6C351BA5-64BA-EB31-B992-C5D84E9D4754}"/>
+              </a:ext>
+            </a:extLst>
+          </p:cNvPr>
+          <p:cNvSpPr>
+            <a:spLocks noGrp="1"/>
+          </p:cNvSpPr>
+          <p:nvPr>
+            <p:ph type="title"/>
+          </p:nvPr>
+        </p:nvSpPr>
+        <p:spPr/>
+        <p:txBody>
+          <a:bodyPr/>
+          <a:lstStyle/>
+          <a:p>
+            <a:r>
+              <a:rPr lang="en-US" dirty="0"/>
+              <a:t>directed</a:t>
+            </a:r>
+          </a:p>
+        </p:txBody>
+      </p:sp>
+      <p:pic>
+        <p:nvPicPr>
+          <p:cNvPr id="4" name="Content Placeholder 3">
+            <a:extLst>
+              <a:ext uri="{FF2B5EF4-FFF2-40B4-BE49-F238E27FC236}">
+                <a16:creationId xmlns:a16="http://schemas.microsoft.com/office/drawing/2014/main" id="{2A5F2C68-EB19-F59F-1CFD-995E0C304893}"/>
+              </a:ext>
+            </a:extLst>
+          </p:cNvPr>
+          <p:cNvPicPr>
+            <a:picLocks noGrp="1" noChangeAspect="1"/>
+          </p:cNvPicPr>
+          <p:nvPr>
+            <p:ph idx="1"/>
+          </p:nvPr>
+        </p:nvPicPr>
+        <p:blipFill>
+          <a:blip r:embed="rId2"/>
+          <a:stretch>
+            <a:fillRect/>
+          </a:stretch>
+        </p:blipFill>
+        <p:spPr>
+          <a:xfrm>
+            <a:off x="2230438" y="2691064"/>
+            <a:ext cx="7731125" cy="2996697"/>
+          </a:xfrm>
+          <a:prstGeom prst="rect">
+            <a:avLst/>
+          </a:prstGeom>
+        </p:spPr>
+      </p:pic>
+    </p:spTree>
+    <p:extLst>
+      <p:ext uri="{BB962C8B-B14F-4D97-AF65-F5344CB8AC3E}">
+        <p14:creationId xmlns:p14="http://schemas.microsoft.com/office/powerpoint/2010/main" val="4047777167"/>
+      </p:ext>
+    </p:extLst>
+  </p:cSld>
+  <p:clrMapOvr>
+    <a:masterClrMapping/>
+  </p:clrMapOvr>
+  <p:timing>
+    <p:tnLst>
+      <p:par>
+        <p:cTn id="1" dur="indefinite" restart="never" nodeType="tmRoot">
+          <p:childTnLst>
+            <p:seq concurrent="1" nextAc="seek">
+              <p:cTn id="2" dur="indefinite" nodeType="mainSeq">
+                <p:childTnLst>
+                  <p:par>
+                    <p:cTn id="3" fill="hold">
+                      <p:stCondLst>
+                        <p:cond delay="indefinite"/>
+                        <p:cond evt="onBegin" delay="0">
+                          <p:tn val="2"/>
+                        </p:cond>
+                      </p:stCondLst>
+                      <p:childTnLst>
+                        <p:par>
+                          <p:cTn id="4" fill="hold">
+                            <p:stCondLst>
+                              <p:cond delay="0"/>
+                            </p:stCondLst>
+                            <p:childTnLst>
+                              <p:par>
+                                <p:cTn id="5" presetID="42" presetClass="entr" presetSubtype="0" fill="hold" grpId="0" nodeType="withEffect">
+                                  <p:stCondLst>
+                                    <p:cond delay="0"/>
+                                  </p:stCondLst>
+                                  <p:childTnLst>
+                                    <p:set>
+                                      <p:cBhvr>
+                                        <p:cTn id="6" dur="1" fill="hold">
+                                          <p:stCondLst>
+                                            <p:cond delay="0"/>
+                                          </p:stCondLst>
+                                        </p:cTn>
+                                        <p:tgtEl>
+                                          <p:spTgt spid="2"/>
+                                        </p:tgtEl>
+                                        <p:attrNameLst>
+                                          <p:attrName>style.visibility</p:attrName>
+                                        </p:attrNameLst>
+                                      </p:cBhvr>
+                                      <p:to>
+                                        <p:strVal val="visible"/>
+                                      </p:to>
+                                    </p:set>
+                                    <p:animEffect transition="in" filter="fade">
+                                      <p:cBhvr>
+                                        <p:cTn id="7" dur="1000"/>
+                                        <p:tgtEl>
+                                          <p:spTgt spid="2"/>
+                                        </p:tgtEl>
+                                      </p:cBhvr>
+                                    </p:animEffect>
+                                    <p:anim calcmode="lin" valueType="num">
+                                      <p:cBhvr>
+                                        <p:cTn id="8" dur="1000" fill="hold"/>
+                                        <p:tgtEl>
+                                          <p:spTgt spid="2"/>
+                                        </p:tgtEl>
+                                        <p:attrNameLst>
+                                          <p:attrName>ppt_x</p:attrName>
+                                        </p:attrNameLst>
+                                      </p:cBhvr>
+                                      <p:tavLst>
+                                        <p:tav tm="0">
+                                          <p:val>
+                                            <p:strVal val="#ppt_x"/>
+                                          </p:val>
+                                        </p:tav>
+                                        <p:tav tm="100000">
+                                          <p:val>
+                                            <p:strVal val="#ppt_x"/>
+                                          </p:val>
+                                        </p:tav>
+                                      </p:tavLst>
+                                    </p:anim>
+                                    <p:anim calcmode="lin" valueType="num">
+                                      <p:cBhvr>
+                                        <p:cTn id="9" dur="1000" fill="hold"/>
+                                        <p:tgtEl>
+                                          <p:spTgt spid="2"/>
+                                        </p:tgtEl>
+                                        <p:attrNameLst>
+                                          <p:attrName>ppt_y</p:attrName>
+                                        </p:attrNameLst>
+                                      </p:cBhvr>
+                                      <p:tavLst>
+                                        <p:tav tm="0">
+                                          <p:val>
+                                            <p:strVal val="#ppt_y+.1"/>
+                                          </p:val>
+                                        </p:tav>
+                                        <p:tav tm="100000">
+                                          <p:val>
+                                            <p:strVal val="#ppt_y"/>
+                                          </p:val>
+                                        </p:tav>
+                                      </p:tavLst>
+                                    </p:anim>
+                                  </p:childTnLst>
+                                </p:cTn>
+                              </p:par>
+                            </p:childTnLst>
+                          </p:cTn>
+                        </p:par>
+                      </p:childTnLst>
+                    </p:cTn>
+                  </p:par>
+                  <p:par>
+                    <p:cTn id="10" fill="hold">
+                      <p:stCondLst>
+                        <p:cond delay="indefinite"/>
+                      </p:stCondLst>
+                      <p:childTnLst>
+                        <p:par>
+                          <p:cTn id="11" fill="hold">
+                            <p:stCondLst>
+                              <p:cond delay="0"/>
+                            </p:stCondLst>
+                            <p:childTnLst>
+                              <p:par>
+                                <p:cTn id="12" presetID="3" presetClass="entr" presetSubtype="10" fill="hold" nodeType="clickEffect">
+                                  <p:stCondLst>
+                                    <p:cond delay="0"/>
+                                  </p:stCondLst>
+                                  <p:childTnLst>
+                                    <p:set>
+                                      <p:cBhvr>
+                                        <p:cTn id="13" dur="1" fill="hold">
+                                          <p:stCondLst>
+                                            <p:cond delay="0"/>
+                                          </p:stCondLst>
+                                        </p:cTn>
+                                        <p:tgtEl>
+                                          <p:spTgt spid="4"/>
+                                        </p:tgtEl>
+                                        <p:attrNameLst>
+                                          <p:attrName>style.visibility</p:attrName>
+                                        </p:attrNameLst>
+                                      </p:cBhvr>
+                                      <p:to>
+                                        <p:strVal val="visible"/>
+                                      </p:to>
+                                    </p:set>
+                                    <p:animEffect transition="in" filter="blinds(horizontal)">
+                                      <p:cBhvr>
+                                        <p:cTn id="14" dur="500"/>
+                                        <p:tgtEl>
+                                          <p:spTgt spid="4"/>
+                                        </p:tgtEl>
+                                      </p:cBhvr>
+                                    </p:animEffect>
+                                  </p:childTnLst>
+                                </p:cTn>
+                              </p:par>
+                            </p:childTnLst>
+                          </p:cTn>
+                        </p:par>
+                      </p:childTnLst>
+                    </p:cTn>
+                  </p:par>
+                </p:childTnLst>
+              </p:cTn>
+              <p:prevCondLst>
+                <p:cond evt="onPrev" delay="0">
+                  <p:tgtEl>
+                    <p:sldTgt/>
+                  </p:tgtEl>
+                </p:cond>
+              </p:prevCondLst>
+              <p:nextCondLst>
+                <p:cond evt="onNext" delay="0">
+                  <p:tgtEl>
+                    <p:sldTgt/>
+                  </p:tgtEl>
+                </p:cond>
+              </p:nextCondLst>
+            </p:seq>
+          </p:childTnLst>
+        </p:cTn>
+      </p:par>
+    </p:tnLst>
+    <p:bldLst>
+      <p:bldP spid="2" grpId="0" animBg="1"/>
+    </p:bldLst>
+  </p:timing>
+</p:sld>
+</file>
+
+<file path=ppt/slides/slide11.xml><?xml version="1.0" encoding="utf-8"?>
+<p:sld xmlns:a="http://schemas.openxmlformats.org/drawingml/2006/main" xmlns:r="http://schemas.openxmlformats.org/officeDocument/2006/relationships" xmlns:p="http://schemas.openxmlformats.org/presentationml/2006/main">
+  <p:cSld>
+    <p:spTree>
+      <p:nvGrpSpPr>
+        <p:cNvPr id="1" name=""/>
+        <p:cNvGrpSpPr/>
+        <p:nvPr/>
+      </p:nvGrpSpPr>
+      <p:grpSpPr>
+        <a:xfrm>
+          <a:off x="0" y="0"/>
+          <a:ext cx="0" cy="0"/>
+          <a:chOff x="0" y="0"/>
+          <a:chExt cx="0" cy="0"/>
+        </a:xfrm>
+      </p:grpSpPr>
+      <p:sp>
+        <p:nvSpPr>
+          <p:cNvPr id="2" name="Title 1">
+            <a:extLst>
+              <a:ext uri="{FF2B5EF4-FFF2-40B4-BE49-F238E27FC236}">
+                <a16:creationId xmlns:a16="http://schemas.microsoft.com/office/drawing/2014/main" id="{1EC7D81B-20C2-8D71-CA9B-004AEE5F27E9}"/>
+              </a:ext>
+            </a:extLst>
+          </p:cNvPr>
+          <p:cNvSpPr>
+            <a:spLocks noGrp="1"/>
+          </p:cNvSpPr>
+          <p:nvPr>
+            <p:ph type="title"/>
+          </p:nvPr>
+        </p:nvSpPr>
+        <p:spPr/>
+        <p:txBody>
+          <a:bodyPr/>
+          <a:lstStyle/>
+          <a:p>
+            <a:r>
+              <a:rPr lang="en-US" dirty="0"/>
+              <a:t>undirected</a:t>
+            </a:r>
+          </a:p>
+        </p:txBody>
+      </p:sp>
+      <p:pic>
+        <p:nvPicPr>
+          <p:cNvPr id="4" name="Content Placeholder 3">
+            <a:extLst>
+              <a:ext uri="{FF2B5EF4-FFF2-40B4-BE49-F238E27FC236}">
+                <a16:creationId xmlns:a16="http://schemas.microsoft.com/office/drawing/2014/main" id="{7BBA6893-9CC6-A601-2479-102BE0BA1B9B}"/>
+              </a:ext>
+            </a:extLst>
+          </p:cNvPr>
+          <p:cNvPicPr>
+            <a:picLocks noGrp="1" noChangeAspect="1"/>
+          </p:cNvPicPr>
+          <p:nvPr>
+            <p:ph idx="1"/>
+          </p:nvPr>
+        </p:nvPicPr>
+        <p:blipFill>
+          <a:blip r:embed="rId2"/>
+          <a:stretch>
+            <a:fillRect/>
+          </a:stretch>
+        </p:blipFill>
+        <p:spPr>
+          <a:xfrm>
+            <a:off x="2230438" y="2655459"/>
+            <a:ext cx="7731125" cy="3067906"/>
+          </a:xfrm>
+          <a:prstGeom prst="rect">
+            <a:avLst/>
+          </a:prstGeom>
+        </p:spPr>
+      </p:pic>
+    </p:spTree>
+    <p:extLst>
+      <p:ext uri="{BB962C8B-B14F-4D97-AF65-F5344CB8AC3E}">
+        <p14:creationId xmlns:p14="http://schemas.microsoft.com/office/powerpoint/2010/main" val="1623626875"/>
+      </p:ext>
+    </p:extLst>
+  </p:cSld>
+  <p:clrMapOvr>
+    <a:masterClrMapping/>
+  </p:clrMapOvr>
+  <p:timing>
+    <p:tnLst>
+      <p:par>
+        <p:cTn id="1" dur="indefinite" restart="never" nodeType="tmRoot">
+          <p:childTnLst>
+            <p:seq concurrent="1" nextAc="seek">
+              <p:cTn id="2" dur="indefinite" nodeType="mainSeq">
+                <p:childTnLst>
+                  <p:par>
+                    <p:cTn id="3" fill="hold">
+                      <p:stCondLst>
+                        <p:cond delay="indefinite"/>
+                        <p:cond evt="onBegin" delay="0">
+                          <p:tn val="2"/>
+                        </p:cond>
+                      </p:stCondLst>
+                      <p:childTnLst>
+                        <p:par>
+                          <p:cTn id="4" fill="hold">
+                            <p:stCondLst>
+                              <p:cond delay="0"/>
+                            </p:stCondLst>
+                            <p:childTnLst>
+                              <p:par>
+                                <p:cTn id="5" presetID="42" presetClass="entr" presetSubtype="0" fill="hold" grpId="0" nodeType="withEffect">
+                                  <p:stCondLst>
+                                    <p:cond delay="0"/>
+                                  </p:stCondLst>
+                                  <p:childTnLst>
+                                    <p:set>
+                                      <p:cBhvr>
+                                        <p:cTn id="6" dur="1" fill="hold">
+                                          <p:stCondLst>
+                                            <p:cond delay="0"/>
+                                          </p:stCondLst>
+                                        </p:cTn>
+                                        <p:tgtEl>
+                                          <p:spTgt spid="2"/>
+                                        </p:tgtEl>
+                                        <p:attrNameLst>
+                                          <p:attrName>style.visibility</p:attrName>
+                                        </p:attrNameLst>
+                                      </p:cBhvr>
+                                      <p:to>
+                                        <p:strVal val="visible"/>
+                                      </p:to>
+                                    </p:set>
+                                    <p:animEffect transition="in" filter="fade">
+                                      <p:cBhvr>
+                                        <p:cTn id="7" dur="1000"/>
+                                        <p:tgtEl>
+                                          <p:spTgt spid="2"/>
+                                        </p:tgtEl>
+                                      </p:cBhvr>
+                                    </p:animEffect>
+                                    <p:anim calcmode="lin" valueType="num">
+                                      <p:cBhvr>
+                                        <p:cTn id="8" dur="1000" fill="hold"/>
+                                        <p:tgtEl>
+                                          <p:spTgt spid="2"/>
+                                        </p:tgtEl>
+                                        <p:attrNameLst>
+                                          <p:attrName>ppt_x</p:attrName>
+                                        </p:attrNameLst>
+                                      </p:cBhvr>
+                                      <p:tavLst>
+                                        <p:tav tm="0">
+                                          <p:val>
+                                            <p:strVal val="#ppt_x"/>
+                                          </p:val>
+                                        </p:tav>
+                                        <p:tav tm="100000">
+                                          <p:val>
+                                            <p:strVal val="#ppt_x"/>
+                                          </p:val>
+                                        </p:tav>
+                                      </p:tavLst>
+                                    </p:anim>
+                                    <p:anim calcmode="lin" valueType="num">
+                                      <p:cBhvr>
+                                        <p:cTn id="9" dur="1000" fill="hold"/>
+                                        <p:tgtEl>
+                                          <p:spTgt spid="2"/>
+                                        </p:tgtEl>
+                                        <p:attrNameLst>
+                                          <p:attrName>ppt_y</p:attrName>
+                                        </p:attrNameLst>
+                                      </p:cBhvr>
+                                      <p:tavLst>
+                                        <p:tav tm="0">
+                                          <p:val>
+                                            <p:strVal val="#ppt_y+.1"/>
+                                          </p:val>
+                                        </p:tav>
+                                        <p:tav tm="100000">
+                                          <p:val>
+                                            <p:strVal val="#ppt_y"/>
+                                          </p:val>
+                                        </p:tav>
+                                      </p:tavLst>
+                                    </p:anim>
+                                  </p:childTnLst>
+                                </p:cTn>
+                              </p:par>
+                            </p:childTnLst>
+                          </p:cTn>
+                        </p:par>
+                      </p:childTnLst>
+                    </p:cTn>
+                  </p:par>
+                  <p:par>
+                    <p:cTn id="10" fill="hold">
+                      <p:stCondLst>
+                        <p:cond delay="indefinite"/>
+                      </p:stCondLst>
+                      <p:childTnLst>
+                        <p:par>
+                          <p:cTn id="11" fill="hold">
+                            <p:stCondLst>
+                              <p:cond delay="0"/>
+                            </p:stCondLst>
+                            <p:childTnLst>
+                              <p:par>
+                                <p:cTn id="12" presetID="3" presetClass="entr" presetSubtype="10" fill="hold" nodeType="clickEffect">
+                                  <p:stCondLst>
+                                    <p:cond delay="0"/>
+                                  </p:stCondLst>
+                                  <p:childTnLst>
+                                    <p:set>
+                                      <p:cBhvr>
+                                        <p:cTn id="13" dur="1" fill="hold">
+                                          <p:stCondLst>
+                                            <p:cond delay="0"/>
+                                          </p:stCondLst>
+                                        </p:cTn>
+                                        <p:tgtEl>
+                                          <p:spTgt spid="4"/>
+                                        </p:tgtEl>
+                                        <p:attrNameLst>
+                                          <p:attrName>style.visibility</p:attrName>
+                                        </p:attrNameLst>
+                                      </p:cBhvr>
+                                      <p:to>
+                                        <p:strVal val="visible"/>
+                                      </p:to>
+                                    </p:set>
+                                    <p:animEffect transition="in" filter="blinds(horizontal)">
+                                      <p:cBhvr>
+                                        <p:cTn id="14" dur="500"/>
+                                        <p:tgtEl>
+                                          <p:spTgt spid="4"/>
+                                        </p:tgtEl>
+                                      </p:cBhvr>
+                                    </p:animEffect>
+                                  </p:childTnLst>
+                                </p:cTn>
+                              </p:par>
+                            </p:childTnLst>
+                          </p:cTn>
+                        </p:par>
+                      </p:childTnLst>
+                    </p:cTn>
+                  </p:par>
+                </p:childTnLst>
+              </p:cTn>
+              <p:prevCondLst>
+                <p:cond evt="onPrev" delay="0">
+                  <p:tgtEl>
+                    <p:sldTgt/>
+                  </p:tgtEl>
+                </p:cond>
+              </p:prevCondLst>
+              <p:nextCondLst>
+                <p:cond evt="onNext" delay="0">
+                  <p:tgtEl>
+                    <p:sldTgt/>
+                  </p:tgtEl>
+                </p:cond>
+              </p:nextCondLst>
+            </p:seq>
+          </p:childTnLst>
+        </p:cTn>
+      </p:par>
+    </p:tnLst>
+    <p:bldLst>
+      <p:bldP spid="2" grpId="0" animBg="1"/>
+    </p:bldLst>
+  </p:timing>
+</p:sld>
+</file>
+
+<file path=ppt/slides/slide12.xml><?xml version="1.0" encoding="utf-8"?>
+<p:sld xmlns:a="http://schemas.openxmlformats.org/drawingml/2006/main" xmlns:r="http://schemas.openxmlformats.org/officeDocument/2006/relationships" xmlns:p="http://schemas.openxmlformats.org/presentationml/2006/main">
+  <p:cSld>
+    <p:spTree>
+      <p:nvGrpSpPr>
+        <p:cNvPr id="1" name=""/>
+        <p:cNvGrpSpPr/>
+        <p:nvPr/>
+      </p:nvGrpSpPr>
+      <p:grpSpPr>
+        <a:xfrm>
+          <a:off x="0" y="0"/>
+          <a:ext cx="0" cy="0"/>
+          <a:chOff x="0" y="0"/>
+          <a:chExt cx="0" cy="0"/>
+        </a:xfrm>
+      </p:grpSpPr>
+      <p:sp>
+        <p:nvSpPr>
+          <p:cNvPr id="2" name="Title 1">
+            <a:extLst>
+              <a:ext uri="{FF2B5EF4-FFF2-40B4-BE49-F238E27FC236}">
+                <a16:creationId xmlns:a16="http://schemas.microsoft.com/office/drawing/2014/main" id="{96D96B05-D03F-A895-C5CB-2A91F438945E}"/>
+              </a:ext>
+            </a:extLst>
+          </p:cNvPr>
+          <p:cNvSpPr>
+            <a:spLocks noGrp="1"/>
+          </p:cNvSpPr>
+          <p:nvPr>
+            <p:ph type="title"/>
+          </p:nvPr>
+        </p:nvSpPr>
+        <p:spPr/>
+        <p:txBody>
+          <a:bodyPr/>
+          <a:lstStyle/>
+          <a:p>
+            <a:r>
+              <a:rPr lang="en-US" dirty="0"/>
+              <a:t>Weighted</a:t>
+            </a:r>
+          </a:p>
+        </p:txBody>
+      </p:sp>
+      <p:pic>
+        <p:nvPicPr>
+          <p:cNvPr id="4" name="Content Placeholder 3">
+            <a:extLst>
+              <a:ext uri="{FF2B5EF4-FFF2-40B4-BE49-F238E27FC236}">
+                <a16:creationId xmlns:a16="http://schemas.microsoft.com/office/drawing/2014/main" id="{7947DFC3-8681-0FB7-C7E6-CCACBF1FB794}"/>
+              </a:ext>
+            </a:extLst>
+          </p:cNvPr>
+          <p:cNvPicPr>
+            <a:picLocks noGrp="1" noChangeAspect="1"/>
+          </p:cNvPicPr>
+          <p:nvPr>
+            <p:ph idx="1"/>
+          </p:nvPr>
+        </p:nvPicPr>
+        <p:blipFill>
+          <a:blip r:embed="rId2"/>
+          <a:stretch>
+            <a:fillRect/>
+          </a:stretch>
+        </p:blipFill>
+        <p:spPr>
+          <a:xfrm>
+            <a:off x="2230438" y="2655459"/>
+            <a:ext cx="7731125" cy="3067906"/>
+          </a:xfrm>
+          <a:prstGeom prst="rect">
+            <a:avLst/>
+          </a:prstGeom>
+        </p:spPr>
+      </p:pic>
+      <p:sp>
+        <p:nvSpPr>
+          <p:cNvPr id="5" name="TextBox 4">
+            <a:extLst>
+              <a:ext uri="{FF2B5EF4-FFF2-40B4-BE49-F238E27FC236}">
+                <a16:creationId xmlns:a16="http://schemas.microsoft.com/office/drawing/2014/main" id="{7955CB8E-9AC7-46C7-C99B-B4C8065B683E}"/>
+              </a:ext>
+            </a:extLst>
+          </p:cNvPr>
+          <p:cNvSpPr txBox="1"/>
+          <p:nvPr/>
+        </p:nvSpPr>
+        <p:spPr>
+          <a:xfrm>
+            <a:off x="4922982" y="3103418"/>
+            <a:ext cx="300082" cy="369332"/>
+          </a:xfrm>
+          <a:prstGeom prst="rect">
+            <a:avLst/>
+          </a:prstGeom>
+          <a:noFill/>
+        </p:spPr>
+        <p:txBody>
+          <a:bodyPr wrap="none" rtlCol="0">
+            <a:spAutoFit/>
+          </a:bodyPr>
+          <a:lstStyle/>
+          <a:p>
+            <a:r>
+              <a:rPr lang="en-US" dirty="0"/>
+              <a:t>5</a:t>
+            </a:r>
+          </a:p>
+        </p:txBody>
+      </p:sp>
+      <p:sp>
+        <p:nvSpPr>
+          <p:cNvPr id="6" name="TextBox 5">
+            <a:extLst>
+              <a:ext uri="{FF2B5EF4-FFF2-40B4-BE49-F238E27FC236}">
+                <a16:creationId xmlns:a16="http://schemas.microsoft.com/office/drawing/2014/main" id="{14D85328-EF8E-22ED-5A4F-CE691093342A}"/>
+              </a:ext>
+            </a:extLst>
+          </p:cNvPr>
+          <p:cNvSpPr txBox="1"/>
+          <p:nvPr/>
+        </p:nvSpPr>
+        <p:spPr>
+          <a:xfrm>
+            <a:off x="3985491" y="3985368"/>
+            <a:ext cx="300082" cy="369332"/>
+          </a:xfrm>
+          <a:prstGeom prst="rect">
+            <a:avLst/>
+          </a:prstGeom>
+          <a:noFill/>
+        </p:spPr>
+        <p:txBody>
+          <a:bodyPr wrap="none" rtlCol="0">
+            <a:spAutoFit/>
+          </a:bodyPr>
+          <a:lstStyle/>
+          <a:p>
+            <a:r>
+              <a:rPr lang="en-US" dirty="0"/>
+              <a:t>3</a:t>
+            </a:r>
+          </a:p>
+        </p:txBody>
+      </p:sp>
+      <p:sp>
+        <p:nvSpPr>
+          <p:cNvPr id="7" name="TextBox 6">
+            <a:extLst>
+              <a:ext uri="{FF2B5EF4-FFF2-40B4-BE49-F238E27FC236}">
+                <a16:creationId xmlns:a16="http://schemas.microsoft.com/office/drawing/2014/main" id="{A1097226-2D3E-7DB3-43FB-F6F83B6C33FD}"/>
+              </a:ext>
+            </a:extLst>
+          </p:cNvPr>
+          <p:cNvSpPr txBox="1"/>
+          <p:nvPr/>
+        </p:nvSpPr>
+        <p:spPr>
+          <a:xfrm>
+            <a:off x="6363855" y="4682836"/>
+            <a:ext cx="300082" cy="369332"/>
+          </a:xfrm>
+          <a:prstGeom prst="rect">
+            <a:avLst/>
+          </a:prstGeom>
+          <a:noFill/>
+        </p:spPr>
+        <p:txBody>
+          <a:bodyPr wrap="none" rtlCol="0">
+            <a:spAutoFit/>
+          </a:bodyPr>
+          <a:lstStyle/>
+          <a:p>
+            <a:r>
+              <a:rPr lang="en-US" dirty="0"/>
+              <a:t>1</a:t>
+            </a:r>
+          </a:p>
+        </p:txBody>
+      </p:sp>
+      <p:sp>
+        <p:nvSpPr>
+          <p:cNvPr id="8" name="TextBox 7">
+            <a:extLst>
+              <a:ext uri="{FF2B5EF4-FFF2-40B4-BE49-F238E27FC236}">
+                <a16:creationId xmlns:a16="http://schemas.microsoft.com/office/drawing/2014/main" id="{D3FC28D9-A490-61B6-482E-69AD6B005716}"/>
+              </a:ext>
+            </a:extLst>
+          </p:cNvPr>
+          <p:cNvSpPr txBox="1"/>
+          <p:nvPr/>
+        </p:nvSpPr>
+        <p:spPr>
+          <a:xfrm>
+            <a:off x="5890585" y="3837586"/>
+            <a:ext cx="300082" cy="369332"/>
+          </a:xfrm>
+          <a:prstGeom prst="rect">
+            <a:avLst/>
+          </a:prstGeom>
+          <a:noFill/>
+        </p:spPr>
+        <p:txBody>
+          <a:bodyPr wrap="none" rtlCol="0">
+            <a:spAutoFit/>
+          </a:bodyPr>
+          <a:lstStyle/>
+          <a:p>
+            <a:r>
+              <a:rPr lang="en-US" dirty="0"/>
+              <a:t>2</a:t>
+            </a:r>
+          </a:p>
+        </p:txBody>
+      </p:sp>
+      <p:sp>
+        <p:nvSpPr>
+          <p:cNvPr id="9" name="TextBox 8">
+            <a:extLst>
+              <a:ext uri="{FF2B5EF4-FFF2-40B4-BE49-F238E27FC236}">
+                <a16:creationId xmlns:a16="http://schemas.microsoft.com/office/drawing/2014/main" id="{4AE879E4-8AF0-FB33-0C43-02E416B27B5F}"/>
+              </a:ext>
+            </a:extLst>
+          </p:cNvPr>
+          <p:cNvSpPr txBox="1"/>
+          <p:nvPr/>
+        </p:nvSpPr>
+        <p:spPr>
+          <a:xfrm>
+            <a:off x="7776033" y="3800702"/>
+            <a:ext cx="300082" cy="369332"/>
+          </a:xfrm>
+          <a:prstGeom prst="rect">
+            <a:avLst/>
+          </a:prstGeom>
+          <a:noFill/>
+        </p:spPr>
+        <p:txBody>
+          <a:bodyPr wrap="none" rtlCol="0">
+            <a:spAutoFit/>
+          </a:bodyPr>
+          <a:lstStyle/>
+          <a:p>
+            <a:r>
+              <a:rPr lang="en-US" dirty="0"/>
+              <a:t>4</a:t>
+            </a:r>
+          </a:p>
+        </p:txBody>
+      </p:sp>
+    </p:spTree>
+    <p:extLst>
+      <p:ext uri="{BB962C8B-B14F-4D97-AF65-F5344CB8AC3E}">
+        <p14:creationId xmlns:p14="http://schemas.microsoft.com/office/powerpoint/2010/main" val="3490989781"/>
+      </p:ext>
+    </p:extLst>
+  </p:cSld>
+  <p:clrMapOvr>
+    <a:masterClrMapping/>
+  </p:clrMapOvr>
+  <p:timing>
+    <p:tnLst>
+      <p:par>
+        <p:cTn id="1" dur="indefinite" restart="never" nodeType="tmRoot">
+          <p:childTnLst>
+            <p:seq concurrent="1" nextAc="seek">
+              <p:cTn id="2" dur="indefinite" nodeType="mainSeq">
+                <p:childTnLst>
+                  <p:par>
+                    <p:cTn id="3" fill="hold">
+                      <p:stCondLst>
+                        <p:cond delay="indefinite"/>
+                        <p:cond evt="onBegin" delay="0">
+                          <p:tn val="2"/>
+                        </p:cond>
+                      </p:stCondLst>
+                      <p:childTnLst>
+                        <p:par>
+                          <p:cTn id="4" fill="hold">
+                            <p:stCondLst>
+                              <p:cond delay="0"/>
+                            </p:stCondLst>
+                            <p:childTnLst>
+                              <p:par>
+                                <p:cTn id="5" presetID="42" presetClass="entr" presetSubtype="0" fill="hold" grpId="0" nodeType="withEffect">
+                                  <p:stCondLst>
+                                    <p:cond delay="0"/>
+                                  </p:stCondLst>
+                                  <p:childTnLst>
+                                    <p:set>
+                                      <p:cBhvr>
+                                        <p:cTn id="6" dur="1" fill="hold">
+                                          <p:stCondLst>
+                                            <p:cond delay="0"/>
+                                          </p:stCondLst>
+                                        </p:cTn>
+                                        <p:tgtEl>
+                                          <p:spTgt spid="2"/>
+                                        </p:tgtEl>
+                                        <p:attrNameLst>
+                                          <p:attrName>style.visibility</p:attrName>
+                                        </p:attrNameLst>
+                                      </p:cBhvr>
+                                      <p:to>
+                                        <p:strVal val="visible"/>
+                                      </p:to>
+                                    </p:set>
+                                    <p:animEffect transition="in" filter="fade">
+                                      <p:cBhvr>
+                                        <p:cTn id="7" dur="1000"/>
+                                        <p:tgtEl>
+                                          <p:spTgt spid="2"/>
+                                        </p:tgtEl>
+                                      </p:cBhvr>
+                                    </p:animEffect>
+                                    <p:anim calcmode="lin" valueType="num">
+                                      <p:cBhvr>
+                                        <p:cTn id="8" dur="1000" fill="hold"/>
+                                        <p:tgtEl>
+                                          <p:spTgt spid="2"/>
+                                        </p:tgtEl>
+                                        <p:attrNameLst>
+                                          <p:attrName>ppt_x</p:attrName>
+                                        </p:attrNameLst>
+                                      </p:cBhvr>
+                                      <p:tavLst>
+                                        <p:tav tm="0">
+                                          <p:val>
+                                            <p:strVal val="#ppt_x"/>
+                                          </p:val>
+                                        </p:tav>
+                                        <p:tav tm="100000">
+                                          <p:val>
+                                            <p:strVal val="#ppt_x"/>
+                                          </p:val>
+                                        </p:tav>
+                                      </p:tavLst>
+                                    </p:anim>
+                                    <p:anim calcmode="lin" valueType="num">
+                                      <p:cBhvr>
+                                        <p:cTn id="9" dur="1000" fill="hold"/>
+                                        <p:tgtEl>
+                                          <p:spTgt spid="2"/>
+                                        </p:tgtEl>
+                                        <p:attrNameLst>
+                                          <p:attrName>ppt_y</p:attrName>
+                                        </p:attrNameLst>
+                                      </p:cBhvr>
+                                      <p:tavLst>
+                                        <p:tav tm="0">
+                                          <p:val>
+                                            <p:strVal val="#ppt_y+.1"/>
+                                          </p:val>
+                                        </p:tav>
+                                        <p:tav tm="100000">
+                                          <p:val>
+                                            <p:strVal val="#ppt_y"/>
+                                          </p:val>
+                                        </p:tav>
+                                      </p:tavLst>
+                                    </p:anim>
+                                  </p:childTnLst>
+                                </p:cTn>
+                              </p:par>
+                            </p:childTnLst>
+                          </p:cTn>
+                        </p:par>
+                      </p:childTnLst>
+                    </p:cTn>
+                  </p:par>
+                  <p:par>
+                    <p:cTn id="10" fill="hold">
+                      <p:stCondLst>
+                        <p:cond delay="indefinite"/>
+                      </p:stCondLst>
+                      <p:childTnLst>
+                        <p:par>
+                          <p:cTn id="11" fill="hold">
+                            <p:stCondLst>
+                              <p:cond delay="0"/>
+                            </p:stCondLst>
+                            <p:childTnLst>
+                              <p:par>
+                                <p:cTn id="12" presetID="3" presetClass="entr" presetSubtype="10" fill="hold" nodeType="clickEffect">
+                                  <p:stCondLst>
+                                    <p:cond delay="0"/>
+                                  </p:stCondLst>
+                                  <p:childTnLst>
+                                    <p:set>
+                                      <p:cBhvr>
+                                        <p:cTn id="13" dur="1" fill="hold">
+                                          <p:stCondLst>
+                                            <p:cond delay="0"/>
+                                          </p:stCondLst>
+                                        </p:cTn>
+                                        <p:tgtEl>
+                                          <p:spTgt spid="4"/>
+                                        </p:tgtEl>
+                                        <p:attrNameLst>
+                                          <p:attrName>style.visibility</p:attrName>
+                                        </p:attrNameLst>
+                                      </p:cBhvr>
+                                      <p:to>
+                                        <p:strVal val="visible"/>
+                                      </p:to>
+                                    </p:set>
+                                    <p:animEffect transition="in" filter="blinds(horizontal)">
+                                      <p:cBhvr>
+                                        <p:cTn id="14" dur="500"/>
+                                        <p:tgtEl>
+                                          <p:spTgt spid="4"/>
+                                        </p:tgtEl>
+                                      </p:cBhvr>
+                                    </p:animEffect>
+                                  </p:childTnLst>
+                                </p:cTn>
+                              </p:par>
+                            </p:childTnLst>
+                          </p:cTn>
+                        </p:par>
+                      </p:childTnLst>
+                    </p:cTn>
+                  </p:par>
+                </p:childTnLst>
+              </p:cTn>
+              <p:prevCondLst>
+                <p:cond evt="onPrev" delay="0">
+                  <p:tgtEl>
+                    <p:sldTgt/>
+                  </p:tgtEl>
+                </p:cond>
+              </p:prevCondLst>
+              <p:nextCondLst>
+                <p:cond evt="onNext" delay="0">
+                  <p:tgtEl>
+                    <p:sldTgt/>
+                  </p:tgtEl>
+                </p:cond>
+              </p:nextCondLst>
+            </p:seq>
+          </p:childTnLst>
+        </p:cTn>
+      </p:par>
+    </p:tnLst>
+    <p:bldLst>
+      <p:bldP spid="2" grpId="0" animBg="1"/>
+    </p:bldLst>
+  </p:timing>
+</p:sld>
+</file>
+
+<file path=ppt/slides/slide13.xml><?xml version="1.0" encoding="utf-8"?>
+<p:sld xmlns:a="http://schemas.openxmlformats.org/drawingml/2006/main" xmlns:r="http://schemas.openxmlformats.org/officeDocument/2006/relationships" xmlns:p="http://schemas.openxmlformats.org/presentationml/2006/main">
+  <p:cSld>
+    <p:spTree>
+      <p:nvGrpSpPr>
+        <p:cNvPr id="1" name=""/>
+        <p:cNvGrpSpPr/>
+        <p:nvPr/>
+      </p:nvGrpSpPr>
+      <p:grpSpPr>
+        <a:xfrm>
+          <a:off x="0" y="0"/>
+          <a:ext cx="0" cy="0"/>
+          <a:chOff x="0" y="0"/>
+          <a:chExt cx="0" cy="0"/>
+        </a:xfrm>
+      </p:grpSpPr>
+      <p:sp>
+        <p:nvSpPr>
+          <p:cNvPr id="2" name="Title 1">
+            <a:extLst>
+              <a:ext uri="{FF2B5EF4-FFF2-40B4-BE49-F238E27FC236}">
+                <a16:creationId xmlns:a16="http://schemas.microsoft.com/office/drawing/2014/main" id="{D99A4B8C-05BE-0C4F-6DA7-7BEF15F5B849}"/>
+              </a:ext>
+            </a:extLst>
+          </p:cNvPr>
+          <p:cNvSpPr>
+            <a:spLocks noGrp="1"/>
+          </p:cNvSpPr>
+          <p:nvPr>
+            <p:ph type="title"/>
+          </p:nvPr>
+        </p:nvSpPr>
+        <p:spPr/>
+        <p:txBody>
+          <a:bodyPr/>
+          <a:lstStyle/>
+          <a:p>
+            <a:r>
+              <a:rPr lang="en-US" dirty="0"/>
+              <a:t>Define Graphs</a:t>
+            </a:r>
+          </a:p>
+        </p:txBody>
+      </p:sp>
+      <p:sp>
+        <p:nvSpPr>
+          <p:cNvPr id="3" name="Content Placeholder 2">
+            <a:extLst>
+              <a:ext uri="{FF2B5EF4-FFF2-40B4-BE49-F238E27FC236}">
+                <a16:creationId xmlns:a16="http://schemas.microsoft.com/office/drawing/2014/main" id="{5B465202-9655-0D0F-2F34-1689A4888A91}"/>
+              </a:ext>
+            </a:extLst>
+          </p:cNvPr>
+          <p:cNvSpPr>
+            <a:spLocks noGrp="1"/>
+          </p:cNvSpPr>
+          <p:nvPr>
+            <p:ph idx="1"/>
+          </p:nvPr>
+        </p:nvSpPr>
+        <p:spPr/>
+        <p:txBody>
+          <a:bodyPr/>
+          <a:lstStyle/>
+          <a:p>
+            <a:r>
+              <a:rPr lang="en-US" dirty="0"/>
+              <a:t>Graphs are defined using dictionary</a:t>
+            </a:r>
+          </a:p>
+          <a:p>
+            <a:pPr marL="0" indent="0">
+              <a:buNone/>
+            </a:pPr>
+            <a:endParaRPr lang="en-US" dirty="0"/>
+          </a:p>
+          <a:p>
+            <a:pPr marL="0" indent="0">
+              <a:buNone/>
+            </a:pPr>
+            <a:r>
+              <a:rPr lang="en-US" dirty="0"/>
+              <a:t>graph = {</a:t>
+            </a:r>
+          </a:p>
+          <a:p>
+            <a:pPr marL="228600" lvl="1" indent="0">
+              <a:buNone/>
+            </a:pPr>
+            <a:r>
+              <a:rPr lang="en-US" dirty="0"/>
+              <a:t>“Mumbai” : [“Dubai”, “New York”],</a:t>
+            </a:r>
+          </a:p>
+          <a:p>
+            <a:pPr marL="228600" lvl="1" indent="0">
+              <a:buNone/>
+            </a:pPr>
+            <a:r>
+              <a:rPr lang="en-US" dirty="0"/>
+              <a:t>“Dubai” : [“Chicago”],</a:t>
+            </a:r>
+          </a:p>
+          <a:p>
+            <a:pPr marL="228600" lvl="1" indent="0">
+              <a:buNone/>
+            </a:pPr>
+            <a:r>
+              <a:rPr lang="en-US" dirty="0"/>
+              <a:t>“New York” : [“Dubai”, “Chicago”]</a:t>
+            </a:r>
+          </a:p>
+          <a:p>
+            <a:pPr marL="0" indent="0">
+              <a:buNone/>
+            </a:pPr>
+            <a:r>
+              <a:rPr lang="en-US" dirty="0"/>
+              <a:t>}</a:t>
+            </a:r>
+          </a:p>
+          <a:p>
+            <a:endParaRPr lang="en-US" dirty="0"/>
+          </a:p>
+        </p:txBody>
+      </p:sp>
+      <p:pic>
+        <p:nvPicPr>
+          <p:cNvPr id="4" name="Picture 3">
+            <a:extLst>
+              <a:ext uri="{FF2B5EF4-FFF2-40B4-BE49-F238E27FC236}">
+                <a16:creationId xmlns:a16="http://schemas.microsoft.com/office/drawing/2014/main" id="{FB9A22E8-7490-3974-4AFA-E5AE2DF4A1E6}"/>
+              </a:ext>
+            </a:extLst>
+          </p:cNvPr>
+          <p:cNvPicPr>
+            <a:picLocks noChangeAspect="1"/>
+          </p:cNvPicPr>
+          <p:nvPr/>
+        </p:nvPicPr>
+        <p:blipFill rotWithShape="1">
+          <a:blip r:embed="rId2"/>
+          <a:srcRect l="8686" r="15302" b="1870"/>
+          <a:stretch/>
+        </p:blipFill>
+        <p:spPr>
+          <a:xfrm>
+            <a:off x="6096000" y="2536443"/>
+            <a:ext cx="4285673" cy="1989375"/>
+          </a:xfrm>
+          <a:prstGeom prst="rect">
+            <a:avLst/>
+          </a:prstGeom>
+        </p:spPr>
+      </p:pic>
+    </p:spTree>
+    <p:extLst>
+      <p:ext uri="{BB962C8B-B14F-4D97-AF65-F5344CB8AC3E}">
+        <p14:creationId xmlns:p14="http://schemas.microsoft.com/office/powerpoint/2010/main" val="3430610711"/>
+      </p:ext>
+    </p:extLst>
+  </p:cSld>
+  <p:clrMapOvr>
+    <a:masterClrMapping/>
+  </p:clrMapOvr>
+  <p:timing>
+    <p:tnLst>
+      <p:par>
+        <p:cTn id="1" dur="indefinite" restart="never" nodeType="tmRoot">
+          <p:childTnLst>
+            <p:seq concurrent="1" nextAc="seek">
+              <p:cTn id="2" dur="indefinite" nodeType="mainSeq">
+                <p:childTnLst>
+                  <p:par>
+                    <p:cTn id="3" fill="hold">
+                      <p:stCondLst>
+                        <p:cond delay="indefinite"/>
+                        <p:cond evt="onBegin" delay="0">
+                          <p:tn val="2"/>
+                        </p:cond>
+                      </p:stCondLst>
+                      <p:childTnLst>
+                        <p:par>
+                          <p:cTn id="4" fill="hold">
+                            <p:stCondLst>
+                              <p:cond delay="0"/>
+                            </p:stCondLst>
+                            <p:childTnLst>
+                              <p:par>
+                                <p:cTn id="5" presetID="42" presetClass="entr" presetSubtype="0" fill="hold" grpId="0" nodeType="withEffect">
+                                  <p:stCondLst>
+                                    <p:cond delay="0"/>
+                                  </p:stCondLst>
+                                  <p:childTnLst>
+                                    <p:set>
+                                      <p:cBhvr>
+                                        <p:cTn id="6" dur="1" fill="hold">
+                                          <p:stCondLst>
+                                            <p:cond delay="0"/>
+                                          </p:stCondLst>
+                                        </p:cTn>
+                                        <p:tgtEl>
+                                          <p:spTgt spid="2"/>
+                                        </p:tgtEl>
+                                        <p:attrNameLst>
+                                          <p:attrName>style.visibility</p:attrName>
+                                        </p:attrNameLst>
+                                      </p:cBhvr>
+                                      <p:to>
+                                        <p:strVal val="visible"/>
+                                      </p:to>
+                                    </p:set>
+                                    <p:animEffect transition="in" filter="fade">
+                                      <p:cBhvr>
+                                        <p:cTn id="7" dur="1000"/>
+                                        <p:tgtEl>
+                                          <p:spTgt spid="2"/>
+                                        </p:tgtEl>
+                                      </p:cBhvr>
+                                    </p:animEffect>
+                                    <p:anim calcmode="lin" valueType="num">
+                                      <p:cBhvr>
+                                        <p:cTn id="8" dur="1000" fill="hold"/>
+                                        <p:tgtEl>
+                                          <p:spTgt spid="2"/>
+                                        </p:tgtEl>
+                                        <p:attrNameLst>
+                                          <p:attrName>ppt_x</p:attrName>
+                                        </p:attrNameLst>
+                                      </p:cBhvr>
+                                      <p:tavLst>
+                                        <p:tav tm="0">
+                                          <p:val>
+                                            <p:strVal val="#ppt_x"/>
+                                          </p:val>
+                                        </p:tav>
+                                        <p:tav tm="100000">
+                                          <p:val>
+                                            <p:strVal val="#ppt_x"/>
+                                          </p:val>
+                                        </p:tav>
+                                      </p:tavLst>
+                                    </p:anim>
+                                    <p:anim calcmode="lin" valueType="num">
+                                      <p:cBhvr>
+                                        <p:cTn id="9" dur="1000" fill="hold"/>
+                                        <p:tgtEl>
+                                          <p:spTgt spid="2"/>
+                                        </p:tgtEl>
+                                        <p:attrNameLst>
+                                          <p:attrName>ppt_y</p:attrName>
+                                        </p:attrNameLst>
+                                      </p:cBhvr>
+                                      <p:tavLst>
+                                        <p:tav tm="0">
+                                          <p:val>
+                                            <p:strVal val="#ppt_y+.1"/>
+                                          </p:val>
+                                        </p:tav>
+                                        <p:tav tm="100000">
+                                          <p:val>
+                                            <p:strVal val="#ppt_y"/>
+                                          </p:val>
+                                        </p:tav>
+                                      </p:tavLst>
+                                    </p:anim>
+                                  </p:childTnLst>
+                                </p:cTn>
+                              </p:par>
+                            </p:childTnLst>
+                          </p:cTn>
+                        </p:par>
+                      </p:childTnLst>
+                    </p:cTn>
+                  </p:par>
+                  <p:par>
+                    <p:cTn id="10" fill="hold">
+                      <p:stCondLst>
+                        <p:cond delay="indefinite"/>
+                      </p:stCondLst>
+                      <p:childTnLst>
+                        <p:par>
+                          <p:cTn id="11" fill="hold">
+                            <p:stCondLst>
+                              <p:cond delay="0"/>
+                            </p:stCondLst>
+                            <p:childTnLst>
+                              <p:par>
+                                <p:cTn id="12" presetID="3" presetClass="entr" presetSubtype="10" fill="hold" grpId="0" nodeType="clickEffect">
+                                  <p:stCondLst>
+                                    <p:cond delay="0"/>
+                                  </p:stCondLst>
+                                  <p:childTnLst>
+                                    <p:set>
+                                      <p:cBhvr>
+                                        <p:cTn id="13" dur="1" fill="hold">
+                                          <p:stCondLst>
+                                            <p:cond delay="0"/>
+                                          </p:stCondLst>
+                                        </p:cTn>
+                                        <p:tgtEl>
+                                          <p:spTgt spid="3">
+                                            <p:txEl>
+                                              <p:pRg st="0" end="0"/>
+                                            </p:txEl>
+                                          </p:spTgt>
+                                        </p:tgtEl>
+                                        <p:attrNameLst>
+                                          <p:attrName>style.visibility</p:attrName>
+                                        </p:attrNameLst>
+                                      </p:cBhvr>
+                                      <p:to>
+                                        <p:strVal val="visible"/>
+                                      </p:to>
+                                    </p:set>
+                                    <p:animEffect transition="in" filter="blinds(horizontal)">
+                                      <p:cBhvr>
+                                        <p:cTn id="14" dur="500"/>
+                                        <p:tgtEl>
+                                          <p:spTgt spid="3">
+                                            <p:txEl>
+                                              <p:pRg st="0" end="0"/>
+                                            </p:txEl>
+                                          </p:spTgt>
+                                        </p:tgtEl>
+                                      </p:cBhvr>
+                                    </p:animEffect>
+                                  </p:childTnLst>
+                                </p:cTn>
+                              </p:par>
+                            </p:childTnLst>
+                          </p:cTn>
+                        </p:par>
+                      </p:childTnLst>
+                    </p:cTn>
+                  </p:par>
+                  <p:par>
+                    <p:cTn id="15" fill="hold">
+                      <p:stCondLst>
+                        <p:cond delay="indefinite"/>
+                      </p:stCondLst>
+                      <p:childTnLst>
+                        <p:par>
+                          <p:cTn id="16" fill="hold">
+                            <p:stCondLst>
+                              <p:cond delay="0"/>
+                            </p:stCondLst>
+                            <p:childTnLst>
+                              <p:par>
+                                <p:cTn id="17" presetID="3" presetClass="entr" presetSubtype="10" fill="hold" grpId="0" nodeType="clickEffect">
+                                  <p:stCondLst>
+                                    <p:cond delay="0"/>
+                                  </p:stCondLst>
+                                  <p:childTnLst>
+                                    <p:set>
+                                      <p:cBhvr>
+                                        <p:cTn id="18" dur="1" fill="hold">
+                                          <p:stCondLst>
+                                            <p:cond delay="0"/>
+                                          </p:stCondLst>
+                                        </p:cTn>
+                                        <p:tgtEl>
+                                          <p:spTgt spid="3">
+                                            <p:txEl>
+                                              <p:pRg st="2" end="2"/>
+                                            </p:txEl>
+                                          </p:spTgt>
+                                        </p:tgtEl>
+                                        <p:attrNameLst>
+                                          <p:attrName>style.visibility</p:attrName>
+                                        </p:attrNameLst>
+                                      </p:cBhvr>
+                                      <p:to>
+                                        <p:strVal val="visible"/>
+                                      </p:to>
+                                    </p:set>
+                                    <p:animEffect transition="in" filter="blinds(horizontal)">
+                                      <p:cBhvr>
+                                        <p:cTn id="19" dur="500"/>
+                                        <p:tgtEl>
+                                          <p:spTgt spid="3">
+                                            <p:txEl>
+                                              <p:pRg st="2" end="2"/>
+                                            </p:txEl>
+                                          </p:spTgt>
+                                        </p:tgtEl>
+                                      </p:cBhvr>
+                                    </p:animEffect>
+                                  </p:childTnLst>
+                                </p:cTn>
+                              </p:par>
+                              <p:par>
+                                <p:cTn id="20" presetID="3" presetClass="entr" presetSubtype="10" fill="hold" grpId="0" nodeType="withEffect">
+                                  <p:stCondLst>
+                                    <p:cond delay="0"/>
+                                  </p:stCondLst>
+                                  <p:childTnLst>
+                                    <p:set>
+                                      <p:cBhvr>
+                                        <p:cTn id="21" dur="1" fill="hold">
+                                          <p:stCondLst>
+                                            <p:cond delay="0"/>
+                                          </p:stCondLst>
+                                        </p:cTn>
+                                        <p:tgtEl>
+                                          <p:spTgt spid="3">
+                                            <p:txEl>
+                                              <p:pRg st="3" end="3"/>
+                                            </p:txEl>
+                                          </p:spTgt>
+                                        </p:tgtEl>
+                                        <p:attrNameLst>
+                                          <p:attrName>style.visibility</p:attrName>
+                                        </p:attrNameLst>
+                                      </p:cBhvr>
+                                      <p:to>
+                                        <p:strVal val="visible"/>
+                                      </p:to>
+                                    </p:set>
+                                    <p:animEffect transition="in" filter="blinds(horizontal)">
+                                      <p:cBhvr>
+                                        <p:cTn id="22" dur="500"/>
+                                        <p:tgtEl>
+                                          <p:spTgt spid="3">
+                                            <p:txEl>
+                                              <p:pRg st="3" end="3"/>
+                                            </p:txEl>
+                                          </p:spTgt>
+                                        </p:tgtEl>
+                                      </p:cBhvr>
+                                    </p:animEffect>
+                                  </p:childTnLst>
+                                </p:cTn>
+                              </p:par>
+                              <p:par>
+                                <p:cTn id="23" presetID="3" presetClass="entr" presetSubtype="10" fill="hold" grpId="0" nodeType="withEffect">
+                                  <p:stCondLst>
+                                    <p:cond delay="0"/>
+                                  </p:stCondLst>
+                                  <p:childTnLst>
+                                    <p:set>
+                                      <p:cBhvr>
+                                        <p:cTn id="24" dur="1" fill="hold">
+                                          <p:stCondLst>
+                                            <p:cond delay="0"/>
+                                          </p:stCondLst>
+                                        </p:cTn>
+                                        <p:tgtEl>
+                                          <p:spTgt spid="3">
+                                            <p:txEl>
+                                              <p:pRg st="4" end="4"/>
+                                            </p:txEl>
+                                          </p:spTgt>
+                                        </p:tgtEl>
+                                        <p:attrNameLst>
+                                          <p:attrName>style.visibility</p:attrName>
+                                        </p:attrNameLst>
+                                      </p:cBhvr>
+                                      <p:to>
+                                        <p:strVal val="visible"/>
+                                      </p:to>
+                                    </p:set>
+                                    <p:animEffect transition="in" filter="blinds(horizontal)">
+                                      <p:cBhvr>
+                                        <p:cTn id="25" dur="500"/>
+                                        <p:tgtEl>
+                                          <p:spTgt spid="3">
+                                            <p:txEl>
+                                              <p:pRg st="4" end="4"/>
+                                            </p:txEl>
+                                          </p:spTgt>
+                                        </p:tgtEl>
+                                      </p:cBhvr>
+                                    </p:animEffect>
+                                  </p:childTnLst>
+                                </p:cTn>
+                              </p:par>
+                              <p:par>
+                                <p:cTn id="26" presetID="3" presetClass="entr" presetSubtype="10" fill="hold" grpId="0" nodeType="withEffect">
+                                  <p:stCondLst>
+                                    <p:cond delay="0"/>
+                                  </p:stCondLst>
+                                  <p:childTnLst>
+                                    <p:set>
+                                      <p:cBhvr>
+                                        <p:cTn id="27" dur="1" fill="hold">
+                                          <p:stCondLst>
+                                            <p:cond delay="0"/>
+                                          </p:stCondLst>
+                                        </p:cTn>
+                                        <p:tgtEl>
+                                          <p:spTgt spid="3">
+                                            <p:txEl>
+                                              <p:pRg st="5" end="5"/>
+                                            </p:txEl>
+                                          </p:spTgt>
+                                        </p:tgtEl>
+                                        <p:attrNameLst>
+                                          <p:attrName>style.visibility</p:attrName>
+                                        </p:attrNameLst>
+                                      </p:cBhvr>
+                                      <p:to>
+                                        <p:strVal val="visible"/>
+                                      </p:to>
+                                    </p:set>
+                                    <p:animEffect transition="in" filter="blinds(horizontal)">
+                                      <p:cBhvr>
+                                        <p:cTn id="28" dur="500"/>
+                                        <p:tgtEl>
+                                          <p:spTgt spid="3">
+                                            <p:txEl>
+                                              <p:pRg st="5" end="5"/>
+                                            </p:txEl>
+                                          </p:spTgt>
+                                        </p:tgtEl>
+                                      </p:cBhvr>
+                                    </p:animEffect>
+                                  </p:childTnLst>
+                                </p:cTn>
+                              </p:par>
+                            </p:childTnLst>
+                          </p:cTn>
+                        </p:par>
+                      </p:childTnLst>
+                    </p:cTn>
+                  </p:par>
+                  <p:par>
+                    <p:cTn id="29" fill="hold">
+                      <p:stCondLst>
+                        <p:cond delay="indefinite"/>
+                      </p:stCondLst>
+                      <p:childTnLst>
+                        <p:par>
+                          <p:cTn id="30" fill="hold">
+                            <p:stCondLst>
+                              <p:cond delay="0"/>
+                            </p:stCondLst>
+                            <p:childTnLst>
+                              <p:par>
+                                <p:cTn id="31" presetID="3" presetClass="entr" presetSubtype="10" fill="hold" grpId="0" nodeType="clickEffect">
+                                  <p:stCondLst>
+                                    <p:cond delay="0"/>
+                                  </p:stCondLst>
+                                  <p:childTnLst>
+                                    <p:set>
+                                      <p:cBhvr>
+                                        <p:cTn id="32" dur="1" fill="hold">
+                                          <p:stCondLst>
+                                            <p:cond delay="0"/>
+                                          </p:stCondLst>
+                                        </p:cTn>
+                                        <p:tgtEl>
+                                          <p:spTgt spid="3">
+                                            <p:txEl>
+                                              <p:pRg st="6" end="6"/>
+                                            </p:txEl>
+                                          </p:spTgt>
+                                        </p:tgtEl>
+                                        <p:attrNameLst>
+                                          <p:attrName>style.visibility</p:attrName>
+                                        </p:attrNameLst>
+                                      </p:cBhvr>
+                                      <p:to>
+                                        <p:strVal val="visible"/>
+                                      </p:to>
+                                    </p:set>
+                                    <p:animEffect transition="in" filter="blinds(horizontal)">
+                                      <p:cBhvr>
+                                        <p:cTn id="33" dur="500"/>
+                                        <p:tgtEl>
+                                          <p:spTgt spid="3">
+                                            <p:txEl>
+                                              <p:pRg st="6" end="6"/>
+                                            </p:txEl>
+                                          </p:spTgt>
+                                        </p:tgtEl>
+                                      </p:cBhvr>
+                                    </p:animEffect>
+                                  </p:childTnLst>
+                                </p:cTn>
+                              </p:par>
+                            </p:childTnLst>
+                          </p:cTn>
+                        </p:par>
+                      </p:childTnLst>
+                    </p:cTn>
+                  </p:par>
+                  <p:par>
+                    <p:cTn id="34" fill="hold">
+                      <p:stCondLst>
+                        <p:cond delay="indefinite"/>
+                      </p:stCondLst>
+                      <p:childTnLst>
+                        <p:par>
+                          <p:cTn id="35" fill="hold">
+                            <p:stCondLst>
+                              <p:cond delay="0"/>
+                            </p:stCondLst>
+                            <p:childTnLst>
+                              <p:par>
+                                <p:cTn id="36" presetID="3" presetClass="entr" presetSubtype="10" fill="hold" nodeType="clickEffect">
+                                  <p:stCondLst>
+                                    <p:cond delay="0"/>
+                                  </p:stCondLst>
+                                  <p:childTnLst>
+                                    <p:set>
+                                      <p:cBhvr>
+                                        <p:cTn id="37" dur="1" fill="hold">
+                                          <p:stCondLst>
+                                            <p:cond delay="0"/>
+                                          </p:stCondLst>
+                                        </p:cTn>
+                                        <p:tgtEl>
+                                          <p:spTgt spid="4"/>
+                                        </p:tgtEl>
+                                        <p:attrNameLst>
+                                          <p:attrName>style.visibility</p:attrName>
+                                        </p:attrNameLst>
+                                      </p:cBhvr>
+                                      <p:to>
+                                        <p:strVal val="visible"/>
+                                      </p:to>
+                                    </p:set>
+                                    <p:animEffect transition="in" filter="blinds(horizontal)">
+                                      <p:cBhvr>
+                                        <p:cTn id="38" dur="500"/>
+                                        <p:tgtEl>
+                                          <p:spTgt spid="4"/>
+                                        </p:tgtEl>
+                                      </p:cBhvr>
+                                    </p:animEffect>
+                                  </p:childTnLst>
+                                </p:cTn>
+                              </p:par>
+                            </p:childTnLst>
+                          </p:cTn>
+                        </p:par>
+                      </p:childTnLst>
+                    </p:cTn>
+                  </p:par>
+                </p:childTnLst>
+              </p:cTn>
+              <p:prevCondLst>
+                <p:cond evt="onPrev" delay="0">
+                  <p:tgtEl>
+                    <p:sldTgt/>
+                  </p:tgtEl>
+                </p:cond>
+              </p:prevCondLst>
+              <p:nextCondLst>
+                <p:cond evt="onNext" delay="0">
+                  <p:tgtEl>
+                    <p:sldTgt/>
+                  </p:tgtEl>
+                </p:cond>
+              </p:nextCondLst>
+            </p:seq>
+          </p:childTnLst>
+        </p:cTn>
+      </p:par>
+    </p:tnLst>
+    <p:bldLst>
+      <p:bldP spid="2" grpId="0" animBg="1"/>
+      <p:bldP spid="3" grpId="0" build="p"/>
+    </p:bldLst>
+  </p:timing>
+</p:sld>
+</file>
+
+<file path=ppt/slides/slide14.xml><?xml version="1.0" encoding="utf-8"?>
+<p:sld xmlns:a="http://schemas.openxmlformats.org/drawingml/2006/main" xmlns:r="http://schemas.openxmlformats.org/officeDocument/2006/relationships" xmlns:p="http://schemas.openxmlformats.org/presentationml/2006/main">
+  <p:cSld>
+    <p:spTree>
+      <p:nvGrpSpPr>
+        <p:cNvPr id="1" name=""/>
+        <p:cNvGrpSpPr/>
+        <p:nvPr/>
+      </p:nvGrpSpPr>
+      <p:grpSpPr>
+        <a:xfrm>
+          <a:off x="0" y="0"/>
+          <a:ext cx="0" cy="0"/>
+          <a:chOff x="0" y="0"/>
+          <a:chExt cx="0" cy="0"/>
+        </a:xfrm>
+      </p:grpSpPr>
+      <p:sp>
+        <p:nvSpPr>
+          <p:cNvPr id="2" name="Title 1">
+            <a:extLst>
+              <a:ext uri="{FF2B5EF4-FFF2-40B4-BE49-F238E27FC236}">
+                <a16:creationId xmlns:a16="http://schemas.microsoft.com/office/drawing/2014/main" id="{4F5EF9EB-4420-6128-36AB-7C3CDFD47D90}"/>
+              </a:ext>
+            </a:extLst>
+          </p:cNvPr>
+          <p:cNvSpPr>
+            <a:spLocks noGrp="1"/>
+          </p:cNvSpPr>
+          <p:nvPr>
+            <p:ph type="title"/>
+          </p:nvPr>
+        </p:nvSpPr>
+        <p:spPr/>
+        <p:txBody>
+          <a:bodyPr/>
+          <a:lstStyle/>
+          <a:p>
+            <a:r>
+              <a:rPr lang="en-US" dirty="0"/>
+              <a:t>Implementations</a:t>
+            </a:r>
+          </a:p>
+        </p:txBody>
+      </p:sp>
+      <p:sp>
+        <p:nvSpPr>
+          <p:cNvPr id="3" name="Content Placeholder 2">
+            <a:extLst>
+              <a:ext uri="{FF2B5EF4-FFF2-40B4-BE49-F238E27FC236}">
+                <a16:creationId xmlns:a16="http://schemas.microsoft.com/office/drawing/2014/main" id="{A8AB0D9B-E3DB-6A0D-5DF9-21118ED4E779}"/>
+              </a:ext>
+            </a:extLst>
+          </p:cNvPr>
+          <p:cNvSpPr>
+            <a:spLocks noGrp="1"/>
+          </p:cNvSpPr>
+          <p:nvPr>
+            <p:ph idx="1"/>
+          </p:nvPr>
+        </p:nvSpPr>
+        <p:spPr/>
+        <p:txBody>
+          <a:bodyPr/>
+          <a:lstStyle/>
+          <a:p>
+            <a:r>
+              <a:rPr lang="en-US" dirty="0"/>
+              <a:t>Social media – Fb, Insta, Twitter, LinkedIn</a:t>
+            </a:r>
+          </a:p>
+          <a:p>
+            <a:r>
+              <a:rPr lang="en-US" dirty="0"/>
+              <a:t>Internet and Web</a:t>
+            </a:r>
+          </a:p>
+          <a:p>
+            <a:r>
+              <a:rPr lang="en-US" dirty="0"/>
+              <a:t>Recommendation Systems</a:t>
+            </a:r>
+          </a:p>
+          <a:p>
+            <a:r>
+              <a:rPr lang="en-US" dirty="0"/>
+              <a:t>Transportation Networks</a:t>
+            </a:r>
+          </a:p>
+          <a:p>
+            <a:endParaRPr lang="en-US" dirty="0"/>
+          </a:p>
+          <a:p>
+            <a:pPr marL="0" indent="0">
+              <a:buNone/>
+            </a:pPr>
+            <a:endParaRPr lang="en-US" dirty="0"/>
+          </a:p>
+        </p:txBody>
+      </p:sp>
+    </p:spTree>
+    <p:extLst>
+      <p:ext uri="{BB962C8B-B14F-4D97-AF65-F5344CB8AC3E}">
+        <p14:creationId xmlns:p14="http://schemas.microsoft.com/office/powerpoint/2010/main" val="2536307443"/>
+      </p:ext>
+    </p:extLst>
+  </p:cSld>
+  <p:clrMapOvr>
+    <a:masterClrMapping/>
+  </p:clrMapOvr>
+  <p:timing>
+    <p:tnLst>
+      <p:par>
+        <p:cTn id="1" dur="indefinite" restart="never" nodeType="tmRoot">
+          <p:childTnLst>
+            <p:seq concurrent="1" nextAc="seek">
+              <p:cTn id="2" dur="indefinite" nodeType="mainSeq">
+                <p:childTnLst>
+                  <p:par>
+                    <p:cTn id="3" fill="hold">
+                      <p:stCondLst>
+                        <p:cond delay="indefinite"/>
+                        <p:cond evt="onBegin" delay="0">
+                          <p:tn val="2"/>
+                        </p:cond>
+                      </p:stCondLst>
+                      <p:childTnLst>
+                        <p:par>
+                          <p:cTn id="4" fill="hold">
+                            <p:stCondLst>
+                              <p:cond delay="0"/>
+                            </p:stCondLst>
+                            <p:childTnLst>
+                              <p:par>
+                                <p:cTn id="5" presetID="42" presetClass="entr" presetSubtype="0" fill="hold" grpId="0" nodeType="withEffect">
+                                  <p:stCondLst>
+                                    <p:cond delay="0"/>
+                                  </p:stCondLst>
+                                  <p:childTnLst>
+                                    <p:set>
+                                      <p:cBhvr>
+                                        <p:cTn id="6" dur="1" fill="hold">
+                                          <p:stCondLst>
+                                            <p:cond delay="0"/>
+                                          </p:stCondLst>
+                                        </p:cTn>
+                                        <p:tgtEl>
+                                          <p:spTgt spid="2"/>
+                                        </p:tgtEl>
+                                        <p:attrNameLst>
+                                          <p:attrName>style.visibility</p:attrName>
+                                        </p:attrNameLst>
+                                      </p:cBhvr>
+                                      <p:to>
+                                        <p:strVal val="visible"/>
+                                      </p:to>
+                                    </p:set>
+                                    <p:animEffect transition="in" filter="fade">
+                                      <p:cBhvr>
+                                        <p:cTn id="7" dur="1000"/>
+                                        <p:tgtEl>
+                                          <p:spTgt spid="2"/>
+                                        </p:tgtEl>
+                                      </p:cBhvr>
+                                    </p:animEffect>
+                                    <p:anim calcmode="lin" valueType="num">
+                                      <p:cBhvr>
+                                        <p:cTn id="8" dur="1000" fill="hold"/>
+                                        <p:tgtEl>
+                                          <p:spTgt spid="2"/>
+                                        </p:tgtEl>
+                                        <p:attrNameLst>
+                                          <p:attrName>ppt_x</p:attrName>
+                                        </p:attrNameLst>
+                                      </p:cBhvr>
+                                      <p:tavLst>
+                                        <p:tav tm="0">
+                                          <p:val>
+                                            <p:strVal val="#ppt_x"/>
+                                          </p:val>
+                                        </p:tav>
+                                        <p:tav tm="100000">
+                                          <p:val>
+                                            <p:strVal val="#ppt_x"/>
+                                          </p:val>
+                                        </p:tav>
+                                      </p:tavLst>
+                                    </p:anim>
+                                    <p:anim calcmode="lin" valueType="num">
+                                      <p:cBhvr>
+                                        <p:cTn id="9" dur="1000" fill="hold"/>
+                                        <p:tgtEl>
+                                          <p:spTgt spid="2"/>
+                                        </p:tgtEl>
+                                        <p:attrNameLst>
+                                          <p:attrName>ppt_y</p:attrName>
+                                        </p:attrNameLst>
+                                      </p:cBhvr>
+                                      <p:tavLst>
+                                        <p:tav tm="0">
+                                          <p:val>
+                                            <p:strVal val="#ppt_y+.1"/>
+                                          </p:val>
+                                        </p:tav>
+                                        <p:tav tm="100000">
+                                          <p:val>
+                                            <p:strVal val="#ppt_y"/>
+                                          </p:val>
+                                        </p:tav>
+                                      </p:tavLst>
+                                    </p:anim>
+                                  </p:childTnLst>
+                                </p:cTn>
+                              </p:par>
+                            </p:childTnLst>
+                          </p:cTn>
+                        </p:par>
+                      </p:childTnLst>
+                    </p:cTn>
+                  </p:par>
+                  <p:par>
+                    <p:cTn id="10" fill="hold">
+                      <p:stCondLst>
+                        <p:cond delay="indefinite"/>
+                      </p:stCondLst>
+                      <p:childTnLst>
+                        <p:par>
+                          <p:cTn id="11" fill="hold">
+                            <p:stCondLst>
+                              <p:cond delay="0"/>
+                            </p:stCondLst>
+                            <p:childTnLst>
+                              <p:par>
+                                <p:cTn id="12" presetID="3" presetClass="entr" presetSubtype="10" fill="hold" grpId="0" nodeType="clickEffect">
+                                  <p:stCondLst>
+                                    <p:cond delay="0"/>
+                                  </p:stCondLst>
+                                  <p:childTnLst>
+                                    <p:set>
+                                      <p:cBhvr>
+                                        <p:cTn id="13" dur="1" fill="hold">
+                                          <p:stCondLst>
+                                            <p:cond delay="0"/>
+                                          </p:stCondLst>
+                                        </p:cTn>
+                                        <p:tgtEl>
+                                          <p:spTgt spid="3">
+                                            <p:txEl>
+                                              <p:pRg st="0" end="0"/>
+                                            </p:txEl>
+                                          </p:spTgt>
+                                        </p:tgtEl>
+                                        <p:attrNameLst>
+                                          <p:attrName>style.visibility</p:attrName>
+                                        </p:attrNameLst>
+                                      </p:cBhvr>
+                                      <p:to>
+                                        <p:strVal val="visible"/>
+                                      </p:to>
+                                    </p:set>
+                                    <p:animEffect transition="in" filter="blinds(horizontal)">
+                                      <p:cBhvr>
+                                        <p:cTn id="14" dur="500"/>
+                                        <p:tgtEl>
+                                          <p:spTgt spid="3">
+                                            <p:txEl>
+                                              <p:pRg st="0" end="0"/>
+                                            </p:txEl>
+                                          </p:spTgt>
+                                        </p:tgtEl>
+                                      </p:cBhvr>
+                                    </p:animEffect>
+                                  </p:childTnLst>
+                                </p:cTn>
+                              </p:par>
+                            </p:childTnLst>
+                          </p:cTn>
+                        </p:par>
+                      </p:childTnLst>
+                    </p:cTn>
+                  </p:par>
+                  <p:par>
+                    <p:cTn id="15" fill="hold">
+                      <p:stCondLst>
+                        <p:cond delay="indefinite"/>
+                      </p:stCondLst>
+                      <p:childTnLst>
+                        <p:par>
+                          <p:cTn id="16" fill="hold">
+                            <p:stCondLst>
+                              <p:cond delay="0"/>
+                            </p:stCondLst>
+                            <p:childTnLst>
+                              <p:par>
+                                <p:cTn id="17" presetID="3" presetClass="entr" presetSubtype="10" fill="hold" grpId="0" nodeType="clickEffect">
+                                  <p:stCondLst>
+                                    <p:cond delay="0"/>
+                                  </p:stCondLst>
+                                  <p:childTnLst>
+                                    <p:set>
+                                      <p:cBhvr>
+                                        <p:cTn id="18" dur="1" fill="hold">
+                                          <p:stCondLst>
+                                            <p:cond delay="0"/>
+                                          </p:stCondLst>
+                                        </p:cTn>
+                                        <p:tgtEl>
+                                          <p:spTgt spid="3">
+                                            <p:txEl>
+                                              <p:pRg st="1" end="1"/>
+                                            </p:txEl>
+                                          </p:spTgt>
+                                        </p:tgtEl>
+                                        <p:attrNameLst>
+                                          <p:attrName>style.visibility</p:attrName>
+                                        </p:attrNameLst>
+                                      </p:cBhvr>
+                                      <p:to>
+                                        <p:strVal val="visible"/>
+                                      </p:to>
+                                    </p:set>
+                                    <p:animEffect transition="in" filter="blinds(horizontal)">
+                                      <p:cBhvr>
+                                        <p:cTn id="19" dur="500"/>
+                                        <p:tgtEl>
+                                          <p:spTgt spid="3">
+                                            <p:txEl>
+                                              <p:pRg st="1" end="1"/>
+                                            </p:txEl>
+                                          </p:spTgt>
+                                        </p:tgtEl>
+                                      </p:cBhvr>
+                                    </p:animEffect>
+                                  </p:childTnLst>
+                                </p:cTn>
+                              </p:par>
+                            </p:childTnLst>
+                          </p:cTn>
+                        </p:par>
+                      </p:childTnLst>
+                    </p:cTn>
+                  </p:par>
+                  <p:par>
+                    <p:cTn id="20" fill="hold">
+                      <p:stCondLst>
+                        <p:cond delay="indefinite"/>
+                      </p:stCondLst>
+                      <p:childTnLst>
+                        <p:par>
+                          <p:cTn id="21" fill="hold">
+                            <p:stCondLst>
+                              <p:cond delay="0"/>
+                            </p:stCondLst>
+                            <p:childTnLst>
+                              <p:par>
+                                <p:cTn id="22" presetID="3" presetClass="entr" presetSubtype="10" fill="hold" grpId="0" nodeType="clickEffect">
+                                  <p:stCondLst>
+                                    <p:cond delay="0"/>
+                                  </p:stCondLst>
+                                  <p:childTnLst>
+                                    <p:set>
+                                      <p:cBhvr>
+                                        <p:cTn id="23" dur="1" fill="hold">
+                                          <p:stCondLst>
+                                            <p:cond delay="0"/>
+                                          </p:stCondLst>
+                                        </p:cTn>
+                                        <p:tgtEl>
+                                          <p:spTgt spid="3">
+                                            <p:txEl>
+                                              <p:pRg st="2" end="2"/>
+                                            </p:txEl>
+                                          </p:spTgt>
+                                        </p:tgtEl>
+                                        <p:attrNameLst>
+                                          <p:attrName>style.visibility</p:attrName>
+                                        </p:attrNameLst>
+                                      </p:cBhvr>
+                                      <p:to>
+                                        <p:strVal val="visible"/>
+                                      </p:to>
+                                    </p:set>
+                                    <p:animEffect transition="in" filter="blinds(horizontal)">
+                                      <p:cBhvr>
+                                        <p:cTn id="24" dur="500"/>
+                                        <p:tgtEl>
+                                          <p:spTgt spid="3">
+                                            <p:txEl>
+                                              <p:pRg st="2" end="2"/>
+                                            </p:txEl>
+                                          </p:spTgt>
+                                        </p:tgtEl>
+                                      </p:cBhvr>
+                                    </p:animEffect>
+                                  </p:childTnLst>
+                                </p:cTn>
+                              </p:par>
+                            </p:childTnLst>
+                          </p:cTn>
+                        </p:par>
+                      </p:childTnLst>
+                    </p:cTn>
+                  </p:par>
+                  <p:par>
+                    <p:cTn id="25" fill="hold">
+                      <p:stCondLst>
+                        <p:cond delay="indefinite"/>
+                      </p:stCondLst>
+                      <p:childTnLst>
+                        <p:par>
+                          <p:cTn id="26" fill="hold">
+                            <p:stCondLst>
+                              <p:cond delay="0"/>
+                            </p:stCondLst>
+                            <p:childTnLst>
+                              <p:par>
+                                <p:cTn id="27" presetID="3" presetClass="entr" presetSubtype="10" fill="hold" grpId="0" nodeType="clickEffect">
+                                  <p:stCondLst>
+                                    <p:cond delay="0"/>
+                                  </p:stCondLst>
+                                  <p:childTnLst>
+                                    <p:set>
+                                      <p:cBhvr>
+                                        <p:cTn id="28" dur="1" fill="hold">
+                                          <p:stCondLst>
+                                            <p:cond delay="0"/>
+                                          </p:stCondLst>
+                                        </p:cTn>
+                                        <p:tgtEl>
+                                          <p:spTgt spid="3">
+                                            <p:txEl>
+                                              <p:pRg st="3" end="3"/>
+                                            </p:txEl>
+                                          </p:spTgt>
+                                        </p:tgtEl>
+                                        <p:attrNameLst>
+                                          <p:attrName>style.visibility</p:attrName>
+                                        </p:attrNameLst>
+                                      </p:cBhvr>
+                                      <p:to>
+                                        <p:strVal val="visible"/>
+                                      </p:to>
+                                    </p:set>
+                                    <p:animEffect transition="in" filter="blinds(horizontal)">
+                                      <p:cBhvr>
+                                        <p:cTn id="29" dur="500"/>
+                                        <p:tgtEl>
+                                          <p:spTgt spid="3">
+                                            <p:txEl>
+                                              <p:pRg st="3" end="3"/>
+                                            </p:txEl>
+                                          </p:spTgt>
+                                        </p:tgtEl>
+                                      </p:cBhvr>
+                                    </p:animEffect>
+                                  </p:childTnLst>
+                                </p:cTn>
+                              </p:par>
+                            </p:childTnLst>
+                          </p:cTn>
+                        </p:par>
+                      </p:childTnLst>
+                    </p:cTn>
+                  </p:par>
+                </p:childTnLst>
+              </p:cTn>
+              <p:prevCondLst>
+                <p:cond evt="onPrev" delay="0">
+                  <p:tgtEl>
+                    <p:sldTgt/>
+                  </p:tgtEl>
+                </p:cond>
+              </p:prevCondLst>
+              <p:nextCondLst>
+                <p:cond evt="onNext" delay="0">
+                  <p:tgtEl>
+                    <p:sldTgt/>
+                  </p:tgtEl>
+                </p:cond>
+              </p:nextCondLst>
+            </p:seq>
+          </p:childTnLst>
+        </p:cTn>
+      </p:par>
+    </p:tnLst>
+    <p:bldLst>
+      <p:bldP spid="2" grpId="0" animBg="1"/>
+      <p:bldP spid="3" grpId="0" build="p"/>
+    </p:bldLst>
+  </p:timing>
+</p:sld>
+</file>
+
+<file path=ppt/slides/slide15.xml><?xml version="1.0" encoding="utf-8"?>
+<p:sld xmlns:a="http://schemas.openxmlformats.org/drawingml/2006/main" xmlns:r="http://schemas.openxmlformats.org/officeDocument/2006/relationships" xmlns:p="http://schemas.openxmlformats.org/presentationml/2006/main">
+  <p:cSld>
+    <p:spTree>
+      <p:nvGrpSpPr>
+        <p:cNvPr id="1" name=""/>
+        <p:cNvGrpSpPr/>
+        <p:nvPr/>
+      </p:nvGrpSpPr>
+      <p:grpSpPr>
+        <a:xfrm>
+          <a:off x="0" y="0"/>
+          <a:ext cx="0" cy="0"/>
+          <a:chOff x="0" y="0"/>
+          <a:chExt cx="0" cy="0"/>
+        </a:xfrm>
+      </p:grpSpPr>
+      <p:sp>
+        <p:nvSpPr>
+          <p:cNvPr id="2" name="Title 1">
+            <a:extLst>
+              <a:ext uri="{FF2B5EF4-FFF2-40B4-BE49-F238E27FC236}">
+                <a16:creationId xmlns:a16="http://schemas.microsoft.com/office/drawing/2014/main" id="{19BEA904-CC51-B5C2-6548-779E807F6947}"/>
+              </a:ext>
+            </a:extLst>
+          </p:cNvPr>
+          <p:cNvSpPr>
+            <a:spLocks noGrp="1"/>
+          </p:cNvSpPr>
+          <p:nvPr>
+            <p:ph type="title"/>
+          </p:nvPr>
+        </p:nvSpPr>
+        <p:spPr/>
+        <p:txBody>
+          <a:bodyPr/>
+          <a:lstStyle/>
+          <a:p>
+            <a:r>
+              <a:rPr lang="en-US" dirty="0"/>
+              <a:t>Traverse Graphs</a:t>
+            </a:r>
+          </a:p>
+        </p:txBody>
+      </p:sp>
+      <p:sp>
+        <p:nvSpPr>
+          <p:cNvPr id="3" name="Content Placeholder 2">
+            <a:extLst>
+              <a:ext uri="{FF2B5EF4-FFF2-40B4-BE49-F238E27FC236}">
+                <a16:creationId xmlns:a16="http://schemas.microsoft.com/office/drawing/2014/main" id="{1A42270C-CDEC-2417-25F2-6ECBA8685FD2}"/>
+              </a:ext>
+            </a:extLst>
+          </p:cNvPr>
+          <p:cNvSpPr>
+            <a:spLocks noGrp="1"/>
+          </p:cNvSpPr>
+          <p:nvPr>
+            <p:ph idx="1"/>
+          </p:nvPr>
+        </p:nvSpPr>
+        <p:spPr/>
+        <p:txBody>
+          <a:bodyPr/>
+          <a:lstStyle/>
+          <a:p>
+            <a:r>
+              <a:rPr lang="en-US" dirty="0"/>
+              <a:t>Breadth First Search</a:t>
+            </a:r>
+          </a:p>
+          <a:p>
+            <a:r>
+              <a:rPr lang="en-US" dirty="0"/>
+              <a:t>Depth First Search</a:t>
+            </a:r>
+          </a:p>
+        </p:txBody>
+      </p:sp>
+    </p:spTree>
+    <p:extLst>
+      <p:ext uri="{BB962C8B-B14F-4D97-AF65-F5344CB8AC3E}">
+        <p14:creationId xmlns:p14="http://schemas.microsoft.com/office/powerpoint/2010/main" val="3907392610"/>
+      </p:ext>
+    </p:extLst>
+  </p:cSld>
+  <p:clrMapOvr>
+    <a:masterClrMapping/>
+  </p:clrMapOvr>
+  <p:timing>
+    <p:tnLst>
+      <p:par>
+        <p:cTn id="1" dur="indefinite" restart="never" nodeType="tmRoot">
+          <p:childTnLst>
+            <p:seq concurrent="1" nextAc="seek">
+              <p:cTn id="2" dur="indefinite" nodeType="mainSeq">
+                <p:childTnLst>
+                  <p:par>
+                    <p:cTn id="3" fill="hold">
+                      <p:stCondLst>
+                        <p:cond delay="indefinite"/>
+                        <p:cond evt="onBegin" delay="0">
+                          <p:tn val="2"/>
+                        </p:cond>
+                      </p:stCondLst>
+                      <p:childTnLst>
+                        <p:par>
+                          <p:cTn id="4" fill="hold">
+                            <p:stCondLst>
+                              <p:cond delay="0"/>
+                            </p:stCondLst>
+                            <p:childTnLst>
+                              <p:par>
+                                <p:cTn id="5" presetID="42" presetClass="entr" presetSubtype="0" fill="hold" grpId="0" nodeType="withEffect">
+                                  <p:stCondLst>
+                                    <p:cond delay="0"/>
+                                  </p:stCondLst>
+                                  <p:childTnLst>
+                                    <p:set>
+                                      <p:cBhvr>
+                                        <p:cTn id="6" dur="1" fill="hold">
+                                          <p:stCondLst>
+                                            <p:cond delay="0"/>
+                                          </p:stCondLst>
+                                        </p:cTn>
+                                        <p:tgtEl>
+                                          <p:spTgt spid="2"/>
+                                        </p:tgtEl>
+                                        <p:attrNameLst>
+                                          <p:attrName>style.visibility</p:attrName>
+                                        </p:attrNameLst>
+                                      </p:cBhvr>
+                                      <p:to>
+                                        <p:strVal val="visible"/>
+                                      </p:to>
+                                    </p:set>
+                                    <p:animEffect transition="in" filter="fade">
+                                      <p:cBhvr>
+                                        <p:cTn id="7" dur="1000"/>
+                                        <p:tgtEl>
+                                          <p:spTgt spid="2"/>
+                                        </p:tgtEl>
+                                      </p:cBhvr>
+                                    </p:animEffect>
+                                    <p:anim calcmode="lin" valueType="num">
+                                      <p:cBhvr>
+                                        <p:cTn id="8" dur="1000" fill="hold"/>
+                                        <p:tgtEl>
+                                          <p:spTgt spid="2"/>
+                                        </p:tgtEl>
+                                        <p:attrNameLst>
+                                          <p:attrName>ppt_x</p:attrName>
+                                        </p:attrNameLst>
+                                      </p:cBhvr>
+                                      <p:tavLst>
+                                        <p:tav tm="0">
+                                          <p:val>
+                                            <p:strVal val="#ppt_x"/>
+                                          </p:val>
+                                        </p:tav>
+                                        <p:tav tm="100000">
+                                          <p:val>
+                                            <p:strVal val="#ppt_x"/>
+                                          </p:val>
+                                        </p:tav>
+                                      </p:tavLst>
+                                    </p:anim>
+                                    <p:anim calcmode="lin" valueType="num">
+                                      <p:cBhvr>
+                                        <p:cTn id="9" dur="1000" fill="hold"/>
+                                        <p:tgtEl>
+                                          <p:spTgt spid="2"/>
+                                        </p:tgtEl>
+                                        <p:attrNameLst>
+                                          <p:attrName>ppt_y</p:attrName>
+                                        </p:attrNameLst>
+                                      </p:cBhvr>
+                                      <p:tavLst>
+                                        <p:tav tm="0">
+                                          <p:val>
+                                            <p:strVal val="#ppt_y+.1"/>
+                                          </p:val>
+                                        </p:tav>
+                                        <p:tav tm="100000">
+                                          <p:val>
+                                            <p:strVal val="#ppt_y"/>
+                                          </p:val>
+                                        </p:tav>
+                                      </p:tavLst>
+                                    </p:anim>
+                                  </p:childTnLst>
+                                </p:cTn>
+                              </p:par>
+                            </p:childTnLst>
+                          </p:cTn>
+                        </p:par>
+                      </p:childTnLst>
+                    </p:cTn>
+                  </p:par>
+                  <p:par>
+                    <p:cTn id="10" fill="hold">
+                      <p:stCondLst>
+                        <p:cond delay="indefinite"/>
+                      </p:stCondLst>
+                      <p:childTnLst>
+                        <p:par>
+                          <p:cTn id="11" fill="hold">
+                            <p:stCondLst>
+                              <p:cond delay="0"/>
+                            </p:stCondLst>
+                            <p:childTnLst>
+                              <p:par>
+                                <p:cTn id="12" presetID="3" presetClass="entr" presetSubtype="10" fill="hold" grpId="0" nodeType="clickEffect">
+                                  <p:stCondLst>
+                                    <p:cond delay="0"/>
+                                  </p:stCondLst>
+                                  <p:childTnLst>
+                                    <p:set>
+                                      <p:cBhvr>
+                                        <p:cTn id="13" dur="1" fill="hold">
+                                          <p:stCondLst>
+                                            <p:cond delay="0"/>
+                                          </p:stCondLst>
+                                        </p:cTn>
+                                        <p:tgtEl>
+                                          <p:spTgt spid="3">
+                                            <p:txEl>
+                                              <p:pRg st="0" end="0"/>
+                                            </p:txEl>
+                                          </p:spTgt>
+                                        </p:tgtEl>
+                                        <p:attrNameLst>
+                                          <p:attrName>style.visibility</p:attrName>
+                                        </p:attrNameLst>
+                                      </p:cBhvr>
+                                      <p:to>
+                                        <p:strVal val="visible"/>
+                                      </p:to>
+                                    </p:set>
+                                    <p:animEffect transition="in" filter="blinds(horizontal)">
+                                      <p:cBhvr>
+                                        <p:cTn id="14" dur="500"/>
+                                        <p:tgtEl>
+                                          <p:spTgt spid="3">
+                                            <p:txEl>
+                                              <p:pRg st="0" end="0"/>
+                                            </p:txEl>
+                                          </p:spTgt>
+                                        </p:tgtEl>
+                                      </p:cBhvr>
+                                    </p:animEffect>
+                                  </p:childTnLst>
+                                </p:cTn>
+                              </p:par>
+                            </p:childTnLst>
+                          </p:cTn>
+                        </p:par>
+                      </p:childTnLst>
+                    </p:cTn>
+                  </p:par>
+                  <p:par>
+                    <p:cTn id="15" fill="hold">
+                      <p:stCondLst>
+                        <p:cond delay="indefinite"/>
+                      </p:stCondLst>
+                      <p:childTnLst>
+                        <p:par>
+                          <p:cTn id="16" fill="hold">
+                            <p:stCondLst>
+                              <p:cond delay="0"/>
+                            </p:stCondLst>
+                            <p:childTnLst>
+                              <p:par>
+                                <p:cTn id="17" presetID="3" presetClass="entr" presetSubtype="10" fill="hold" grpId="0" nodeType="clickEffect">
+                                  <p:stCondLst>
+                                    <p:cond delay="0"/>
+                                  </p:stCondLst>
+                                  <p:childTnLst>
+                                    <p:set>
+                                      <p:cBhvr>
+                                        <p:cTn id="18" dur="1" fill="hold">
+                                          <p:stCondLst>
+                                            <p:cond delay="0"/>
+                                          </p:stCondLst>
+                                        </p:cTn>
+                                        <p:tgtEl>
+                                          <p:spTgt spid="3">
+                                            <p:txEl>
+                                              <p:pRg st="1" end="1"/>
+                                            </p:txEl>
+                                          </p:spTgt>
+                                        </p:tgtEl>
+                                        <p:attrNameLst>
+                                          <p:attrName>style.visibility</p:attrName>
+                                        </p:attrNameLst>
+                                      </p:cBhvr>
+                                      <p:to>
+                                        <p:strVal val="visible"/>
+                                      </p:to>
+                                    </p:set>
+                                    <p:animEffect transition="in" filter="blinds(horizontal)">
+                                      <p:cBhvr>
+                                        <p:cTn id="19" dur="500"/>
+                                        <p:tgtEl>
+                                          <p:spTgt spid="3">
+                                            <p:txEl>
+                                              <p:pRg st="1" end="1"/>
+                                            </p:txEl>
+                                          </p:spTgt>
+                                        </p:tgtEl>
+                                      </p:cBhvr>
+                                    </p:animEffect>
+                                  </p:childTnLst>
+                                </p:cTn>
+                              </p:par>
+                            </p:childTnLst>
+                          </p:cTn>
+                        </p:par>
+                      </p:childTnLst>
+                    </p:cTn>
+                  </p:par>
+                </p:childTnLst>
+              </p:cTn>
+              <p:prevCondLst>
+                <p:cond evt="onPrev" delay="0">
+                  <p:tgtEl>
+                    <p:sldTgt/>
+                  </p:tgtEl>
+                </p:cond>
+              </p:prevCondLst>
+              <p:nextCondLst>
+                <p:cond evt="onNext" delay="0">
+                  <p:tgtEl>
+                    <p:sldTgt/>
+                  </p:tgtEl>
+                </p:cond>
+              </p:nextCondLst>
+            </p:seq>
+          </p:childTnLst>
+        </p:cTn>
+      </p:par>
+    </p:tnLst>
+    <p:bldLst>
+      <p:bldP spid="2" grpId="0" animBg="1"/>
+      <p:bldP spid="3" grpId="0" build="p"/>
+    </p:bldLst>
+  </p:timing>
+</p:sld>
+</file>
+
 <file path=ppt/slides/slide2.xml><?xml version="1.0" encoding="utf-8"?>
 <p:sld xmlns:a="http://schemas.openxmlformats.org/drawingml/2006/main" xmlns:r="http://schemas.openxmlformats.org/officeDocument/2006/relationships" xmlns:p="http://schemas.openxmlformats.org/presentationml/2006/main">
   <p:cSld>
@@ -5198,6 +7731,3826 @@
                                     <p:animEffect transition="in" filter="barn(inVertical)">
                                       <p:cBhvr>
                                         <p:cTn id="22" dur="500"/>
+                                        <p:tgtEl>
+                                          <p:spTgt spid="3">
+                                            <p:txEl>
+                                              <p:pRg st="2" end="2"/>
+                                            </p:txEl>
+                                          </p:spTgt>
+                                        </p:tgtEl>
+                                      </p:cBhvr>
+                                    </p:animEffect>
+                                  </p:childTnLst>
+                                </p:cTn>
+                              </p:par>
+                            </p:childTnLst>
+                          </p:cTn>
+                        </p:par>
+                      </p:childTnLst>
+                    </p:cTn>
+                  </p:par>
+                </p:childTnLst>
+              </p:cTn>
+              <p:prevCondLst>
+                <p:cond evt="onPrev" delay="0">
+                  <p:tgtEl>
+                    <p:sldTgt/>
+                  </p:tgtEl>
+                </p:cond>
+              </p:prevCondLst>
+              <p:nextCondLst>
+                <p:cond evt="onNext" delay="0">
+                  <p:tgtEl>
+                    <p:sldTgt/>
+                  </p:tgtEl>
+                </p:cond>
+              </p:nextCondLst>
+            </p:seq>
+          </p:childTnLst>
+        </p:cTn>
+      </p:par>
+    </p:tnLst>
+    <p:bldLst>
+      <p:bldP spid="2" grpId="0" animBg="1"/>
+      <p:bldP spid="3" grpId="0" build="p"/>
+    </p:bldLst>
+  </p:timing>
+</p:sld>
+</file>
+
+<file path=ppt/slides/slide5.xml><?xml version="1.0" encoding="utf-8"?>
+<p:sld xmlns:a="http://schemas.openxmlformats.org/drawingml/2006/main" xmlns:r="http://schemas.openxmlformats.org/officeDocument/2006/relationships" xmlns:p="http://schemas.openxmlformats.org/presentationml/2006/main">
+  <p:cSld>
+    <p:spTree>
+      <p:nvGrpSpPr>
+        <p:cNvPr id="1" name=""/>
+        <p:cNvGrpSpPr/>
+        <p:nvPr/>
+      </p:nvGrpSpPr>
+      <p:grpSpPr>
+        <a:xfrm>
+          <a:off x="0" y="0"/>
+          <a:ext cx="0" cy="0"/>
+          <a:chOff x="0" y="0"/>
+          <a:chExt cx="0" cy="0"/>
+        </a:xfrm>
+      </p:grpSpPr>
+      <p:sp>
+        <p:nvSpPr>
+          <p:cNvPr id="2" name="Title 1">
+            <a:extLst>
+              <a:ext uri="{FF2B5EF4-FFF2-40B4-BE49-F238E27FC236}">
+                <a16:creationId xmlns:a16="http://schemas.microsoft.com/office/drawing/2014/main" id="{16C0F2C2-4A2F-878C-779E-DF7D02E84C68}"/>
+              </a:ext>
+            </a:extLst>
+          </p:cNvPr>
+          <p:cNvSpPr>
+            <a:spLocks noGrp="1"/>
+          </p:cNvSpPr>
+          <p:nvPr>
+            <p:ph type="title"/>
+          </p:nvPr>
+        </p:nvSpPr>
+        <p:spPr/>
+        <p:txBody>
+          <a:bodyPr/>
+          <a:lstStyle/>
+          <a:p>
+            <a:r>
+              <a:rPr lang="en-US" dirty="0"/>
+              <a:t>Variables</a:t>
+            </a:r>
+          </a:p>
+        </p:txBody>
+      </p:sp>
+      <p:sp>
+        <p:nvSpPr>
+          <p:cNvPr id="3" name="Content Placeholder 2">
+            <a:extLst>
+              <a:ext uri="{FF2B5EF4-FFF2-40B4-BE49-F238E27FC236}">
+                <a16:creationId xmlns:a16="http://schemas.microsoft.com/office/drawing/2014/main" id="{C0063371-3D32-8840-CE72-533C298DB474}"/>
+              </a:ext>
+            </a:extLst>
+          </p:cNvPr>
+          <p:cNvSpPr>
+            <a:spLocks noGrp="1"/>
+          </p:cNvSpPr>
+          <p:nvPr>
+            <p:ph idx="1"/>
+          </p:nvPr>
+        </p:nvSpPr>
+        <p:spPr/>
+        <p:txBody>
+          <a:bodyPr/>
+          <a:lstStyle/>
+          <a:p>
+            <a:r>
+              <a:rPr lang="en-US" dirty="0"/>
+              <a:t>Variables are objects and are used to store data.</a:t>
+            </a:r>
+          </a:p>
+          <a:p>
+            <a:r>
+              <a:rPr lang="en-US" dirty="0"/>
+              <a:t>Define variables</a:t>
+            </a:r>
+          </a:p>
+          <a:p>
+            <a:pPr lvl="1"/>
+            <a:r>
+              <a:rPr lang="en-US" dirty="0" err="1"/>
+              <a:t>variable_name</a:t>
+            </a:r>
+            <a:r>
+              <a:rPr lang="en-US" dirty="0"/>
+              <a:t> = value</a:t>
+            </a:r>
+          </a:p>
+          <a:p>
+            <a:pPr lvl="1"/>
+            <a:r>
+              <a:rPr lang="en-US" dirty="0"/>
+              <a:t>Example: age = 21</a:t>
+            </a:r>
+          </a:p>
+          <a:p>
+            <a:r>
+              <a:rPr lang="en-US" dirty="0"/>
+              <a:t>Variables are case-sensitive</a:t>
+            </a:r>
+          </a:p>
+          <a:p>
+            <a:pPr lvl="1"/>
+            <a:r>
+              <a:rPr lang="en-US" dirty="0"/>
+              <a:t>age = 21 and Age = 22. age and Age are different variables.</a:t>
+            </a:r>
+          </a:p>
+          <a:p>
+            <a:endParaRPr lang="en-US" dirty="0"/>
+          </a:p>
+          <a:p>
+            <a:endParaRPr lang="en-US" dirty="0"/>
+          </a:p>
+        </p:txBody>
+      </p:sp>
+    </p:spTree>
+    <p:extLst>
+      <p:ext uri="{BB962C8B-B14F-4D97-AF65-F5344CB8AC3E}">
+        <p14:creationId xmlns:p14="http://schemas.microsoft.com/office/powerpoint/2010/main" val="3144558874"/>
+      </p:ext>
+    </p:extLst>
+  </p:cSld>
+  <p:clrMapOvr>
+    <a:masterClrMapping/>
+  </p:clrMapOvr>
+  <p:timing>
+    <p:tnLst>
+      <p:par>
+        <p:cTn id="1" dur="indefinite" restart="never" nodeType="tmRoot">
+          <p:childTnLst>
+            <p:seq concurrent="1" nextAc="seek">
+              <p:cTn id="2" dur="indefinite" nodeType="mainSeq">
+                <p:childTnLst>
+                  <p:par>
+                    <p:cTn id="3" fill="hold">
+                      <p:stCondLst>
+                        <p:cond delay="indefinite"/>
+                      </p:stCondLst>
+                      <p:childTnLst>
+                        <p:par>
+                          <p:cTn id="4" fill="hold">
+                            <p:stCondLst>
+                              <p:cond delay="0"/>
+                            </p:stCondLst>
+                            <p:childTnLst>
+                              <p:par>
+                                <p:cTn id="5" presetID="3" presetClass="entr" presetSubtype="10" fill="hold" grpId="0" nodeType="clickEffect">
+                                  <p:stCondLst>
+                                    <p:cond delay="0"/>
+                                  </p:stCondLst>
+                                  <p:childTnLst>
+                                    <p:set>
+                                      <p:cBhvr>
+                                        <p:cTn id="6" dur="1" fill="hold">
+                                          <p:stCondLst>
+                                            <p:cond delay="0"/>
+                                          </p:stCondLst>
+                                        </p:cTn>
+                                        <p:tgtEl>
+                                          <p:spTgt spid="2"/>
+                                        </p:tgtEl>
+                                        <p:attrNameLst>
+                                          <p:attrName>style.visibility</p:attrName>
+                                        </p:attrNameLst>
+                                      </p:cBhvr>
+                                      <p:to>
+                                        <p:strVal val="visible"/>
+                                      </p:to>
+                                    </p:set>
+                                    <p:animEffect transition="in" filter="blinds(horizontal)">
+                                      <p:cBhvr>
+                                        <p:cTn id="7" dur="500"/>
+                                        <p:tgtEl>
+                                          <p:spTgt spid="2"/>
+                                        </p:tgtEl>
+                                      </p:cBhvr>
+                                    </p:animEffect>
+                                  </p:childTnLst>
+                                </p:cTn>
+                              </p:par>
+                            </p:childTnLst>
+                          </p:cTn>
+                        </p:par>
+                      </p:childTnLst>
+                    </p:cTn>
+                  </p:par>
+                  <p:par>
+                    <p:cTn id="8" fill="hold">
+                      <p:stCondLst>
+                        <p:cond delay="indefinite"/>
+                      </p:stCondLst>
+                      <p:childTnLst>
+                        <p:par>
+                          <p:cTn id="9" fill="hold">
+                            <p:stCondLst>
+                              <p:cond delay="0"/>
+                            </p:stCondLst>
+                            <p:childTnLst>
+                              <p:par>
+                                <p:cTn id="10" presetID="42" presetClass="entr" presetSubtype="0" fill="hold" grpId="1" nodeType="clickEffect">
+                                  <p:stCondLst>
+                                    <p:cond delay="0"/>
+                                  </p:stCondLst>
+                                  <p:childTnLst>
+                                    <p:set>
+                                      <p:cBhvr>
+                                        <p:cTn id="11" dur="1" fill="hold">
+                                          <p:stCondLst>
+                                            <p:cond delay="0"/>
+                                          </p:stCondLst>
+                                        </p:cTn>
+                                        <p:tgtEl>
+                                          <p:spTgt spid="3">
+                                            <p:txEl>
+                                              <p:pRg st="0" end="0"/>
+                                            </p:txEl>
+                                          </p:spTgt>
+                                        </p:tgtEl>
+                                        <p:attrNameLst>
+                                          <p:attrName>style.visibility</p:attrName>
+                                        </p:attrNameLst>
+                                      </p:cBhvr>
+                                      <p:to>
+                                        <p:strVal val="visible"/>
+                                      </p:to>
+                                    </p:set>
+                                    <p:animEffect transition="in" filter="fade">
+                                      <p:cBhvr>
+                                        <p:cTn id="12" dur="1000"/>
+                                        <p:tgtEl>
+                                          <p:spTgt spid="3">
+                                            <p:txEl>
+                                              <p:pRg st="0" end="0"/>
+                                            </p:txEl>
+                                          </p:spTgt>
+                                        </p:tgtEl>
+                                      </p:cBhvr>
+                                    </p:animEffect>
+                                    <p:anim calcmode="lin" valueType="num">
+                                      <p:cBhvr>
+                                        <p:cTn id="13" dur="1000" fill="hold"/>
+                                        <p:tgtEl>
+                                          <p:spTgt spid="3">
+                                            <p:txEl>
+                                              <p:pRg st="0" end="0"/>
+                                            </p:txEl>
+                                          </p:spTgt>
+                                        </p:tgtEl>
+                                        <p:attrNameLst>
+                                          <p:attrName>ppt_x</p:attrName>
+                                        </p:attrNameLst>
+                                      </p:cBhvr>
+                                      <p:tavLst>
+                                        <p:tav tm="0">
+                                          <p:val>
+                                            <p:strVal val="#ppt_x"/>
+                                          </p:val>
+                                        </p:tav>
+                                        <p:tav tm="100000">
+                                          <p:val>
+                                            <p:strVal val="#ppt_x"/>
+                                          </p:val>
+                                        </p:tav>
+                                      </p:tavLst>
+                                    </p:anim>
+                                    <p:anim calcmode="lin" valueType="num">
+                                      <p:cBhvr>
+                                        <p:cTn id="14" dur="1000" fill="hold"/>
+                                        <p:tgtEl>
+                                          <p:spTgt spid="3">
+                                            <p:txEl>
+                                              <p:pRg st="0" end="0"/>
+                                            </p:txEl>
+                                          </p:spTgt>
+                                        </p:tgtEl>
+                                        <p:attrNameLst>
+                                          <p:attrName>ppt_y</p:attrName>
+                                        </p:attrNameLst>
+                                      </p:cBhvr>
+                                      <p:tavLst>
+                                        <p:tav tm="0">
+                                          <p:val>
+                                            <p:strVal val="#ppt_y+.1"/>
+                                          </p:val>
+                                        </p:tav>
+                                        <p:tav tm="100000">
+                                          <p:val>
+                                            <p:strVal val="#ppt_y"/>
+                                          </p:val>
+                                        </p:tav>
+                                      </p:tavLst>
+                                    </p:anim>
+                                  </p:childTnLst>
+                                </p:cTn>
+                              </p:par>
+                            </p:childTnLst>
+                          </p:cTn>
+                        </p:par>
+                      </p:childTnLst>
+                    </p:cTn>
+                  </p:par>
+                  <p:par>
+                    <p:cTn id="15" fill="hold">
+                      <p:stCondLst>
+                        <p:cond delay="indefinite"/>
+                      </p:stCondLst>
+                      <p:childTnLst>
+                        <p:par>
+                          <p:cTn id="16" fill="hold">
+                            <p:stCondLst>
+                              <p:cond delay="0"/>
+                            </p:stCondLst>
+                            <p:childTnLst>
+                              <p:par>
+                                <p:cTn id="17" presetID="42" presetClass="entr" presetSubtype="0" fill="hold" grpId="1" nodeType="clickEffect">
+                                  <p:stCondLst>
+                                    <p:cond delay="0"/>
+                                  </p:stCondLst>
+                                  <p:childTnLst>
+                                    <p:set>
+                                      <p:cBhvr>
+                                        <p:cTn id="18" dur="1" fill="hold">
+                                          <p:stCondLst>
+                                            <p:cond delay="0"/>
+                                          </p:stCondLst>
+                                        </p:cTn>
+                                        <p:tgtEl>
+                                          <p:spTgt spid="3">
+                                            <p:txEl>
+                                              <p:pRg st="1" end="1"/>
+                                            </p:txEl>
+                                          </p:spTgt>
+                                        </p:tgtEl>
+                                        <p:attrNameLst>
+                                          <p:attrName>style.visibility</p:attrName>
+                                        </p:attrNameLst>
+                                      </p:cBhvr>
+                                      <p:to>
+                                        <p:strVal val="visible"/>
+                                      </p:to>
+                                    </p:set>
+                                    <p:animEffect transition="in" filter="fade">
+                                      <p:cBhvr>
+                                        <p:cTn id="19" dur="1000"/>
+                                        <p:tgtEl>
+                                          <p:spTgt spid="3">
+                                            <p:txEl>
+                                              <p:pRg st="1" end="1"/>
+                                            </p:txEl>
+                                          </p:spTgt>
+                                        </p:tgtEl>
+                                      </p:cBhvr>
+                                    </p:animEffect>
+                                    <p:anim calcmode="lin" valueType="num">
+                                      <p:cBhvr>
+                                        <p:cTn id="20" dur="1000" fill="hold"/>
+                                        <p:tgtEl>
+                                          <p:spTgt spid="3">
+                                            <p:txEl>
+                                              <p:pRg st="1" end="1"/>
+                                            </p:txEl>
+                                          </p:spTgt>
+                                        </p:tgtEl>
+                                        <p:attrNameLst>
+                                          <p:attrName>ppt_x</p:attrName>
+                                        </p:attrNameLst>
+                                      </p:cBhvr>
+                                      <p:tavLst>
+                                        <p:tav tm="0">
+                                          <p:val>
+                                            <p:strVal val="#ppt_x"/>
+                                          </p:val>
+                                        </p:tav>
+                                        <p:tav tm="100000">
+                                          <p:val>
+                                            <p:strVal val="#ppt_x"/>
+                                          </p:val>
+                                        </p:tav>
+                                      </p:tavLst>
+                                    </p:anim>
+                                    <p:anim calcmode="lin" valueType="num">
+                                      <p:cBhvr>
+                                        <p:cTn id="21" dur="1000" fill="hold"/>
+                                        <p:tgtEl>
+                                          <p:spTgt spid="3">
+                                            <p:txEl>
+                                              <p:pRg st="1" end="1"/>
+                                            </p:txEl>
+                                          </p:spTgt>
+                                        </p:tgtEl>
+                                        <p:attrNameLst>
+                                          <p:attrName>ppt_y</p:attrName>
+                                        </p:attrNameLst>
+                                      </p:cBhvr>
+                                      <p:tavLst>
+                                        <p:tav tm="0">
+                                          <p:val>
+                                            <p:strVal val="#ppt_y+.1"/>
+                                          </p:val>
+                                        </p:tav>
+                                        <p:tav tm="100000">
+                                          <p:val>
+                                            <p:strVal val="#ppt_y"/>
+                                          </p:val>
+                                        </p:tav>
+                                      </p:tavLst>
+                                    </p:anim>
+                                  </p:childTnLst>
+                                </p:cTn>
+                              </p:par>
+                              <p:par>
+                                <p:cTn id="22" presetID="42" presetClass="entr" presetSubtype="0" fill="hold" grpId="1" nodeType="withEffect">
+                                  <p:stCondLst>
+                                    <p:cond delay="0"/>
+                                  </p:stCondLst>
+                                  <p:childTnLst>
+                                    <p:set>
+                                      <p:cBhvr>
+                                        <p:cTn id="23" dur="1" fill="hold">
+                                          <p:stCondLst>
+                                            <p:cond delay="0"/>
+                                          </p:stCondLst>
+                                        </p:cTn>
+                                        <p:tgtEl>
+                                          <p:spTgt spid="3">
+                                            <p:txEl>
+                                              <p:pRg st="2" end="2"/>
+                                            </p:txEl>
+                                          </p:spTgt>
+                                        </p:tgtEl>
+                                        <p:attrNameLst>
+                                          <p:attrName>style.visibility</p:attrName>
+                                        </p:attrNameLst>
+                                      </p:cBhvr>
+                                      <p:to>
+                                        <p:strVal val="visible"/>
+                                      </p:to>
+                                    </p:set>
+                                    <p:animEffect transition="in" filter="fade">
+                                      <p:cBhvr>
+                                        <p:cTn id="24" dur="1000"/>
+                                        <p:tgtEl>
+                                          <p:spTgt spid="3">
+                                            <p:txEl>
+                                              <p:pRg st="2" end="2"/>
+                                            </p:txEl>
+                                          </p:spTgt>
+                                        </p:tgtEl>
+                                      </p:cBhvr>
+                                    </p:animEffect>
+                                    <p:anim calcmode="lin" valueType="num">
+                                      <p:cBhvr>
+                                        <p:cTn id="25" dur="1000" fill="hold"/>
+                                        <p:tgtEl>
+                                          <p:spTgt spid="3">
+                                            <p:txEl>
+                                              <p:pRg st="2" end="2"/>
+                                            </p:txEl>
+                                          </p:spTgt>
+                                        </p:tgtEl>
+                                        <p:attrNameLst>
+                                          <p:attrName>ppt_x</p:attrName>
+                                        </p:attrNameLst>
+                                      </p:cBhvr>
+                                      <p:tavLst>
+                                        <p:tav tm="0">
+                                          <p:val>
+                                            <p:strVal val="#ppt_x"/>
+                                          </p:val>
+                                        </p:tav>
+                                        <p:tav tm="100000">
+                                          <p:val>
+                                            <p:strVal val="#ppt_x"/>
+                                          </p:val>
+                                        </p:tav>
+                                      </p:tavLst>
+                                    </p:anim>
+                                    <p:anim calcmode="lin" valueType="num">
+                                      <p:cBhvr>
+                                        <p:cTn id="26" dur="1000" fill="hold"/>
+                                        <p:tgtEl>
+                                          <p:spTgt spid="3">
+                                            <p:txEl>
+                                              <p:pRg st="2" end="2"/>
+                                            </p:txEl>
+                                          </p:spTgt>
+                                        </p:tgtEl>
+                                        <p:attrNameLst>
+                                          <p:attrName>ppt_y</p:attrName>
+                                        </p:attrNameLst>
+                                      </p:cBhvr>
+                                      <p:tavLst>
+                                        <p:tav tm="0">
+                                          <p:val>
+                                            <p:strVal val="#ppt_y+.1"/>
+                                          </p:val>
+                                        </p:tav>
+                                        <p:tav tm="100000">
+                                          <p:val>
+                                            <p:strVal val="#ppt_y"/>
+                                          </p:val>
+                                        </p:tav>
+                                      </p:tavLst>
+                                    </p:anim>
+                                  </p:childTnLst>
+                                </p:cTn>
+                              </p:par>
+                              <p:par>
+                                <p:cTn id="27" presetID="42" presetClass="entr" presetSubtype="0" fill="hold" grpId="1" nodeType="withEffect">
+                                  <p:stCondLst>
+                                    <p:cond delay="0"/>
+                                  </p:stCondLst>
+                                  <p:childTnLst>
+                                    <p:set>
+                                      <p:cBhvr>
+                                        <p:cTn id="28" dur="1" fill="hold">
+                                          <p:stCondLst>
+                                            <p:cond delay="0"/>
+                                          </p:stCondLst>
+                                        </p:cTn>
+                                        <p:tgtEl>
+                                          <p:spTgt spid="3">
+                                            <p:txEl>
+                                              <p:pRg st="3" end="3"/>
+                                            </p:txEl>
+                                          </p:spTgt>
+                                        </p:tgtEl>
+                                        <p:attrNameLst>
+                                          <p:attrName>style.visibility</p:attrName>
+                                        </p:attrNameLst>
+                                      </p:cBhvr>
+                                      <p:to>
+                                        <p:strVal val="visible"/>
+                                      </p:to>
+                                    </p:set>
+                                    <p:animEffect transition="in" filter="fade">
+                                      <p:cBhvr>
+                                        <p:cTn id="29" dur="1000"/>
+                                        <p:tgtEl>
+                                          <p:spTgt spid="3">
+                                            <p:txEl>
+                                              <p:pRg st="3" end="3"/>
+                                            </p:txEl>
+                                          </p:spTgt>
+                                        </p:tgtEl>
+                                      </p:cBhvr>
+                                    </p:animEffect>
+                                    <p:anim calcmode="lin" valueType="num">
+                                      <p:cBhvr>
+                                        <p:cTn id="30" dur="1000" fill="hold"/>
+                                        <p:tgtEl>
+                                          <p:spTgt spid="3">
+                                            <p:txEl>
+                                              <p:pRg st="3" end="3"/>
+                                            </p:txEl>
+                                          </p:spTgt>
+                                        </p:tgtEl>
+                                        <p:attrNameLst>
+                                          <p:attrName>ppt_x</p:attrName>
+                                        </p:attrNameLst>
+                                      </p:cBhvr>
+                                      <p:tavLst>
+                                        <p:tav tm="0">
+                                          <p:val>
+                                            <p:strVal val="#ppt_x"/>
+                                          </p:val>
+                                        </p:tav>
+                                        <p:tav tm="100000">
+                                          <p:val>
+                                            <p:strVal val="#ppt_x"/>
+                                          </p:val>
+                                        </p:tav>
+                                      </p:tavLst>
+                                    </p:anim>
+                                    <p:anim calcmode="lin" valueType="num">
+                                      <p:cBhvr>
+                                        <p:cTn id="31" dur="1000" fill="hold"/>
+                                        <p:tgtEl>
+                                          <p:spTgt spid="3">
+                                            <p:txEl>
+                                              <p:pRg st="3" end="3"/>
+                                            </p:txEl>
+                                          </p:spTgt>
+                                        </p:tgtEl>
+                                        <p:attrNameLst>
+                                          <p:attrName>ppt_y</p:attrName>
+                                        </p:attrNameLst>
+                                      </p:cBhvr>
+                                      <p:tavLst>
+                                        <p:tav tm="0">
+                                          <p:val>
+                                            <p:strVal val="#ppt_y+.1"/>
+                                          </p:val>
+                                        </p:tav>
+                                        <p:tav tm="100000">
+                                          <p:val>
+                                            <p:strVal val="#ppt_y"/>
+                                          </p:val>
+                                        </p:tav>
+                                      </p:tavLst>
+                                    </p:anim>
+                                  </p:childTnLst>
+                                </p:cTn>
+                              </p:par>
+                            </p:childTnLst>
+                          </p:cTn>
+                        </p:par>
+                      </p:childTnLst>
+                    </p:cTn>
+                  </p:par>
+                  <p:par>
+                    <p:cTn id="32" fill="hold">
+                      <p:stCondLst>
+                        <p:cond delay="indefinite"/>
+                      </p:stCondLst>
+                      <p:childTnLst>
+                        <p:par>
+                          <p:cTn id="33" fill="hold">
+                            <p:stCondLst>
+                              <p:cond delay="0"/>
+                            </p:stCondLst>
+                            <p:childTnLst>
+                              <p:par>
+                                <p:cTn id="34" presetID="42" presetClass="entr" presetSubtype="0" fill="hold" grpId="1" nodeType="clickEffect">
+                                  <p:stCondLst>
+                                    <p:cond delay="0"/>
+                                  </p:stCondLst>
+                                  <p:childTnLst>
+                                    <p:set>
+                                      <p:cBhvr>
+                                        <p:cTn id="35" dur="1" fill="hold">
+                                          <p:stCondLst>
+                                            <p:cond delay="0"/>
+                                          </p:stCondLst>
+                                        </p:cTn>
+                                        <p:tgtEl>
+                                          <p:spTgt spid="3">
+                                            <p:txEl>
+                                              <p:pRg st="4" end="4"/>
+                                            </p:txEl>
+                                          </p:spTgt>
+                                        </p:tgtEl>
+                                        <p:attrNameLst>
+                                          <p:attrName>style.visibility</p:attrName>
+                                        </p:attrNameLst>
+                                      </p:cBhvr>
+                                      <p:to>
+                                        <p:strVal val="visible"/>
+                                      </p:to>
+                                    </p:set>
+                                    <p:animEffect transition="in" filter="fade">
+                                      <p:cBhvr>
+                                        <p:cTn id="36" dur="1000"/>
+                                        <p:tgtEl>
+                                          <p:spTgt spid="3">
+                                            <p:txEl>
+                                              <p:pRg st="4" end="4"/>
+                                            </p:txEl>
+                                          </p:spTgt>
+                                        </p:tgtEl>
+                                      </p:cBhvr>
+                                    </p:animEffect>
+                                    <p:anim calcmode="lin" valueType="num">
+                                      <p:cBhvr>
+                                        <p:cTn id="37" dur="1000" fill="hold"/>
+                                        <p:tgtEl>
+                                          <p:spTgt spid="3">
+                                            <p:txEl>
+                                              <p:pRg st="4" end="4"/>
+                                            </p:txEl>
+                                          </p:spTgt>
+                                        </p:tgtEl>
+                                        <p:attrNameLst>
+                                          <p:attrName>ppt_x</p:attrName>
+                                        </p:attrNameLst>
+                                      </p:cBhvr>
+                                      <p:tavLst>
+                                        <p:tav tm="0">
+                                          <p:val>
+                                            <p:strVal val="#ppt_x"/>
+                                          </p:val>
+                                        </p:tav>
+                                        <p:tav tm="100000">
+                                          <p:val>
+                                            <p:strVal val="#ppt_x"/>
+                                          </p:val>
+                                        </p:tav>
+                                      </p:tavLst>
+                                    </p:anim>
+                                    <p:anim calcmode="lin" valueType="num">
+                                      <p:cBhvr>
+                                        <p:cTn id="38" dur="1000" fill="hold"/>
+                                        <p:tgtEl>
+                                          <p:spTgt spid="3">
+                                            <p:txEl>
+                                              <p:pRg st="4" end="4"/>
+                                            </p:txEl>
+                                          </p:spTgt>
+                                        </p:tgtEl>
+                                        <p:attrNameLst>
+                                          <p:attrName>ppt_y</p:attrName>
+                                        </p:attrNameLst>
+                                      </p:cBhvr>
+                                      <p:tavLst>
+                                        <p:tav tm="0">
+                                          <p:val>
+                                            <p:strVal val="#ppt_y+.1"/>
+                                          </p:val>
+                                        </p:tav>
+                                        <p:tav tm="100000">
+                                          <p:val>
+                                            <p:strVal val="#ppt_y"/>
+                                          </p:val>
+                                        </p:tav>
+                                      </p:tavLst>
+                                    </p:anim>
+                                  </p:childTnLst>
+                                </p:cTn>
+                              </p:par>
+                              <p:par>
+                                <p:cTn id="39" presetID="42" presetClass="entr" presetSubtype="0" fill="hold" grpId="1" nodeType="withEffect">
+                                  <p:stCondLst>
+                                    <p:cond delay="0"/>
+                                  </p:stCondLst>
+                                  <p:childTnLst>
+                                    <p:set>
+                                      <p:cBhvr>
+                                        <p:cTn id="40" dur="1" fill="hold">
+                                          <p:stCondLst>
+                                            <p:cond delay="0"/>
+                                          </p:stCondLst>
+                                        </p:cTn>
+                                        <p:tgtEl>
+                                          <p:spTgt spid="3">
+                                            <p:txEl>
+                                              <p:pRg st="5" end="5"/>
+                                            </p:txEl>
+                                          </p:spTgt>
+                                        </p:tgtEl>
+                                        <p:attrNameLst>
+                                          <p:attrName>style.visibility</p:attrName>
+                                        </p:attrNameLst>
+                                      </p:cBhvr>
+                                      <p:to>
+                                        <p:strVal val="visible"/>
+                                      </p:to>
+                                    </p:set>
+                                    <p:animEffect transition="in" filter="fade">
+                                      <p:cBhvr>
+                                        <p:cTn id="41" dur="1000"/>
+                                        <p:tgtEl>
+                                          <p:spTgt spid="3">
+                                            <p:txEl>
+                                              <p:pRg st="5" end="5"/>
+                                            </p:txEl>
+                                          </p:spTgt>
+                                        </p:tgtEl>
+                                      </p:cBhvr>
+                                    </p:animEffect>
+                                    <p:anim calcmode="lin" valueType="num">
+                                      <p:cBhvr>
+                                        <p:cTn id="42" dur="1000" fill="hold"/>
+                                        <p:tgtEl>
+                                          <p:spTgt spid="3">
+                                            <p:txEl>
+                                              <p:pRg st="5" end="5"/>
+                                            </p:txEl>
+                                          </p:spTgt>
+                                        </p:tgtEl>
+                                        <p:attrNameLst>
+                                          <p:attrName>ppt_x</p:attrName>
+                                        </p:attrNameLst>
+                                      </p:cBhvr>
+                                      <p:tavLst>
+                                        <p:tav tm="0">
+                                          <p:val>
+                                            <p:strVal val="#ppt_x"/>
+                                          </p:val>
+                                        </p:tav>
+                                        <p:tav tm="100000">
+                                          <p:val>
+                                            <p:strVal val="#ppt_x"/>
+                                          </p:val>
+                                        </p:tav>
+                                      </p:tavLst>
+                                    </p:anim>
+                                    <p:anim calcmode="lin" valueType="num">
+                                      <p:cBhvr>
+                                        <p:cTn id="43" dur="1000" fill="hold"/>
+                                        <p:tgtEl>
+                                          <p:spTgt spid="3">
+                                            <p:txEl>
+                                              <p:pRg st="5" end="5"/>
+                                            </p:txEl>
+                                          </p:spTgt>
+                                        </p:tgtEl>
+                                        <p:attrNameLst>
+                                          <p:attrName>ppt_y</p:attrName>
+                                        </p:attrNameLst>
+                                      </p:cBhvr>
+                                      <p:tavLst>
+                                        <p:tav tm="0">
+                                          <p:val>
+                                            <p:strVal val="#ppt_y+.1"/>
+                                          </p:val>
+                                        </p:tav>
+                                        <p:tav tm="100000">
+                                          <p:val>
+                                            <p:strVal val="#ppt_y"/>
+                                          </p:val>
+                                        </p:tav>
+                                      </p:tavLst>
+                                    </p:anim>
+                                  </p:childTnLst>
+                                </p:cTn>
+                              </p:par>
+                            </p:childTnLst>
+                          </p:cTn>
+                        </p:par>
+                      </p:childTnLst>
+                    </p:cTn>
+                  </p:par>
+                </p:childTnLst>
+              </p:cTn>
+              <p:prevCondLst>
+                <p:cond evt="onPrev" delay="0">
+                  <p:tgtEl>
+                    <p:sldTgt/>
+                  </p:tgtEl>
+                </p:cond>
+              </p:prevCondLst>
+              <p:nextCondLst>
+                <p:cond evt="onNext" delay="0">
+                  <p:tgtEl>
+                    <p:sldTgt/>
+                  </p:tgtEl>
+                </p:cond>
+              </p:nextCondLst>
+            </p:seq>
+          </p:childTnLst>
+        </p:cTn>
+      </p:par>
+    </p:tnLst>
+    <p:bldLst>
+      <p:bldP spid="2" grpId="0" animBg="1"/>
+      <p:bldP spid="3" grpId="1" build="p"/>
+    </p:bldLst>
+  </p:timing>
+</p:sld>
+</file>
+
+<file path=ppt/slides/slide6.xml><?xml version="1.0" encoding="utf-8"?>
+<p:sld xmlns:a="http://schemas.openxmlformats.org/drawingml/2006/main" xmlns:r="http://schemas.openxmlformats.org/officeDocument/2006/relationships" xmlns:p="http://schemas.openxmlformats.org/presentationml/2006/main">
+  <p:cSld>
+    <p:spTree>
+      <p:nvGrpSpPr>
+        <p:cNvPr id="1" name=""/>
+        <p:cNvGrpSpPr/>
+        <p:nvPr/>
+      </p:nvGrpSpPr>
+      <p:grpSpPr>
+        <a:xfrm>
+          <a:off x="0" y="0"/>
+          <a:ext cx="0" cy="0"/>
+          <a:chOff x="0" y="0"/>
+          <a:chExt cx="0" cy="0"/>
+        </a:xfrm>
+      </p:grpSpPr>
+      <p:sp>
+        <p:nvSpPr>
+          <p:cNvPr id="2" name="Title 1">
+            <a:extLst>
+              <a:ext uri="{FF2B5EF4-FFF2-40B4-BE49-F238E27FC236}">
+                <a16:creationId xmlns:a16="http://schemas.microsoft.com/office/drawing/2014/main" id="{7F068DC7-F1AA-426D-8758-7A5436596358}"/>
+              </a:ext>
+            </a:extLst>
+          </p:cNvPr>
+          <p:cNvSpPr>
+            <a:spLocks noGrp="1"/>
+          </p:cNvSpPr>
+          <p:nvPr>
+            <p:ph type="title"/>
+          </p:nvPr>
+        </p:nvSpPr>
+        <p:spPr/>
+        <p:txBody>
+          <a:bodyPr/>
+          <a:lstStyle/>
+          <a:p>
+            <a:r>
+              <a:rPr lang="en-US" dirty="0"/>
+              <a:t>Variable Types</a:t>
+            </a:r>
+          </a:p>
+        </p:txBody>
+      </p:sp>
+      <p:sp>
+        <p:nvSpPr>
+          <p:cNvPr id="3" name="Content Placeholder 2">
+            <a:extLst>
+              <a:ext uri="{FF2B5EF4-FFF2-40B4-BE49-F238E27FC236}">
+                <a16:creationId xmlns:a16="http://schemas.microsoft.com/office/drawing/2014/main" id="{5D030E8B-E718-7168-0509-4F27F2398641}"/>
+              </a:ext>
+            </a:extLst>
+          </p:cNvPr>
+          <p:cNvSpPr>
+            <a:spLocks noGrp="1"/>
+          </p:cNvSpPr>
+          <p:nvPr>
+            <p:ph idx="1"/>
+          </p:nvPr>
+        </p:nvSpPr>
+        <p:spPr>
+          <a:xfrm>
+            <a:off x="2231136" y="2638044"/>
+            <a:ext cx="7729728" cy="3945636"/>
+          </a:xfrm>
+        </p:spPr>
+        <p:txBody>
+          <a:bodyPr/>
+          <a:lstStyle/>
+          <a:p>
+            <a:r>
+              <a:rPr lang="en-US" dirty="0"/>
+              <a:t>Integer</a:t>
+            </a:r>
+          </a:p>
+          <a:p>
+            <a:pPr lvl="1"/>
+            <a:r>
+              <a:rPr lang="en-US" dirty="0"/>
+              <a:t>Non fractional numbers</a:t>
+            </a:r>
+          </a:p>
+          <a:p>
+            <a:r>
+              <a:rPr lang="en-US" dirty="0"/>
+              <a:t>Float</a:t>
+            </a:r>
+          </a:p>
+          <a:p>
+            <a:pPr lvl="1"/>
+            <a:r>
+              <a:rPr lang="en-US" dirty="0"/>
+              <a:t>Fractions or decimals</a:t>
+            </a:r>
+          </a:p>
+          <a:p>
+            <a:r>
+              <a:rPr lang="en-US" dirty="0"/>
+              <a:t>String</a:t>
+            </a:r>
+          </a:p>
+          <a:p>
+            <a:pPr lvl="1"/>
+            <a:r>
+              <a:rPr lang="en-US" dirty="0"/>
+              <a:t>Collection of characters</a:t>
+            </a:r>
+          </a:p>
+          <a:p>
+            <a:pPr lvl="1"/>
+            <a:r>
+              <a:rPr lang="en-US" dirty="0"/>
+              <a:t>Declare using ‘single quotes’ or “double quotes”</a:t>
+            </a:r>
+          </a:p>
+          <a:p>
+            <a:r>
+              <a:rPr lang="en-US" dirty="0"/>
+              <a:t>Boolean</a:t>
+            </a:r>
+          </a:p>
+          <a:p>
+            <a:pPr lvl="1"/>
+            <a:r>
+              <a:rPr lang="en-US" dirty="0"/>
+              <a:t>Binary values</a:t>
+            </a:r>
+          </a:p>
+          <a:p>
+            <a:pPr lvl="1"/>
+            <a:r>
+              <a:rPr lang="en-US" dirty="0"/>
+              <a:t>Example:  True or False</a:t>
+            </a:r>
+          </a:p>
+          <a:p>
+            <a:endParaRPr lang="en-US" dirty="0"/>
+          </a:p>
+        </p:txBody>
+      </p:sp>
+    </p:spTree>
+    <p:extLst>
+      <p:ext uri="{BB962C8B-B14F-4D97-AF65-F5344CB8AC3E}">
+        <p14:creationId xmlns:p14="http://schemas.microsoft.com/office/powerpoint/2010/main" val="3267056977"/>
+      </p:ext>
+    </p:extLst>
+  </p:cSld>
+  <p:clrMapOvr>
+    <a:masterClrMapping/>
+  </p:clrMapOvr>
+  <p:timing>
+    <p:tnLst>
+      <p:par>
+        <p:cTn id="1" dur="indefinite" restart="never" nodeType="tmRoot">
+          <p:childTnLst>
+            <p:seq concurrent="1" nextAc="seek">
+              <p:cTn id="2" dur="indefinite" nodeType="mainSeq">
+                <p:childTnLst>
+                  <p:par>
+                    <p:cTn id="3" fill="hold">
+                      <p:stCondLst>
+                        <p:cond delay="indefinite"/>
+                        <p:cond evt="onBegin" delay="0">
+                          <p:tn val="2"/>
+                        </p:cond>
+                      </p:stCondLst>
+                      <p:childTnLst>
+                        <p:par>
+                          <p:cTn id="4" fill="hold">
+                            <p:stCondLst>
+                              <p:cond delay="0"/>
+                            </p:stCondLst>
+                            <p:childTnLst>
+                              <p:par>
+                                <p:cTn id="5" presetID="3" presetClass="entr" presetSubtype="10" fill="hold" grpId="0" nodeType="withEffect">
+                                  <p:stCondLst>
+                                    <p:cond delay="0"/>
+                                  </p:stCondLst>
+                                  <p:childTnLst>
+                                    <p:set>
+                                      <p:cBhvr>
+                                        <p:cTn id="6" dur="1" fill="hold">
+                                          <p:stCondLst>
+                                            <p:cond delay="0"/>
+                                          </p:stCondLst>
+                                        </p:cTn>
+                                        <p:tgtEl>
+                                          <p:spTgt spid="2"/>
+                                        </p:tgtEl>
+                                        <p:attrNameLst>
+                                          <p:attrName>style.visibility</p:attrName>
+                                        </p:attrNameLst>
+                                      </p:cBhvr>
+                                      <p:to>
+                                        <p:strVal val="visible"/>
+                                      </p:to>
+                                    </p:set>
+                                    <p:animEffect transition="in" filter="blinds(horizontal)">
+                                      <p:cBhvr>
+                                        <p:cTn id="7" dur="100"/>
+                                        <p:tgtEl>
+                                          <p:spTgt spid="2"/>
+                                        </p:tgtEl>
+                                      </p:cBhvr>
+                                    </p:animEffect>
+                                  </p:childTnLst>
+                                </p:cTn>
+                              </p:par>
+                            </p:childTnLst>
+                          </p:cTn>
+                        </p:par>
+                      </p:childTnLst>
+                    </p:cTn>
+                  </p:par>
+                  <p:par>
+                    <p:cTn id="8" fill="hold">
+                      <p:stCondLst>
+                        <p:cond delay="indefinite"/>
+                      </p:stCondLst>
+                      <p:childTnLst>
+                        <p:par>
+                          <p:cTn id="9" fill="hold">
+                            <p:stCondLst>
+                              <p:cond delay="0"/>
+                            </p:stCondLst>
+                            <p:childTnLst>
+                              <p:par>
+                                <p:cTn id="10" presetID="42" presetClass="entr" presetSubtype="0" fill="hold" grpId="0" nodeType="clickEffect">
+                                  <p:stCondLst>
+                                    <p:cond delay="0"/>
+                                  </p:stCondLst>
+                                  <p:childTnLst>
+                                    <p:set>
+                                      <p:cBhvr>
+                                        <p:cTn id="11" dur="1" fill="hold">
+                                          <p:stCondLst>
+                                            <p:cond delay="0"/>
+                                          </p:stCondLst>
+                                        </p:cTn>
+                                        <p:tgtEl>
+                                          <p:spTgt spid="3">
+                                            <p:txEl>
+                                              <p:pRg st="0" end="0"/>
+                                            </p:txEl>
+                                          </p:spTgt>
+                                        </p:tgtEl>
+                                        <p:attrNameLst>
+                                          <p:attrName>style.visibility</p:attrName>
+                                        </p:attrNameLst>
+                                      </p:cBhvr>
+                                      <p:to>
+                                        <p:strVal val="visible"/>
+                                      </p:to>
+                                    </p:set>
+                                    <p:animEffect transition="in" filter="fade">
+                                      <p:cBhvr>
+                                        <p:cTn id="12" dur="1000"/>
+                                        <p:tgtEl>
+                                          <p:spTgt spid="3">
+                                            <p:txEl>
+                                              <p:pRg st="0" end="0"/>
+                                            </p:txEl>
+                                          </p:spTgt>
+                                        </p:tgtEl>
+                                      </p:cBhvr>
+                                    </p:animEffect>
+                                    <p:anim calcmode="lin" valueType="num">
+                                      <p:cBhvr>
+                                        <p:cTn id="13" dur="1000" fill="hold"/>
+                                        <p:tgtEl>
+                                          <p:spTgt spid="3">
+                                            <p:txEl>
+                                              <p:pRg st="0" end="0"/>
+                                            </p:txEl>
+                                          </p:spTgt>
+                                        </p:tgtEl>
+                                        <p:attrNameLst>
+                                          <p:attrName>ppt_x</p:attrName>
+                                        </p:attrNameLst>
+                                      </p:cBhvr>
+                                      <p:tavLst>
+                                        <p:tav tm="0">
+                                          <p:val>
+                                            <p:strVal val="#ppt_x"/>
+                                          </p:val>
+                                        </p:tav>
+                                        <p:tav tm="100000">
+                                          <p:val>
+                                            <p:strVal val="#ppt_x"/>
+                                          </p:val>
+                                        </p:tav>
+                                      </p:tavLst>
+                                    </p:anim>
+                                    <p:anim calcmode="lin" valueType="num">
+                                      <p:cBhvr>
+                                        <p:cTn id="14" dur="1000" fill="hold"/>
+                                        <p:tgtEl>
+                                          <p:spTgt spid="3">
+                                            <p:txEl>
+                                              <p:pRg st="0" end="0"/>
+                                            </p:txEl>
+                                          </p:spTgt>
+                                        </p:tgtEl>
+                                        <p:attrNameLst>
+                                          <p:attrName>ppt_y</p:attrName>
+                                        </p:attrNameLst>
+                                      </p:cBhvr>
+                                      <p:tavLst>
+                                        <p:tav tm="0">
+                                          <p:val>
+                                            <p:strVal val="#ppt_y+.1"/>
+                                          </p:val>
+                                        </p:tav>
+                                        <p:tav tm="100000">
+                                          <p:val>
+                                            <p:strVal val="#ppt_y"/>
+                                          </p:val>
+                                        </p:tav>
+                                      </p:tavLst>
+                                    </p:anim>
+                                  </p:childTnLst>
+                                </p:cTn>
+                              </p:par>
+                              <p:par>
+                                <p:cTn id="15" presetID="42" presetClass="entr" presetSubtype="0" fill="hold" grpId="0" nodeType="withEffect">
+                                  <p:stCondLst>
+                                    <p:cond delay="0"/>
+                                  </p:stCondLst>
+                                  <p:childTnLst>
+                                    <p:set>
+                                      <p:cBhvr>
+                                        <p:cTn id="16" dur="1" fill="hold">
+                                          <p:stCondLst>
+                                            <p:cond delay="0"/>
+                                          </p:stCondLst>
+                                        </p:cTn>
+                                        <p:tgtEl>
+                                          <p:spTgt spid="3">
+                                            <p:txEl>
+                                              <p:pRg st="1" end="1"/>
+                                            </p:txEl>
+                                          </p:spTgt>
+                                        </p:tgtEl>
+                                        <p:attrNameLst>
+                                          <p:attrName>style.visibility</p:attrName>
+                                        </p:attrNameLst>
+                                      </p:cBhvr>
+                                      <p:to>
+                                        <p:strVal val="visible"/>
+                                      </p:to>
+                                    </p:set>
+                                    <p:animEffect transition="in" filter="fade">
+                                      <p:cBhvr>
+                                        <p:cTn id="17" dur="1000"/>
+                                        <p:tgtEl>
+                                          <p:spTgt spid="3">
+                                            <p:txEl>
+                                              <p:pRg st="1" end="1"/>
+                                            </p:txEl>
+                                          </p:spTgt>
+                                        </p:tgtEl>
+                                      </p:cBhvr>
+                                    </p:animEffect>
+                                    <p:anim calcmode="lin" valueType="num">
+                                      <p:cBhvr>
+                                        <p:cTn id="18" dur="1000" fill="hold"/>
+                                        <p:tgtEl>
+                                          <p:spTgt spid="3">
+                                            <p:txEl>
+                                              <p:pRg st="1" end="1"/>
+                                            </p:txEl>
+                                          </p:spTgt>
+                                        </p:tgtEl>
+                                        <p:attrNameLst>
+                                          <p:attrName>ppt_x</p:attrName>
+                                        </p:attrNameLst>
+                                      </p:cBhvr>
+                                      <p:tavLst>
+                                        <p:tav tm="0">
+                                          <p:val>
+                                            <p:strVal val="#ppt_x"/>
+                                          </p:val>
+                                        </p:tav>
+                                        <p:tav tm="100000">
+                                          <p:val>
+                                            <p:strVal val="#ppt_x"/>
+                                          </p:val>
+                                        </p:tav>
+                                      </p:tavLst>
+                                    </p:anim>
+                                    <p:anim calcmode="lin" valueType="num">
+                                      <p:cBhvr>
+                                        <p:cTn id="19" dur="1000" fill="hold"/>
+                                        <p:tgtEl>
+                                          <p:spTgt spid="3">
+                                            <p:txEl>
+                                              <p:pRg st="1" end="1"/>
+                                            </p:txEl>
+                                          </p:spTgt>
+                                        </p:tgtEl>
+                                        <p:attrNameLst>
+                                          <p:attrName>ppt_y</p:attrName>
+                                        </p:attrNameLst>
+                                      </p:cBhvr>
+                                      <p:tavLst>
+                                        <p:tav tm="0">
+                                          <p:val>
+                                            <p:strVal val="#ppt_y+.1"/>
+                                          </p:val>
+                                        </p:tav>
+                                        <p:tav tm="100000">
+                                          <p:val>
+                                            <p:strVal val="#ppt_y"/>
+                                          </p:val>
+                                        </p:tav>
+                                      </p:tavLst>
+                                    </p:anim>
+                                  </p:childTnLst>
+                                </p:cTn>
+                              </p:par>
+                            </p:childTnLst>
+                          </p:cTn>
+                        </p:par>
+                      </p:childTnLst>
+                    </p:cTn>
+                  </p:par>
+                  <p:par>
+                    <p:cTn id="20" fill="hold">
+                      <p:stCondLst>
+                        <p:cond delay="indefinite"/>
+                      </p:stCondLst>
+                      <p:childTnLst>
+                        <p:par>
+                          <p:cTn id="21" fill="hold">
+                            <p:stCondLst>
+                              <p:cond delay="0"/>
+                            </p:stCondLst>
+                            <p:childTnLst>
+                              <p:par>
+                                <p:cTn id="22" presetID="42" presetClass="entr" presetSubtype="0" fill="hold" grpId="0" nodeType="clickEffect">
+                                  <p:stCondLst>
+                                    <p:cond delay="0"/>
+                                  </p:stCondLst>
+                                  <p:childTnLst>
+                                    <p:set>
+                                      <p:cBhvr>
+                                        <p:cTn id="23" dur="1" fill="hold">
+                                          <p:stCondLst>
+                                            <p:cond delay="0"/>
+                                          </p:stCondLst>
+                                        </p:cTn>
+                                        <p:tgtEl>
+                                          <p:spTgt spid="3">
+                                            <p:txEl>
+                                              <p:pRg st="2" end="2"/>
+                                            </p:txEl>
+                                          </p:spTgt>
+                                        </p:tgtEl>
+                                        <p:attrNameLst>
+                                          <p:attrName>style.visibility</p:attrName>
+                                        </p:attrNameLst>
+                                      </p:cBhvr>
+                                      <p:to>
+                                        <p:strVal val="visible"/>
+                                      </p:to>
+                                    </p:set>
+                                    <p:animEffect transition="in" filter="fade">
+                                      <p:cBhvr>
+                                        <p:cTn id="24" dur="1000"/>
+                                        <p:tgtEl>
+                                          <p:spTgt spid="3">
+                                            <p:txEl>
+                                              <p:pRg st="2" end="2"/>
+                                            </p:txEl>
+                                          </p:spTgt>
+                                        </p:tgtEl>
+                                      </p:cBhvr>
+                                    </p:animEffect>
+                                    <p:anim calcmode="lin" valueType="num">
+                                      <p:cBhvr>
+                                        <p:cTn id="25" dur="1000" fill="hold"/>
+                                        <p:tgtEl>
+                                          <p:spTgt spid="3">
+                                            <p:txEl>
+                                              <p:pRg st="2" end="2"/>
+                                            </p:txEl>
+                                          </p:spTgt>
+                                        </p:tgtEl>
+                                        <p:attrNameLst>
+                                          <p:attrName>ppt_x</p:attrName>
+                                        </p:attrNameLst>
+                                      </p:cBhvr>
+                                      <p:tavLst>
+                                        <p:tav tm="0">
+                                          <p:val>
+                                            <p:strVal val="#ppt_x"/>
+                                          </p:val>
+                                        </p:tav>
+                                        <p:tav tm="100000">
+                                          <p:val>
+                                            <p:strVal val="#ppt_x"/>
+                                          </p:val>
+                                        </p:tav>
+                                      </p:tavLst>
+                                    </p:anim>
+                                    <p:anim calcmode="lin" valueType="num">
+                                      <p:cBhvr>
+                                        <p:cTn id="26" dur="1000" fill="hold"/>
+                                        <p:tgtEl>
+                                          <p:spTgt spid="3">
+                                            <p:txEl>
+                                              <p:pRg st="2" end="2"/>
+                                            </p:txEl>
+                                          </p:spTgt>
+                                        </p:tgtEl>
+                                        <p:attrNameLst>
+                                          <p:attrName>ppt_y</p:attrName>
+                                        </p:attrNameLst>
+                                      </p:cBhvr>
+                                      <p:tavLst>
+                                        <p:tav tm="0">
+                                          <p:val>
+                                            <p:strVal val="#ppt_y+.1"/>
+                                          </p:val>
+                                        </p:tav>
+                                        <p:tav tm="100000">
+                                          <p:val>
+                                            <p:strVal val="#ppt_y"/>
+                                          </p:val>
+                                        </p:tav>
+                                      </p:tavLst>
+                                    </p:anim>
+                                  </p:childTnLst>
+                                </p:cTn>
+                              </p:par>
+                              <p:par>
+                                <p:cTn id="27" presetID="42" presetClass="entr" presetSubtype="0" fill="hold" grpId="0" nodeType="withEffect">
+                                  <p:stCondLst>
+                                    <p:cond delay="0"/>
+                                  </p:stCondLst>
+                                  <p:childTnLst>
+                                    <p:set>
+                                      <p:cBhvr>
+                                        <p:cTn id="28" dur="1" fill="hold">
+                                          <p:stCondLst>
+                                            <p:cond delay="0"/>
+                                          </p:stCondLst>
+                                        </p:cTn>
+                                        <p:tgtEl>
+                                          <p:spTgt spid="3">
+                                            <p:txEl>
+                                              <p:pRg st="3" end="3"/>
+                                            </p:txEl>
+                                          </p:spTgt>
+                                        </p:tgtEl>
+                                        <p:attrNameLst>
+                                          <p:attrName>style.visibility</p:attrName>
+                                        </p:attrNameLst>
+                                      </p:cBhvr>
+                                      <p:to>
+                                        <p:strVal val="visible"/>
+                                      </p:to>
+                                    </p:set>
+                                    <p:animEffect transition="in" filter="fade">
+                                      <p:cBhvr>
+                                        <p:cTn id="29" dur="1000"/>
+                                        <p:tgtEl>
+                                          <p:spTgt spid="3">
+                                            <p:txEl>
+                                              <p:pRg st="3" end="3"/>
+                                            </p:txEl>
+                                          </p:spTgt>
+                                        </p:tgtEl>
+                                      </p:cBhvr>
+                                    </p:animEffect>
+                                    <p:anim calcmode="lin" valueType="num">
+                                      <p:cBhvr>
+                                        <p:cTn id="30" dur="1000" fill="hold"/>
+                                        <p:tgtEl>
+                                          <p:spTgt spid="3">
+                                            <p:txEl>
+                                              <p:pRg st="3" end="3"/>
+                                            </p:txEl>
+                                          </p:spTgt>
+                                        </p:tgtEl>
+                                        <p:attrNameLst>
+                                          <p:attrName>ppt_x</p:attrName>
+                                        </p:attrNameLst>
+                                      </p:cBhvr>
+                                      <p:tavLst>
+                                        <p:tav tm="0">
+                                          <p:val>
+                                            <p:strVal val="#ppt_x"/>
+                                          </p:val>
+                                        </p:tav>
+                                        <p:tav tm="100000">
+                                          <p:val>
+                                            <p:strVal val="#ppt_x"/>
+                                          </p:val>
+                                        </p:tav>
+                                      </p:tavLst>
+                                    </p:anim>
+                                    <p:anim calcmode="lin" valueType="num">
+                                      <p:cBhvr>
+                                        <p:cTn id="31" dur="1000" fill="hold"/>
+                                        <p:tgtEl>
+                                          <p:spTgt spid="3">
+                                            <p:txEl>
+                                              <p:pRg st="3" end="3"/>
+                                            </p:txEl>
+                                          </p:spTgt>
+                                        </p:tgtEl>
+                                        <p:attrNameLst>
+                                          <p:attrName>ppt_y</p:attrName>
+                                        </p:attrNameLst>
+                                      </p:cBhvr>
+                                      <p:tavLst>
+                                        <p:tav tm="0">
+                                          <p:val>
+                                            <p:strVal val="#ppt_y+.1"/>
+                                          </p:val>
+                                        </p:tav>
+                                        <p:tav tm="100000">
+                                          <p:val>
+                                            <p:strVal val="#ppt_y"/>
+                                          </p:val>
+                                        </p:tav>
+                                      </p:tavLst>
+                                    </p:anim>
+                                  </p:childTnLst>
+                                </p:cTn>
+                              </p:par>
+                            </p:childTnLst>
+                          </p:cTn>
+                        </p:par>
+                      </p:childTnLst>
+                    </p:cTn>
+                  </p:par>
+                  <p:par>
+                    <p:cTn id="32" fill="hold">
+                      <p:stCondLst>
+                        <p:cond delay="indefinite"/>
+                      </p:stCondLst>
+                      <p:childTnLst>
+                        <p:par>
+                          <p:cTn id="33" fill="hold">
+                            <p:stCondLst>
+                              <p:cond delay="0"/>
+                            </p:stCondLst>
+                            <p:childTnLst>
+                              <p:par>
+                                <p:cTn id="34" presetID="42" presetClass="entr" presetSubtype="0" fill="hold" grpId="0" nodeType="clickEffect">
+                                  <p:stCondLst>
+                                    <p:cond delay="0"/>
+                                  </p:stCondLst>
+                                  <p:childTnLst>
+                                    <p:set>
+                                      <p:cBhvr>
+                                        <p:cTn id="35" dur="1" fill="hold">
+                                          <p:stCondLst>
+                                            <p:cond delay="0"/>
+                                          </p:stCondLst>
+                                        </p:cTn>
+                                        <p:tgtEl>
+                                          <p:spTgt spid="3">
+                                            <p:txEl>
+                                              <p:pRg st="4" end="4"/>
+                                            </p:txEl>
+                                          </p:spTgt>
+                                        </p:tgtEl>
+                                        <p:attrNameLst>
+                                          <p:attrName>style.visibility</p:attrName>
+                                        </p:attrNameLst>
+                                      </p:cBhvr>
+                                      <p:to>
+                                        <p:strVal val="visible"/>
+                                      </p:to>
+                                    </p:set>
+                                    <p:animEffect transition="in" filter="fade">
+                                      <p:cBhvr>
+                                        <p:cTn id="36" dur="1000"/>
+                                        <p:tgtEl>
+                                          <p:spTgt spid="3">
+                                            <p:txEl>
+                                              <p:pRg st="4" end="4"/>
+                                            </p:txEl>
+                                          </p:spTgt>
+                                        </p:tgtEl>
+                                      </p:cBhvr>
+                                    </p:animEffect>
+                                    <p:anim calcmode="lin" valueType="num">
+                                      <p:cBhvr>
+                                        <p:cTn id="37" dur="1000" fill="hold"/>
+                                        <p:tgtEl>
+                                          <p:spTgt spid="3">
+                                            <p:txEl>
+                                              <p:pRg st="4" end="4"/>
+                                            </p:txEl>
+                                          </p:spTgt>
+                                        </p:tgtEl>
+                                        <p:attrNameLst>
+                                          <p:attrName>ppt_x</p:attrName>
+                                        </p:attrNameLst>
+                                      </p:cBhvr>
+                                      <p:tavLst>
+                                        <p:tav tm="0">
+                                          <p:val>
+                                            <p:strVal val="#ppt_x"/>
+                                          </p:val>
+                                        </p:tav>
+                                        <p:tav tm="100000">
+                                          <p:val>
+                                            <p:strVal val="#ppt_x"/>
+                                          </p:val>
+                                        </p:tav>
+                                      </p:tavLst>
+                                    </p:anim>
+                                    <p:anim calcmode="lin" valueType="num">
+                                      <p:cBhvr>
+                                        <p:cTn id="38" dur="1000" fill="hold"/>
+                                        <p:tgtEl>
+                                          <p:spTgt spid="3">
+                                            <p:txEl>
+                                              <p:pRg st="4" end="4"/>
+                                            </p:txEl>
+                                          </p:spTgt>
+                                        </p:tgtEl>
+                                        <p:attrNameLst>
+                                          <p:attrName>ppt_y</p:attrName>
+                                        </p:attrNameLst>
+                                      </p:cBhvr>
+                                      <p:tavLst>
+                                        <p:tav tm="0">
+                                          <p:val>
+                                            <p:strVal val="#ppt_y+.1"/>
+                                          </p:val>
+                                        </p:tav>
+                                        <p:tav tm="100000">
+                                          <p:val>
+                                            <p:strVal val="#ppt_y"/>
+                                          </p:val>
+                                        </p:tav>
+                                      </p:tavLst>
+                                    </p:anim>
+                                  </p:childTnLst>
+                                </p:cTn>
+                              </p:par>
+                              <p:par>
+                                <p:cTn id="39" presetID="42" presetClass="entr" presetSubtype="0" fill="hold" grpId="0" nodeType="withEffect">
+                                  <p:stCondLst>
+                                    <p:cond delay="0"/>
+                                  </p:stCondLst>
+                                  <p:childTnLst>
+                                    <p:set>
+                                      <p:cBhvr>
+                                        <p:cTn id="40" dur="1" fill="hold">
+                                          <p:stCondLst>
+                                            <p:cond delay="0"/>
+                                          </p:stCondLst>
+                                        </p:cTn>
+                                        <p:tgtEl>
+                                          <p:spTgt spid="3">
+                                            <p:txEl>
+                                              <p:pRg st="5" end="5"/>
+                                            </p:txEl>
+                                          </p:spTgt>
+                                        </p:tgtEl>
+                                        <p:attrNameLst>
+                                          <p:attrName>style.visibility</p:attrName>
+                                        </p:attrNameLst>
+                                      </p:cBhvr>
+                                      <p:to>
+                                        <p:strVal val="visible"/>
+                                      </p:to>
+                                    </p:set>
+                                    <p:animEffect transition="in" filter="fade">
+                                      <p:cBhvr>
+                                        <p:cTn id="41" dur="1000"/>
+                                        <p:tgtEl>
+                                          <p:spTgt spid="3">
+                                            <p:txEl>
+                                              <p:pRg st="5" end="5"/>
+                                            </p:txEl>
+                                          </p:spTgt>
+                                        </p:tgtEl>
+                                      </p:cBhvr>
+                                    </p:animEffect>
+                                    <p:anim calcmode="lin" valueType="num">
+                                      <p:cBhvr>
+                                        <p:cTn id="42" dur="1000" fill="hold"/>
+                                        <p:tgtEl>
+                                          <p:spTgt spid="3">
+                                            <p:txEl>
+                                              <p:pRg st="5" end="5"/>
+                                            </p:txEl>
+                                          </p:spTgt>
+                                        </p:tgtEl>
+                                        <p:attrNameLst>
+                                          <p:attrName>ppt_x</p:attrName>
+                                        </p:attrNameLst>
+                                      </p:cBhvr>
+                                      <p:tavLst>
+                                        <p:tav tm="0">
+                                          <p:val>
+                                            <p:strVal val="#ppt_x"/>
+                                          </p:val>
+                                        </p:tav>
+                                        <p:tav tm="100000">
+                                          <p:val>
+                                            <p:strVal val="#ppt_x"/>
+                                          </p:val>
+                                        </p:tav>
+                                      </p:tavLst>
+                                    </p:anim>
+                                    <p:anim calcmode="lin" valueType="num">
+                                      <p:cBhvr>
+                                        <p:cTn id="43" dur="1000" fill="hold"/>
+                                        <p:tgtEl>
+                                          <p:spTgt spid="3">
+                                            <p:txEl>
+                                              <p:pRg st="5" end="5"/>
+                                            </p:txEl>
+                                          </p:spTgt>
+                                        </p:tgtEl>
+                                        <p:attrNameLst>
+                                          <p:attrName>ppt_y</p:attrName>
+                                        </p:attrNameLst>
+                                      </p:cBhvr>
+                                      <p:tavLst>
+                                        <p:tav tm="0">
+                                          <p:val>
+                                            <p:strVal val="#ppt_y+.1"/>
+                                          </p:val>
+                                        </p:tav>
+                                        <p:tav tm="100000">
+                                          <p:val>
+                                            <p:strVal val="#ppt_y"/>
+                                          </p:val>
+                                        </p:tav>
+                                      </p:tavLst>
+                                    </p:anim>
+                                  </p:childTnLst>
+                                </p:cTn>
+                              </p:par>
+                              <p:par>
+                                <p:cTn id="44" presetID="42" presetClass="entr" presetSubtype="0" fill="hold" grpId="0" nodeType="withEffect">
+                                  <p:stCondLst>
+                                    <p:cond delay="0"/>
+                                  </p:stCondLst>
+                                  <p:childTnLst>
+                                    <p:set>
+                                      <p:cBhvr>
+                                        <p:cTn id="45" dur="1" fill="hold">
+                                          <p:stCondLst>
+                                            <p:cond delay="0"/>
+                                          </p:stCondLst>
+                                        </p:cTn>
+                                        <p:tgtEl>
+                                          <p:spTgt spid="3">
+                                            <p:txEl>
+                                              <p:pRg st="6" end="6"/>
+                                            </p:txEl>
+                                          </p:spTgt>
+                                        </p:tgtEl>
+                                        <p:attrNameLst>
+                                          <p:attrName>style.visibility</p:attrName>
+                                        </p:attrNameLst>
+                                      </p:cBhvr>
+                                      <p:to>
+                                        <p:strVal val="visible"/>
+                                      </p:to>
+                                    </p:set>
+                                    <p:animEffect transition="in" filter="fade">
+                                      <p:cBhvr>
+                                        <p:cTn id="46" dur="1000"/>
+                                        <p:tgtEl>
+                                          <p:spTgt spid="3">
+                                            <p:txEl>
+                                              <p:pRg st="6" end="6"/>
+                                            </p:txEl>
+                                          </p:spTgt>
+                                        </p:tgtEl>
+                                      </p:cBhvr>
+                                    </p:animEffect>
+                                    <p:anim calcmode="lin" valueType="num">
+                                      <p:cBhvr>
+                                        <p:cTn id="47" dur="1000" fill="hold"/>
+                                        <p:tgtEl>
+                                          <p:spTgt spid="3">
+                                            <p:txEl>
+                                              <p:pRg st="6" end="6"/>
+                                            </p:txEl>
+                                          </p:spTgt>
+                                        </p:tgtEl>
+                                        <p:attrNameLst>
+                                          <p:attrName>ppt_x</p:attrName>
+                                        </p:attrNameLst>
+                                      </p:cBhvr>
+                                      <p:tavLst>
+                                        <p:tav tm="0">
+                                          <p:val>
+                                            <p:strVal val="#ppt_x"/>
+                                          </p:val>
+                                        </p:tav>
+                                        <p:tav tm="100000">
+                                          <p:val>
+                                            <p:strVal val="#ppt_x"/>
+                                          </p:val>
+                                        </p:tav>
+                                      </p:tavLst>
+                                    </p:anim>
+                                    <p:anim calcmode="lin" valueType="num">
+                                      <p:cBhvr>
+                                        <p:cTn id="48" dur="1000" fill="hold"/>
+                                        <p:tgtEl>
+                                          <p:spTgt spid="3">
+                                            <p:txEl>
+                                              <p:pRg st="6" end="6"/>
+                                            </p:txEl>
+                                          </p:spTgt>
+                                        </p:tgtEl>
+                                        <p:attrNameLst>
+                                          <p:attrName>ppt_y</p:attrName>
+                                        </p:attrNameLst>
+                                      </p:cBhvr>
+                                      <p:tavLst>
+                                        <p:tav tm="0">
+                                          <p:val>
+                                            <p:strVal val="#ppt_y+.1"/>
+                                          </p:val>
+                                        </p:tav>
+                                        <p:tav tm="100000">
+                                          <p:val>
+                                            <p:strVal val="#ppt_y"/>
+                                          </p:val>
+                                        </p:tav>
+                                      </p:tavLst>
+                                    </p:anim>
+                                  </p:childTnLst>
+                                </p:cTn>
+                              </p:par>
+                            </p:childTnLst>
+                          </p:cTn>
+                        </p:par>
+                      </p:childTnLst>
+                    </p:cTn>
+                  </p:par>
+                  <p:par>
+                    <p:cTn id="49" fill="hold">
+                      <p:stCondLst>
+                        <p:cond delay="indefinite"/>
+                      </p:stCondLst>
+                      <p:childTnLst>
+                        <p:par>
+                          <p:cTn id="50" fill="hold">
+                            <p:stCondLst>
+                              <p:cond delay="0"/>
+                            </p:stCondLst>
+                            <p:childTnLst>
+                              <p:par>
+                                <p:cTn id="51" presetID="42" presetClass="entr" presetSubtype="0" fill="hold" grpId="0" nodeType="clickEffect">
+                                  <p:stCondLst>
+                                    <p:cond delay="0"/>
+                                  </p:stCondLst>
+                                  <p:childTnLst>
+                                    <p:set>
+                                      <p:cBhvr>
+                                        <p:cTn id="52" dur="1" fill="hold">
+                                          <p:stCondLst>
+                                            <p:cond delay="0"/>
+                                          </p:stCondLst>
+                                        </p:cTn>
+                                        <p:tgtEl>
+                                          <p:spTgt spid="3">
+                                            <p:txEl>
+                                              <p:pRg st="7" end="7"/>
+                                            </p:txEl>
+                                          </p:spTgt>
+                                        </p:tgtEl>
+                                        <p:attrNameLst>
+                                          <p:attrName>style.visibility</p:attrName>
+                                        </p:attrNameLst>
+                                      </p:cBhvr>
+                                      <p:to>
+                                        <p:strVal val="visible"/>
+                                      </p:to>
+                                    </p:set>
+                                    <p:animEffect transition="in" filter="fade">
+                                      <p:cBhvr>
+                                        <p:cTn id="53" dur="1000"/>
+                                        <p:tgtEl>
+                                          <p:spTgt spid="3">
+                                            <p:txEl>
+                                              <p:pRg st="7" end="7"/>
+                                            </p:txEl>
+                                          </p:spTgt>
+                                        </p:tgtEl>
+                                      </p:cBhvr>
+                                    </p:animEffect>
+                                    <p:anim calcmode="lin" valueType="num">
+                                      <p:cBhvr>
+                                        <p:cTn id="54" dur="1000" fill="hold"/>
+                                        <p:tgtEl>
+                                          <p:spTgt spid="3">
+                                            <p:txEl>
+                                              <p:pRg st="7" end="7"/>
+                                            </p:txEl>
+                                          </p:spTgt>
+                                        </p:tgtEl>
+                                        <p:attrNameLst>
+                                          <p:attrName>ppt_x</p:attrName>
+                                        </p:attrNameLst>
+                                      </p:cBhvr>
+                                      <p:tavLst>
+                                        <p:tav tm="0">
+                                          <p:val>
+                                            <p:strVal val="#ppt_x"/>
+                                          </p:val>
+                                        </p:tav>
+                                        <p:tav tm="100000">
+                                          <p:val>
+                                            <p:strVal val="#ppt_x"/>
+                                          </p:val>
+                                        </p:tav>
+                                      </p:tavLst>
+                                    </p:anim>
+                                    <p:anim calcmode="lin" valueType="num">
+                                      <p:cBhvr>
+                                        <p:cTn id="55" dur="1000" fill="hold"/>
+                                        <p:tgtEl>
+                                          <p:spTgt spid="3">
+                                            <p:txEl>
+                                              <p:pRg st="7" end="7"/>
+                                            </p:txEl>
+                                          </p:spTgt>
+                                        </p:tgtEl>
+                                        <p:attrNameLst>
+                                          <p:attrName>ppt_y</p:attrName>
+                                        </p:attrNameLst>
+                                      </p:cBhvr>
+                                      <p:tavLst>
+                                        <p:tav tm="0">
+                                          <p:val>
+                                            <p:strVal val="#ppt_y+.1"/>
+                                          </p:val>
+                                        </p:tav>
+                                        <p:tav tm="100000">
+                                          <p:val>
+                                            <p:strVal val="#ppt_y"/>
+                                          </p:val>
+                                        </p:tav>
+                                      </p:tavLst>
+                                    </p:anim>
+                                  </p:childTnLst>
+                                </p:cTn>
+                              </p:par>
+                              <p:par>
+                                <p:cTn id="56" presetID="42" presetClass="entr" presetSubtype="0" fill="hold" grpId="0" nodeType="withEffect">
+                                  <p:stCondLst>
+                                    <p:cond delay="0"/>
+                                  </p:stCondLst>
+                                  <p:childTnLst>
+                                    <p:set>
+                                      <p:cBhvr>
+                                        <p:cTn id="57" dur="1" fill="hold">
+                                          <p:stCondLst>
+                                            <p:cond delay="0"/>
+                                          </p:stCondLst>
+                                        </p:cTn>
+                                        <p:tgtEl>
+                                          <p:spTgt spid="3">
+                                            <p:txEl>
+                                              <p:pRg st="8" end="8"/>
+                                            </p:txEl>
+                                          </p:spTgt>
+                                        </p:tgtEl>
+                                        <p:attrNameLst>
+                                          <p:attrName>style.visibility</p:attrName>
+                                        </p:attrNameLst>
+                                      </p:cBhvr>
+                                      <p:to>
+                                        <p:strVal val="visible"/>
+                                      </p:to>
+                                    </p:set>
+                                    <p:animEffect transition="in" filter="fade">
+                                      <p:cBhvr>
+                                        <p:cTn id="58" dur="1000"/>
+                                        <p:tgtEl>
+                                          <p:spTgt spid="3">
+                                            <p:txEl>
+                                              <p:pRg st="8" end="8"/>
+                                            </p:txEl>
+                                          </p:spTgt>
+                                        </p:tgtEl>
+                                      </p:cBhvr>
+                                    </p:animEffect>
+                                    <p:anim calcmode="lin" valueType="num">
+                                      <p:cBhvr>
+                                        <p:cTn id="59" dur="1000" fill="hold"/>
+                                        <p:tgtEl>
+                                          <p:spTgt spid="3">
+                                            <p:txEl>
+                                              <p:pRg st="8" end="8"/>
+                                            </p:txEl>
+                                          </p:spTgt>
+                                        </p:tgtEl>
+                                        <p:attrNameLst>
+                                          <p:attrName>ppt_x</p:attrName>
+                                        </p:attrNameLst>
+                                      </p:cBhvr>
+                                      <p:tavLst>
+                                        <p:tav tm="0">
+                                          <p:val>
+                                            <p:strVal val="#ppt_x"/>
+                                          </p:val>
+                                        </p:tav>
+                                        <p:tav tm="100000">
+                                          <p:val>
+                                            <p:strVal val="#ppt_x"/>
+                                          </p:val>
+                                        </p:tav>
+                                      </p:tavLst>
+                                    </p:anim>
+                                    <p:anim calcmode="lin" valueType="num">
+                                      <p:cBhvr>
+                                        <p:cTn id="60" dur="1000" fill="hold"/>
+                                        <p:tgtEl>
+                                          <p:spTgt spid="3">
+                                            <p:txEl>
+                                              <p:pRg st="8" end="8"/>
+                                            </p:txEl>
+                                          </p:spTgt>
+                                        </p:tgtEl>
+                                        <p:attrNameLst>
+                                          <p:attrName>ppt_y</p:attrName>
+                                        </p:attrNameLst>
+                                      </p:cBhvr>
+                                      <p:tavLst>
+                                        <p:tav tm="0">
+                                          <p:val>
+                                            <p:strVal val="#ppt_y+.1"/>
+                                          </p:val>
+                                        </p:tav>
+                                        <p:tav tm="100000">
+                                          <p:val>
+                                            <p:strVal val="#ppt_y"/>
+                                          </p:val>
+                                        </p:tav>
+                                      </p:tavLst>
+                                    </p:anim>
+                                  </p:childTnLst>
+                                </p:cTn>
+                              </p:par>
+                              <p:par>
+                                <p:cTn id="61" presetID="42" presetClass="entr" presetSubtype="0" fill="hold" grpId="0" nodeType="withEffect">
+                                  <p:stCondLst>
+                                    <p:cond delay="0"/>
+                                  </p:stCondLst>
+                                  <p:childTnLst>
+                                    <p:set>
+                                      <p:cBhvr>
+                                        <p:cTn id="62" dur="1" fill="hold">
+                                          <p:stCondLst>
+                                            <p:cond delay="0"/>
+                                          </p:stCondLst>
+                                        </p:cTn>
+                                        <p:tgtEl>
+                                          <p:spTgt spid="3">
+                                            <p:txEl>
+                                              <p:pRg st="9" end="9"/>
+                                            </p:txEl>
+                                          </p:spTgt>
+                                        </p:tgtEl>
+                                        <p:attrNameLst>
+                                          <p:attrName>style.visibility</p:attrName>
+                                        </p:attrNameLst>
+                                      </p:cBhvr>
+                                      <p:to>
+                                        <p:strVal val="visible"/>
+                                      </p:to>
+                                    </p:set>
+                                    <p:animEffect transition="in" filter="fade">
+                                      <p:cBhvr>
+                                        <p:cTn id="63" dur="1000"/>
+                                        <p:tgtEl>
+                                          <p:spTgt spid="3">
+                                            <p:txEl>
+                                              <p:pRg st="9" end="9"/>
+                                            </p:txEl>
+                                          </p:spTgt>
+                                        </p:tgtEl>
+                                      </p:cBhvr>
+                                    </p:animEffect>
+                                    <p:anim calcmode="lin" valueType="num">
+                                      <p:cBhvr>
+                                        <p:cTn id="64" dur="1000" fill="hold"/>
+                                        <p:tgtEl>
+                                          <p:spTgt spid="3">
+                                            <p:txEl>
+                                              <p:pRg st="9" end="9"/>
+                                            </p:txEl>
+                                          </p:spTgt>
+                                        </p:tgtEl>
+                                        <p:attrNameLst>
+                                          <p:attrName>ppt_x</p:attrName>
+                                        </p:attrNameLst>
+                                      </p:cBhvr>
+                                      <p:tavLst>
+                                        <p:tav tm="0">
+                                          <p:val>
+                                            <p:strVal val="#ppt_x"/>
+                                          </p:val>
+                                        </p:tav>
+                                        <p:tav tm="100000">
+                                          <p:val>
+                                            <p:strVal val="#ppt_x"/>
+                                          </p:val>
+                                        </p:tav>
+                                      </p:tavLst>
+                                    </p:anim>
+                                    <p:anim calcmode="lin" valueType="num">
+                                      <p:cBhvr>
+                                        <p:cTn id="65" dur="1000" fill="hold"/>
+                                        <p:tgtEl>
+                                          <p:spTgt spid="3">
+                                            <p:txEl>
+                                              <p:pRg st="9" end="9"/>
+                                            </p:txEl>
+                                          </p:spTgt>
+                                        </p:tgtEl>
+                                        <p:attrNameLst>
+                                          <p:attrName>ppt_y</p:attrName>
+                                        </p:attrNameLst>
+                                      </p:cBhvr>
+                                      <p:tavLst>
+                                        <p:tav tm="0">
+                                          <p:val>
+                                            <p:strVal val="#ppt_y+.1"/>
+                                          </p:val>
+                                        </p:tav>
+                                        <p:tav tm="100000">
+                                          <p:val>
+                                            <p:strVal val="#ppt_y"/>
+                                          </p:val>
+                                        </p:tav>
+                                      </p:tavLst>
+                                    </p:anim>
+                                  </p:childTnLst>
+                                </p:cTn>
+                              </p:par>
+                            </p:childTnLst>
+                          </p:cTn>
+                        </p:par>
+                      </p:childTnLst>
+                    </p:cTn>
+                  </p:par>
+                </p:childTnLst>
+              </p:cTn>
+              <p:prevCondLst>
+                <p:cond evt="onPrev" delay="0">
+                  <p:tgtEl>
+                    <p:sldTgt/>
+                  </p:tgtEl>
+                </p:cond>
+              </p:prevCondLst>
+              <p:nextCondLst>
+                <p:cond evt="onNext" delay="0">
+                  <p:tgtEl>
+                    <p:sldTgt/>
+                  </p:tgtEl>
+                </p:cond>
+              </p:nextCondLst>
+            </p:seq>
+          </p:childTnLst>
+        </p:cTn>
+      </p:par>
+    </p:tnLst>
+    <p:bldLst>
+      <p:bldP spid="2" grpId="0" animBg="1"/>
+      <p:bldP spid="3" grpId="0" build="p"/>
+    </p:bldLst>
+  </p:timing>
+</p:sld>
+</file>
+
+<file path=ppt/slides/slide7.xml><?xml version="1.0" encoding="utf-8"?>
+<p:sld xmlns:a="http://schemas.openxmlformats.org/drawingml/2006/main" xmlns:r="http://schemas.openxmlformats.org/officeDocument/2006/relationships" xmlns:p="http://schemas.openxmlformats.org/presentationml/2006/main">
+  <p:cSld>
+    <p:spTree>
+      <p:nvGrpSpPr>
+        <p:cNvPr id="1" name=""/>
+        <p:cNvGrpSpPr/>
+        <p:nvPr/>
+      </p:nvGrpSpPr>
+      <p:grpSpPr>
+        <a:xfrm>
+          <a:off x="0" y="0"/>
+          <a:ext cx="0" cy="0"/>
+          <a:chOff x="0" y="0"/>
+          <a:chExt cx="0" cy="0"/>
+        </a:xfrm>
+      </p:grpSpPr>
+      <p:sp>
+        <p:nvSpPr>
+          <p:cNvPr id="2" name="Title 1">
+            <a:extLst>
+              <a:ext uri="{FF2B5EF4-FFF2-40B4-BE49-F238E27FC236}">
+                <a16:creationId xmlns:a16="http://schemas.microsoft.com/office/drawing/2014/main" id="{E891485D-AB52-5333-0DC8-68CAA3FAD843}"/>
+              </a:ext>
+            </a:extLst>
+          </p:cNvPr>
+          <p:cNvSpPr>
+            <a:spLocks noGrp="1"/>
+          </p:cNvSpPr>
+          <p:nvPr>
+            <p:ph type="title"/>
+          </p:nvPr>
+        </p:nvSpPr>
+        <p:spPr/>
+        <p:txBody>
+          <a:bodyPr/>
+          <a:lstStyle/>
+          <a:p>
+            <a:r>
+              <a:rPr lang="en-US" dirty="0"/>
+              <a:t>python collection data types</a:t>
+            </a:r>
+          </a:p>
+        </p:txBody>
+      </p:sp>
+      <p:sp>
+        <p:nvSpPr>
+          <p:cNvPr id="3" name="Content Placeholder 2">
+            <a:extLst>
+              <a:ext uri="{FF2B5EF4-FFF2-40B4-BE49-F238E27FC236}">
+                <a16:creationId xmlns:a16="http://schemas.microsoft.com/office/drawing/2014/main" id="{BFF3F3F8-216B-F182-0190-F6DD4848FBC4}"/>
+              </a:ext>
+            </a:extLst>
+          </p:cNvPr>
+          <p:cNvSpPr>
+            <a:spLocks noGrp="1"/>
+          </p:cNvSpPr>
+          <p:nvPr>
+            <p:ph idx="1"/>
+          </p:nvPr>
+        </p:nvSpPr>
+        <p:spPr/>
+        <p:txBody>
+          <a:bodyPr/>
+          <a:lstStyle/>
+          <a:p>
+            <a:pPr marL="0" indent="0">
+              <a:buNone/>
+            </a:pPr>
+            <a:r>
+              <a:rPr lang="en-US" dirty="0"/>
+              <a:t>Used to store multiple values.</a:t>
+            </a:r>
+          </a:p>
+          <a:p>
+            <a:pPr marL="0" indent="0">
+              <a:buNone/>
+            </a:pPr>
+            <a:r>
+              <a:rPr lang="en-US" dirty="0"/>
+              <a:t>Types</a:t>
+            </a:r>
+          </a:p>
+          <a:p>
+            <a:r>
+              <a:rPr lang="en-US" dirty="0"/>
+              <a:t>List</a:t>
+            </a:r>
+          </a:p>
+          <a:p>
+            <a:r>
+              <a:rPr lang="en-US" dirty="0"/>
+              <a:t>Set</a:t>
+            </a:r>
+          </a:p>
+          <a:p>
+            <a:r>
+              <a:rPr lang="en-US" dirty="0"/>
+              <a:t>Tuple</a:t>
+            </a:r>
+          </a:p>
+          <a:p>
+            <a:r>
+              <a:rPr lang="en-US" dirty="0"/>
+              <a:t>Dictionary</a:t>
+            </a:r>
+          </a:p>
+        </p:txBody>
+      </p:sp>
+    </p:spTree>
+    <p:extLst>
+      <p:ext uri="{BB962C8B-B14F-4D97-AF65-F5344CB8AC3E}">
+        <p14:creationId xmlns:p14="http://schemas.microsoft.com/office/powerpoint/2010/main" val="2881568388"/>
+      </p:ext>
+    </p:extLst>
+  </p:cSld>
+  <p:clrMapOvr>
+    <a:masterClrMapping/>
+  </p:clrMapOvr>
+  <p:timing>
+    <p:tnLst>
+      <p:par>
+        <p:cTn id="1" dur="indefinite" restart="never" nodeType="tmRoot">
+          <p:childTnLst>
+            <p:seq concurrent="1" nextAc="seek">
+              <p:cTn id="2" dur="indefinite" nodeType="mainSeq">
+                <p:childTnLst>
+                  <p:par>
+                    <p:cTn id="3" fill="hold">
+                      <p:stCondLst>
+                        <p:cond delay="indefinite"/>
+                      </p:stCondLst>
+                      <p:childTnLst>
+                        <p:par>
+                          <p:cTn id="4" fill="hold">
+                            <p:stCondLst>
+                              <p:cond delay="0"/>
+                            </p:stCondLst>
+                            <p:childTnLst>
+                              <p:par>
+                                <p:cTn id="5" presetID="3" presetClass="entr" presetSubtype="10" fill="hold" grpId="0" nodeType="clickEffect">
+                                  <p:stCondLst>
+                                    <p:cond delay="0"/>
+                                  </p:stCondLst>
+                                  <p:childTnLst>
+                                    <p:set>
+                                      <p:cBhvr>
+                                        <p:cTn id="6" dur="1" fill="hold">
+                                          <p:stCondLst>
+                                            <p:cond delay="0"/>
+                                          </p:stCondLst>
+                                        </p:cTn>
+                                        <p:tgtEl>
+                                          <p:spTgt spid="2"/>
+                                        </p:tgtEl>
+                                        <p:attrNameLst>
+                                          <p:attrName>style.visibility</p:attrName>
+                                        </p:attrNameLst>
+                                      </p:cBhvr>
+                                      <p:to>
+                                        <p:strVal val="visible"/>
+                                      </p:to>
+                                    </p:set>
+                                    <p:animEffect transition="in" filter="blinds(horizontal)">
+                                      <p:cBhvr>
+                                        <p:cTn id="7" dur="500"/>
+                                        <p:tgtEl>
+                                          <p:spTgt spid="2"/>
+                                        </p:tgtEl>
+                                      </p:cBhvr>
+                                    </p:animEffect>
+                                  </p:childTnLst>
+                                </p:cTn>
+                              </p:par>
+                            </p:childTnLst>
+                          </p:cTn>
+                        </p:par>
+                      </p:childTnLst>
+                    </p:cTn>
+                  </p:par>
+                  <p:par>
+                    <p:cTn id="8" fill="hold">
+                      <p:stCondLst>
+                        <p:cond delay="indefinite"/>
+                      </p:stCondLst>
+                      <p:childTnLst>
+                        <p:par>
+                          <p:cTn id="9" fill="hold">
+                            <p:stCondLst>
+                              <p:cond delay="0"/>
+                            </p:stCondLst>
+                            <p:childTnLst>
+                              <p:par>
+                                <p:cTn id="10" presetID="42" presetClass="entr" presetSubtype="0" fill="hold" grpId="0" nodeType="clickEffect">
+                                  <p:stCondLst>
+                                    <p:cond delay="0"/>
+                                  </p:stCondLst>
+                                  <p:childTnLst>
+                                    <p:set>
+                                      <p:cBhvr>
+                                        <p:cTn id="11" dur="1" fill="hold">
+                                          <p:stCondLst>
+                                            <p:cond delay="0"/>
+                                          </p:stCondLst>
+                                        </p:cTn>
+                                        <p:tgtEl>
+                                          <p:spTgt spid="3">
+                                            <p:txEl>
+                                              <p:pRg st="0" end="0"/>
+                                            </p:txEl>
+                                          </p:spTgt>
+                                        </p:tgtEl>
+                                        <p:attrNameLst>
+                                          <p:attrName>style.visibility</p:attrName>
+                                        </p:attrNameLst>
+                                      </p:cBhvr>
+                                      <p:to>
+                                        <p:strVal val="visible"/>
+                                      </p:to>
+                                    </p:set>
+                                    <p:animEffect transition="in" filter="fade">
+                                      <p:cBhvr>
+                                        <p:cTn id="12" dur="1000"/>
+                                        <p:tgtEl>
+                                          <p:spTgt spid="3">
+                                            <p:txEl>
+                                              <p:pRg st="0" end="0"/>
+                                            </p:txEl>
+                                          </p:spTgt>
+                                        </p:tgtEl>
+                                      </p:cBhvr>
+                                    </p:animEffect>
+                                    <p:anim calcmode="lin" valueType="num">
+                                      <p:cBhvr>
+                                        <p:cTn id="13" dur="1000" fill="hold"/>
+                                        <p:tgtEl>
+                                          <p:spTgt spid="3">
+                                            <p:txEl>
+                                              <p:pRg st="0" end="0"/>
+                                            </p:txEl>
+                                          </p:spTgt>
+                                        </p:tgtEl>
+                                        <p:attrNameLst>
+                                          <p:attrName>ppt_x</p:attrName>
+                                        </p:attrNameLst>
+                                      </p:cBhvr>
+                                      <p:tavLst>
+                                        <p:tav tm="0">
+                                          <p:val>
+                                            <p:strVal val="#ppt_x"/>
+                                          </p:val>
+                                        </p:tav>
+                                        <p:tav tm="100000">
+                                          <p:val>
+                                            <p:strVal val="#ppt_x"/>
+                                          </p:val>
+                                        </p:tav>
+                                      </p:tavLst>
+                                    </p:anim>
+                                    <p:anim calcmode="lin" valueType="num">
+                                      <p:cBhvr>
+                                        <p:cTn id="14" dur="1000" fill="hold"/>
+                                        <p:tgtEl>
+                                          <p:spTgt spid="3">
+                                            <p:txEl>
+                                              <p:pRg st="0" end="0"/>
+                                            </p:txEl>
+                                          </p:spTgt>
+                                        </p:tgtEl>
+                                        <p:attrNameLst>
+                                          <p:attrName>ppt_y</p:attrName>
+                                        </p:attrNameLst>
+                                      </p:cBhvr>
+                                      <p:tavLst>
+                                        <p:tav tm="0">
+                                          <p:val>
+                                            <p:strVal val="#ppt_y+.1"/>
+                                          </p:val>
+                                        </p:tav>
+                                        <p:tav tm="100000">
+                                          <p:val>
+                                            <p:strVal val="#ppt_y"/>
+                                          </p:val>
+                                        </p:tav>
+                                      </p:tavLst>
+                                    </p:anim>
+                                  </p:childTnLst>
+                                </p:cTn>
+                              </p:par>
+                            </p:childTnLst>
+                          </p:cTn>
+                        </p:par>
+                      </p:childTnLst>
+                    </p:cTn>
+                  </p:par>
+                  <p:par>
+                    <p:cTn id="15" fill="hold">
+                      <p:stCondLst>
+                        <p:cond delay="indefinite"/>
+                      </p:stCondLst>
+                      <p:childTnLst>
+                        <p:par>
+                          <p:cTn id="16" fill="hold">
+                            <p:stCondLst>
+                              <p:cond delay="0"/>
+                            </p:stCondLst>
+                            <p:childTnLst>
+                              <p:par>
+                                <p:cTn id="17" presetID="42" presetClass="entr" presetSubtype="0" fill="hold" grpId="0" nodeType="clickEffect">
+                                  <p:stCondLst>
+                                    <p:cond delay="0"/>
+                                  </p:stCondLst>
+                                  <p:childTnLst>
+                                    <p:set>
+                                      <p:cBhvr>
+                                        <p:cTn id="18" dur="1" fill="hold">
+                                          <p:stCondLst>
+                                            <p:cond delay="0"/>
+                                          </p:stCondLst>
+                                        </p:cTn>
+                                        <p:tgtEl>
+                                          <p:spTgt spid="3">
+                                            <p:txEl>
+                                              <p:pRg st="1" end="1"/>
+                                            </p:txEl>
+                                          </p:spTgt>
+                                        </p:tgtEl>
+                                        <p:attrNameLst>
+                                          <p:attrName>style.visibility</p:attrName>
+                                        </p:attrNameLst>
+                                      </p:cBhvr>
+                                      <p:to>
+                                        <p:strVal val="visible"/>
+                                      </p:to>
+                                    </p:set>
+                                    <p:animEffect transition="in" filter="fade">
+                                      <p:cBhvr>
+                                        <p:cTn id="19" dur="1000"/>
+                                        <p:tgtEl>
+                                          <p:spTgt spid="3">
+                                            <p:txEl>
+                                              <p:pRg st="1" end="1"/>
+                                            </p:txEl>
+                                          </p:spTgt>
+                                        </p:tgtEl>
+                                      </p:cBhvr>
+                                    </p:animEffect>
+                                    <p:anim calcmode="lin" valueType="num">
+                                      <p:cBhvr>
+                                        <p:cTn id="20" dur="1000" fill="hold"/>
+                                        <p:tgtEl>
+                                          <p:spTgt spid="3">
+                                            <p:txEl>
+                                              <p:pRg st="1" end="1"/>
+                                            </p:txEl>
+                                          </p:spTgt>
+                                        </p:tgtEl>
+                                        <p:attrNameLst>
+                                          <p:attrName>ppt_x</p:attrName>
+                                        </p:attrNameLst>
+                                      </p:cBhvr>
+                                      <p:tavLst>
+                                        <p:tav tm="0">
+                                          <p:val>
+                                            <p:strVal val="#ppt_x"/>
+                                          </p:val>
+                                        </p:tav>
+                                        <p:tav tm="100000">
+                                          <p:val>
+                                            <p:strVal val="#ppt_x"/>
+                                          </p:val>
+                                        </p:tav>
+                                      </p:tavLst>
+                                    </p:anim>
+                                    <p:anim calcmode="lin" valueType="num">
+                                      <p:cBhvr>
+                                        <p:cTn id="21" dur="1000" fill="hold"/>
+                                        <p:tgtEl>
+                                          <p:spTgt spid="3">
+                                            <p:txEl>
+                                              <p:pRg st="1" end="1"/>
+                                            </p:txEl>
+                                          </p:spTgt>
+                                        </p:tgtEl>
+                                        <p:attrNameLst>
+                                          <p:attrName>ppt_y</p:attrName>
+                                        </p:attrNameLst>
+                                      </p:cBhvr>
+                                      <p:tavLst>
+                                        <p:tav tm="0">
+                                          <p:val>
+                                            <p:strVal val="#ppt_y+.1"/>
+                                          </p:val>
+                                        </p:tav>
+                                        <p:tav tm="100000">
+                                          <p:val>
+                                            <p:strVal val="#ppt_y"/>
+                                          </p:val>
+                                        </p:tav>
+                                      </p:tavLst>
+                                    </p:anim>
+                                  </p:childTnLst>
+                                </p:cTn>
+                              </p:par>
+                            </p:childTnLst>
+                          </p:cTn>
+                        </p:par>
+                      </p:childTnLst>
+                    </p:cTn>
+                  </p:par>
+                  <p:par>
+                    <p:cTn id="22" fill="hold">
+                      <p:stCondLst>
+                        <p:cond delay="indefinite"/>
+                      </p:stCondLst>
+                      <p:childTnLst>
+                        <p:par>
+                          <p:cTn id="23" fill="hold">
+                            <p:stCondLst>
+                              <p:cond delay="0"/>
+                            </p:stCondLst>
+                            <p:childTnLst>
+                              <p:par>
+                                <p:cTn id="24" presetID="42" presetClass="entr" presetSubtype="0" fill="hold" grpId="0" nodeType="clickEffect">
+                                  <p:stCondLst>
+                                    <p:cond delay="0"/>
+                                  </p:stCondLst>
+                                  <p:childTnLst>
+                                    <p:set>
+                                      <p:cBhvr>
+                                        <p:cTn id="25" dur="1" fill="hold">
+                                          <p:stCondLst>
+                                            <p:cond delay="0"/>
+                                          </p:stCondLst>
+                                        </p:cTn>
+                                        <p:tgtEl>
+                                          <p:spTgt spid="3">
+                                            <p:txEl>
+                                              <p:pRg st="2" end="2"/>
+                                            </p:txEl>
+                                          </p:spTgt>
+                                        </p:tgtEl>
+                                        <p:attrNameLst>
+                                          <p:attrName>style.visibility</p:attrName>
+                                        </p:attrNameLst>
+                                      </p:cBhvr>
+                                      <p:to>
+                                        <p:strVal val="visible"/>
+                                      </p:to>
+                                    </p:set>
+                                    <p:animEffect transition="in" filter="fade">
+                                      <p:cBhvr>
+                                        <p:cTn id="26" dur="1000"/>
+                                        <p:tgtEl>
+                                          <p:spTgt spid="3">
+                                            <p:txEl>
+                                              <p:pRg st="2" end="2"/>
+                                            </p:txEl>
+                                          </p:spTgt>
+                                        </p:tgtEl>
+                                      </p:cBhvr>
+                                    </p:animEffect>
+                                    <p:anim calcmode="lin" valueType="num">
+                                      <p:cBhvr>
+                                        <p:cTn id="27" dur="1000" fill="hold"/>
+                                        <p:tgtEl>
+                                          <p:spTgt spid="3">
+                                            <p:txEl>
+                                              <p:pRg st="2" end="2"/>
+                                            </p:txEl>
+                                          </p:spTgt>
+                                        </p:tgtEl>
+                                        <p:attrNameLst>
+                                          <p:attrName>ppt_x</p:attrName>
+                                        </p:attrNameLst>
+                                      </p:cBhvr>
+                                      <p:tavLst>
+                                        <p:tav tm="0">
+                                          <p:val>
+                                            <p:strVal val="#ppt_x"/>
+                                          </p:val>
+                                        </p:tav>
+                                        <p:tav tm="100000">
+                                          <p:val>
+                                            <p:strVal val="#ppt_x"/>
+                                          </p:val>
+                                        </p:tav>
+                                      </p:tavLst>
+                                    </p:anim>
+                                    <p:anim calcmode="lin" valueType="num">
+                                      <p:cBhvr>
+                                        <p:cTn id="28" dur="1000" fill="hold"/>
+                                        <p:tgtEl>
+                                          <p:spTgt spid="3">
+                                            <p:txEl>
+                                              <p:pRg st="2" end="2"/>
+                                            </p:txEl>
+                                          </p:spTgt>
+                                        </p:tgtEl>
+                                        <p:attrNameLst>
+                                          <p:attrName>ppt_y</p:attrName>
+                                        </p:attrNameLst>
+                                      </p:cBhvr>
+                                      <p:tavLst>
+                                        <p:tav tm="0">
+                                          <p:val>
+                                            <p:strVal val="#ppt_y+.1"/>
+                                          </p:val>
+                                        </p:tav>
+                                        <p:tav tm="100000">
+                                          <p:val>
+                                            <p:strVal val="#ppt_y"/>
+                                          </p:val>
+                                        </p:tav>
+                                      </p:tavLst>
+                                    </p:anim>
+                                  </p:childTnLst>
+                                </p:cTn>
+                              </p:par>
+                            </p:childTnLst>
+                          </p:cTn>
+                        </p:par>
+                      </p:childTnLst>
+                    </p:cTn>
+                  </p:par>
+                  <p:par>
+                    <p:cTn id="29" fill="hold">
+                      <p:stCondLst>
+                        <p:cond delay="indefinite"/>
+                      </p:stCondLst>
+                      <p:childTnLst>
+                        <p:par>
+                          <p:cTn id="30" fill="hold">
+                            <p:stCondLst>
+                              <p:cond delay="0"/>
+                            </p:stCondLst>
+                            <p:childTnLst>
+                              <p:par>
+                                <p:cTn id="31" presetID="42" presetClass="entr" presetSubtype="0" fill="hold" grpId="0" nodeType="clickEffect">
+                                  <p:stCondLst>
+                                    <p:cond delay="0"/>
+                                  </p:stCondLst>
+                                  <p:childTnLst>
+                                    <p:set>
+                                      <p:cBhvr>
+                                        <p:cTn id="32" dur="1" fill="hold">
+                                          <p:stCondLst>
+                                            <p:cond delay="0"/>
+                                          </p:stCondLst>
+                                        </p:cTn>
+                                        <p:tgtEl>
+                                          <p:spTgt spid="3">
+                                            <p:txEl>
+                                              <p:pRg st="3" end="3"/>
+                                            </p:txEl>
+                                          </p:spTgt>
+                                        </p:tgtEl>
+                                        <p:attrNameLst>
+                                          <p:attrName>style.visibility</p:attrName>
+                                        </p:attrNameLst>
+                                      </p:cBhvr>
+                                      <p:to>
+                                        <p:strVal val="visible"/>
+                                      </p:to>
+                                    </p:set>
+                                    <p:animEffect transition="in" filter="fade">
+                                      <p:cBhvr>
+                                        <p:cTn id="33" dur="1000"/>
+                                        <p:tgtEl>
+                                          <p:spTgt spid="3">
+                                            <p:txEl>
+                                              <p:pRg st="3" end="3"/>
+                                            </p:txEl>
+                                          </p:spTgt>
+                                        </p:tgtEl>
+                                      </p:cBhvr>
+                                    </p:animEffect>
+                                    <p:anim calcmode="lin" valueType="num">
+                                      <p:cBhvr>
+                                        <p:cTn id="34" dur="1000" fill="hold"/>
+                                        <p:tgtEl>
+                                          <p:spTgt spid="3">
+                                            <p:txEl>
+                                              <p:pRg st="3" end="3"/>
+                                            </p:txEl>
+                                          </p:spTgt>
+                                        </p:tgtEl>
+                                        <p:attrNameLst>
+                                          <p:attrName>ppt_x</p:attrName>
+                                        </p:attrNameLst>
+                                      </p:cBhvr>
+                                      <p:tavLst>
+                                        <p:tav tm="0">
+                                          <p:val>
+                                            <p:strVal val="#ppt_x"/>
+                                          </p:val>
+                                        </p:tav>
+                                        <p:tav tm="100000">
+                                          <p:val>
+                                            <p:strVal val="#ppt_x"/>
+                                          </p:val>
+                                        </p:tav>
+                                      </p:tavLst>
+                                    </p:anim>
+                                    <p:anim calcmode="lin" valueType="num">
+                                      <p:cBhvr>
+                                        <p:cTn id="35" dur="1000" fill="hold"/>
+                                        <p:tgtEl>
+                                          <p:spTgt spid="3">
+                                            <p:txEl>
+                                              <p:pRg st="3" end="3"/>
+                                            </p:txEl>
+                                          </p:spTgt>
+                                        </p:tgtEl>
+                                        <p:attrNameLst>
+                                          <p:attrName>ppt_y</p:attrName>
+                                        </p:attrNameLst>
+                                      </p:cBhvr>
+                                      <p:tavLst>
+                                        <p:tav tm="0">
+                                          <p:val>
+                                            <p:strVal val="#ppt_y+.1"/>
+                                          </p:val>
+                                        </p:tav>
+                                        <p:tav tm="100000">
+                                          <p:val>
+                                            <p:strVal val="#ppt_y"/>
+                                          </p:val>
+                                        </p:tav>
+                                      </p:tavLst>
+                                    </p:anim>
+                                  </p:childTnLst>
+                                </p:cTn>
+                              </p:par>
+                            </p:childTnLst>
+                          </p:cTn>
+                        </p:par>
+                      </p:childTnLst>
+                    </p:cTn>
+                  </p:par>
+                  <p:par>
+                    <p:cTn id="36" fill="hold">
+                      <p:stCondLst>
+                        <p:cond delay="indefinite"/>
+                      </p:stCondLst>
+                      <p:childTnLst>
+                        <p:par>
+                          <p:cTn id="37" fill="hold">
+                            <p:stCondLst>
+                              <p:cond delay="0"/>
+                            </p:stCondLst>
+                            <p:childTnLst>
+                              <p:par>
+                                <p:cTn id="38" presetID="42" presetClass="entr" presetSubtype="0" fill="hold" grpId="0" nodeType="clickEffect">
+                                  <p:stCondLst>
+                                    <p:cond delay="0"/>
+                                  </p:stCondLst>
+                                  <p:childTnLst>
+                                    <p:set>
+                                      <p:cBhvr>
+                                        <p:cTn id="39" dur="1" fill="hold">
+                                          <p:stCondLst>
+                                            <p:cond delay="0"/>
+                                          </p:stCondLst>
+                                        </p:cTn>
+                                        <p:tgtEl>
+                                          <p:spTgt spid="3">
+                                            <p:txEl>
+                                              <p:pRg st="4" end="4"/>
+                                            </p:txEl>
+                                          </p:spTgt>
+                                        </p:tgtEl>
+                                        <p:attrNameLst>
+                                          <p:attrName>style.visibility</p:attrName>
+                                        </p:attrNameLst>
+                                      </p:cBhvr>
+                                      <p:to>
+                                        <p:strVal val="visible"/>
+                                      </p:to>
+                                    </p:set>
+                                    <p:animEffect transition="in" filter="fade">
+                                      <p:cBhvr>
+                                        <p:cTn id="40" dur="1000"/>
+                                        <p:tgtEl>
+                                          <p:spTgt spid="3">
+                                            <p:txEl>
+                                              <p:pRg st="4" end="4"/>
+                                            </p:txEl>
+                                          </p:spTgt>
+                                        </p:tgtEl>
+                                      </p:cBhvr>
+                                    </p:animEffect>
+                                    <p:anim calcmode="lin" valueType="num">
+                                      <p:cBhvr>
+                                        <p:cTn id="41" dur="1000" fill="hold"/>
+                                        <p:tgtEl>
+                                          <p:spTgt spid="3">
+                                            <p:txEl>
+                                              <p:pRg st="4" end="4"/>
+                                            </p:txEl>
+                                          </p:spTgt>
+                                        </p:tgtEl>
+                                        <p:attrNameLst>
+                                          <p:attrName>ppt_x</p:attrName>
+                                        </p:attrNameLst>
+                                      </p:cBhvr>
+                                      <p:tavLst>
+                                        <p:tav tm="0">
+                                          <p:val>
+                                            <p:strVal val="#ppt_x"/>
+                                          </p:val>
+                                        </p:tav>
+                                        <p:tav tm="100000">
+                                          <p:val>
+                                            <p:strVal val="#ppt_x"/>
+                                          </p:val>
+                                        </p:tav>
+                                      </p:tavLst>
+                                    </p:anim>
+                                    <p:anim calcmode="lin" valueType="num">
+                                      <p:cBhvr>
+                                        <p:cTn id="42" dur="1000" fill="hold"/>
+                                        <p:tgtEl>
+                                          <p:spTgt spid="3">
+                                            <p:txEl>
+                                              <p:pRg st="4" end="4"/>
+                                            </p:txEl>
+                                          </p:spTgt>
+                                        </p:tgtEl>
+                                        <p:attrNameLst>
+                                          <p:attrName>ppt_y</p:attrName>
+                                        </p:attrNameLst>
+                                      </p:cBhvr>
+                                      <p:tavLst>
+                                        <p:tav tm="0">
+                                          <p:val>
+                                            <p:strVal val="#ppt_y+.1"/>
+                                          </p:val>
+                                        </p:tav>
+                                        <p:tav tm="100000">
+                                          <p:val>
+                                            <p:strVal val="#ppt_y"/>
+                                          </p:val>
+                                        </p:tav>
+                                      </p:tavLst>
+                                    </p:anim>
+                                  </p:childTnLst>
+                                </p:cTn>
+                              </p:par>
+                            </p:childTnLst>
+                          </p:cTn>
+                        </p:par>
+                      </p:childTnLst>
+                    </p:cTn>
+                  </p:par>
+                  <p:par>
+                    <p:cTn id="43" fill="hold">
+                      <p:stCondLst>
+                        <p:cond delay="indefinite"/>
+                      </p:stCondLst>
+                      <p:childTnLst>
+                        <p:par>
+                          <p:cTn id="44" fill="hold">
+                            <p:stCondLst>
+                              <p:cond delay="0"/>
+                            </p:stCondLst>
+                            <p:childTnLst>
+                              <p:par>
+                                <p:cTn id="45" presetID="42" presetClass="entr" presetSubtype="0" fill="hold" grpId="0" nodeType="clickEffect">
+                                  <p:stCondLst>
+                                    <p:cond delay="0"/>
+                                  </p:stCondLst>
+                                  <p:childTnLst>
+                                    <p:set>
+                                      <p:cBhvr>
+                                        <p:cTn id="46" dur="1" fill="hold">
+                                          <p:stCondLst>
+                                            <p:cond delay="0"/>
+                                          </p:stCondLst>
+                                        </p:cTn>
+                                        <p:tgtEl>
+                                          <p:spTgt spid="3">
+                                            <p:txEl>
+                                              <p:pRg st="5" end="5"/>
+                                            </p:txEl>
+                                          </p:spTgt>
+                                        </p:tgtEl>
+                                        <p:attrNameLst>
+                                          <p:attrName>style.visibility</p:attrName>
+                                        </p:attrNameLst>
+                                      </p:cBhvr>
+                                      <p:to>
+                                        <p:strVal val="visible"/>
+                                      </p:to>
+                                    </p:set>
+                                    <p:animEffect transition="in" filter="fade">
+                                      <p:cBhvr>
+                                        <p:cTn id="47" dur="1000"/>
+                                        <p:tgtEl>
+                                          <p:spTgt spid="3">
+                                            <p:txEl>
+                                              <p:pRg st="5" end="5"/>
+                                            </p:txEl>
+                                          </p:spTgt>
+                                        </p:tgtEl>
+                                      </p:cBhvr>
+                                    </p:animEffect>
+                                    <p:anim calcmode="lin" valueType="num">
+                                      <p:cBhvr>
+                                        <p:cTn id="48" dur="1000" fill="hold"/>
+                                        <p:tgtEl>
+                                          <p:spTgt spid="3">
+                                            <p:txEl>
+                                              <p:pRg st="5" end="5"/>
+                                            </p:txEl>
+                                          </p:spTgt>
+                                        </p:tgtEl>
+                                        <p:attrNameLst>
+                                          <p:attrName>ppt_x</p:attrName>
+                                        </p:attrNameLst>
+                                      </p:cBhvr>
+                                      <p:tavLst>
+                                        <p:tav tm="0">
+                                          <p:val>
+                                            <p:strVal val="#ppt_x"/>
+                                          </p:val>
+                                        </p:tav>
+                                        <p:tav tm="100000">
+                                          <p:val>
+                                            <p:strVal val="#ppt_x"/>
+                                          </p:val>
+                                        </p:tav>
+                                      </p:tavLst>
+                                    </p:anim>
+                                    <p:anim calcmode="lin" valueType="num">
+                                      <p:cBhvr>
+                                        <p:cTn id="49" dur="1000" fill="hold"/>
+                                        <p:tgtEl>
+                                          <p:spTgt spid="3">
+                                            <p:txEl>
+                                              <p:pRg st="5" end="5"/>
+                                            </p:txEl>
+                                          </p:spTgt>
+                                        </p:tgtEl>
+                                        <p:attrNameLst>
+                                          <p:attrName>ppt_y</p:attrName>
+                                        </p:attrNameLst>
+                                      </p:cBhvr>
+                                      <p:tavLst>
+                                        <p:tav tm="0">
+                                          <p:val>
+                                            <p:strVal val="#ppt_y+.1"/>
+                                          </p:val>
+                                        </p:tav>
+                                        <p:tav tm="100000">
+                                          <p:val>
+                                            <p:strVal val="#ppt_y"/>
+                                          </p:val>
+                                        </p:tav>
+                                      </p:tavLst>
+                                    </p:anim>
+                                  </p:childTnLst>
+                                </p:cTn>
+                              </p:par>
+                            </p:childTnLst>
+                          </p:cTn>
+                        </p:par>
+                      </p:childTnLst>
+                    </p:cTn>
+                  </p:par>
+                </p:childTnLst>
+              </p:cTn>
+              <p:prevCondLst>
+                <p:cond evt="onPrev" delay="0">
+                  <p:tgtEl>
+                    <p:sldTgt/>
+                  </p:tgtEl>
+                </p:cond>
+              </p:prevCondLst>
+              <p:nextCondLst>
+                <p:cond evt="onNext" delay="0">
+                  <p:tgtEl>
+                    <p:sldTgt/>
+                  </p:tgtEl>
+                </p:cond>
+              </p:nextCondLst>
+            </p:seq>
+          </p:childTnLst>
+        </p:cTn>
+      </p:par>
+    </p:tnLst>
+    <p:bldLst>
+      <p:bldP spid="2" grpId="0" animBg="1"/>
+      <p:bldP spid="3" grpId="0" build="p"/>
+    </p:bldLst>
+  </p:timing>
+</p:sld>
+</file>
+
+<file path=ppt/slides/slide8.xml><?xml version="1.0" encoding="utf-8"?>
+<p:sld xmlns:a="http://schemas.openxmlformats.org/drawingml/2006/main" xmlns:r="http://schemas.openxmlformats.org/officeDocument/2006/relationships" xmlns:p="http://schemas.openxmlformats.org/presentationml/2006/main">
+  <p:cSld>
+    <p:spTree>
+      <p:nvGrpSpPr>
+        <p:cNvPr id="1" name=""/>
+        <p:cNvGrpSpPr/>
+        <p:nvPr/>
+      </p:nvGrpSpPr>
+      <p:grpSpPr>
+        <a:xfrm>
+          <a:off x="0" y="0"/>
+          <a:ext cx="0" cy="0"/>
+          <a:chOff x="0" y="0"/>
+          <a:chExt cx="0" cy="0"/>
+        </a:xfrm>
+      </p:grpSpPr>
+      <p:sp>
+        <p:nvSpPr>
+          <p:cNvPr id="2" name="Title 1">
+            <a:extLst>
+              <a:ext uri="{FF2B5EF4-FFF2-40B4-BE49-F238E27FC236}">
+                <a16:creationId xmlns:a16="http://schemas.microsoft.com/office/drawing/2014/main" id="{8EEFACE5-C813-3787-0F87-55F46ED6CF81}"/>
+              </a:ext>
+            </a:extLst>
+          </p:cNvPr>
+          <p:cNvSpPr>
+            <a:spLocks noGrp="1"/>
+          </p:cNvSpPr>
+          <p:nvPr>
+            <p:ph type="title"/>
+          </p:nvPr>
+        </p:nvSpPr>
+        <p:spPr/>
+        <p:txBody>
+          <a:bodyPr/>
+          <a:lstStyle/>
+          <a:p>
+            <a:r>
+              <a:rPr lang="en-US" dirty="0"/>
+              <a:t>Graphs</a:t>
+            </a:r>
+          </a:p>
+        </p:txBody>
+      </p:sp>
+      <p:sp>
+        <p:nvSpPr>
+          <p:cNvPr id="3" name="Content Placeholder 2">
+            <a:extLst>
+              <a:ext uri="{FF2B5EF4-FFF2-40B4-BE49-F238E27FC236}">
+                <a16:creationId xmlns:a16="http://schemas.microsoft.com/office/drawing/2014/main" id="{7B2952A3-726D-7BA4-D17D-F23E5E338EF6}"/>
+              </a:ext>
+            </a:extLst>
+          </p:cNvPr>
+          <p:cNvSpPr>
+            <a:spLocks noGrp="1"/>
+          </p:cNvSpPr>
+          <p:nvPr>
+            <p:ph idx="1"/>
+          </p:nvPr>
+        </p:nvSpPr>
+        <p:spPr/>
+        <p:txBody>
+          <a:bodyPr/>
+          <a:lstStyle/>
+          <a:p>
+            <a:r>
+              <a:rPr lang="en-US" dirty="0"/>
+              <a:t>Hierarchical data structures that have nodes and edges.</a:t>
+            </a:r>
+          </a:p>
+          <a:p>
+            <a:endParaRPr lang="en-US" dirty="0"/>
+          </a:p>
+        </p:txBody>
+      </p:sp>
+      <p:pic>
+        <p:nvPicPr>
+          <p:cNvPr id="48" name="Picture 47">
+            <a:extLst>
+              <a:ext uri="{FF2B5EF4-FFF2-40B4-BE49-F238E27FC236}">
+                <a16:creationId xmlns:a16="http://schemas.microsoft.com/office/drawing/2014/main" id="{45ABA6F2-32EC-DD59-90D8-FE198D7F3BF8}"/>
+              </a:ext>
+            </a:extLst>
+          </p:cNvPr>
+          <p:cNvPicPr>
+            <a:picLocks noChangeAspect="1"/>
+          </p:cNvPicPr>
+          <p:nvPr/>
+        </p:nvPicPr>
+        <p:blipFill>
+          <a:blip r:embed="rId2"/>
+          <a:stretch>
+            <a:fillRect/>
+          </a:stretch>
+        </p:blipFill>
+        <p:spPr>
+          <a:xfrm>
+            <a:off x="3259212" y="3124306"/>
+            <a:ext cx="5995252" cy="2477147"/>
+          </a:xfrm>
+          <a:prstGeom prst="rect">
+            <a:avLst/>
+          </a:prstGeom>
+        </p:spPr>
+      </p:pic>
+    </p:spTree>
+    <p:extLst>
+      <p:ext uri="{BB962C8B-B14F-4D97-AF65-F5344CB8AC3E}">
+        <p14:creationId xmlns:p14="http://schemas.microsoft.com/office/powerpoint/2010/main" val="3852280928"/>
+      </p:ext>
+    </p:extLst>
+  </p:cSld>
+  <p:clrMapOvr>
+    <a:masterClrMapping/>
+  </p:clrMapOvr>
+  <p:timing>
+    <p:tnLst>
+      <p:par>
+        <p:cTn id="1" dur="indefinite" restart="never" nodeType="tmRoot">
+          <p:childTnLst>
+            <p:seq concurrent="1" nextAc="seek">
+              <p:cTn id="2" dur="indefinite" nodeType="mainSeq">
+                <p:childTnLst>
+                  <p:par>
+                    <p:cTn id="3" fill="hold">
+                      <p:stCondLst>
+                        <p:cond delay="indefinite"/>
+                      </p:stCondLst>
+                      <p:childTnLst>
+                        <p:par>
+                          <p:cTn id="4" fill="hold">
+                            <p:stCondLst>
+                              <p:cond delay="0"/>
+                            </p:stCondLst>
+                            <p:childTnLst>
+                              <p:par>
+                                <p:cTn id="5" presetID="42" presetClass="entr" presetSubtype="0" fill="hold" grpId="0" nodeType="clickEffect">
+                                  <p:stCondLst>
+                                    <p:cond delay="0"/>
+                                  </p:stCondLst>
+                                  <p:childTnLst>
+                                    <p:set>
+                                      <p:cBhvr>
+                                        <p:cTn id="6" dur="1" fill="hold">
+                                          <p:stCondLst>
+                                            <p:cond delay="0"/>
+                                          </p:stCondLst>
+                                        </p:cTn>
+                                        <p:tgtEl>
+                                          <p:spTgt spid="2"/>
+                                        </p:tgtEl>
+                                        <p:attrNameLst>
+                                          <p:attrName>style.visibility</p:attrName>
+                                        </p:attrNameLst>
+                                      </p:cBhvr>
+                                      <p:to>
+                                        <p:strVal val="visible"/>
+                                      </p:to>
+                                    </p:set>
+                                    <p:animEffect transition="in" filter="fade">
+                                      <p:cBhvr>
+                                        <p:cTn id="7" dur="1000"/>
+                                        <p:tgtEl>
+                                          <p:spTgt spid="2"/>
+                                        </p:tgtEl>
+                                      </p:cBhvr>
+                                    </p:animEffect>
+                                    <p:anim calcmode="lin" valueType="num">
+                                      <p:cBhvr>
+                                        <p:cTn id="8" dur="1000" fill="hold"/>
+                                        <p:tgtEl>
+                                          <p:spTgt spid="2"/>
+                                        </p:tgtEl>
+                                        <p:attrNameLst>
+                                          <p:attrName>ppt_x</p:attrName>
+                                        </p:attrNameLst>
+                                      </p:cBhvr>
+                                      <p:tavLst>
+                                        <p:tav tm="0">
+                                          <p:val>
+                                            <p:strVal val="#ppt_x"/>
+                                          </p:val>
+                                        </p:tav>
+                                        <p:tav tm="100000">
+                                          <p:val>
+                                            <p:strVal val="#ppt_x"/>
+                                          </p:val>
+                                        </p:tav>
+                                      </p:tavLst>
+                                    </p:anim>
+                                    <p:anim calcmode="lin" valueType="num">
+                                      <p:cBhvr>
+                                        <p:cTn id="9" dur="1000" fill="hold"/>
+                                        <p:tgtEl>
+                                          <p:spTgt spid="2"/>
+                                        </p:tgtEl>
+                                        <p:attrNameLst>
+                                          <p:attrName>ppt_y</p:attrName>
+                                        </p:attrNameLst>
+                                      </p:cBhvr>
+                                      <p:tavLst>
+                                        <p:tav tm="0">
+                                          <p:val>
+                                            <p:strVal val="#ppt_y+.1"/>
+                                          </p:val>
+                                        </p:tav>
+                                        <p:tav tm="100000">
+                                          <p:val>
+                                            <p:strVal val="#ppt_y"/>
+                                          </p:val>
+                                        </p:tav>
+                                      </p:tavLst>
+                                    </p:anim>
+                                  </p:childTnLst>
+                                </p:cTn>
+                              </p:par>
+                            </p:childTnLst>
+                          </p:cTn>
+                        </p:par>
+                      </p:childTnLst>
+                    </p:cTn>
+                  </p:par>
+                  <p:par>
+                    <p:cTn id="10" fill="hold">
+                      <p:stCondLst>
+                        <p:cond delay="indefinite"/>
+                      </p:stCondLst>
+                      <p:childTnLst>
+                        <p:par>
+                          <p:cTn id="11" fill="hold">
+                            <p:stCondLst>
+                              <p:cond delay="0"/>
+                            </p:stCondLst>
+                            <p:childTnLst>
+                              <p:par>
+                                <p:cTn id="12" presetID="18" presetClass="entr" presetSubtype="12" fill="hold" grpId="0" nodeType="clickEffect">
+                                  <p:stCondLst>
+                                    <p:cond delay="0"/>
+                                  </p:stCondLst>
+                                  <p:childTnLst>
+                                    <p:set>
+                                      <p:cBhvr>
+                                        <p:cTn id="13" dur="1" fill="hold">
+                                          <p:stCondLst>
+                                            <p:cond delay="0"/>
+                                          </p:stCondLst>
+                                        </p:cTn>
+                                        <p:tgtEl>
+                                          <p:spTgt spid="3">
+                                            <p:txEl>
+                                              <p:pRg st="0" end="0"/>
+                                            </p:txEl>
+                                          </p:spTgt>
+                                        </p:tgtEl>
+                                        <p:attrNameLst>
+                                          <p:attrName>style.visibility</p:attrName>
+                                        </p:attrNameLst>
+                                      </p:cBhvr>
+                                      <p:to>
+                                        <p:strVal val="visible"/>
+                                      </p:to>
+                                    </p:set>
+                                    <p:animEffect transition="in" filter="strips(downLeft)">
+                                      <p:cBhvr>
+                                        <p:cTn id="14" dur="500"/>
+                                        <p:tgtEl>
+                                          <p:spTgt spid="3">
+                                            <p:txEl>
+                                              <p:pRg st="0" end="0"/>
+                                            </p:txEl>
+                                          </p:spTgt>
+                                        </p:tgtEl>
+                                      </p:cBhvr>
+                                    </p:animEffect>
+                                  </p:childTnLst>
+                                </p:cTn>
+                              </p:par>
+                            </p:childTnLst>
+                          </p:cTn>
+                        </p:par>
+                      </p:childTnLst>
+                    </p:cTn>
+                  </p:par>
+                  <p:par>
+                    <p:cTn id="15" fill="hold">
+                      <p:stCondLst>
+                        <p:cond delay="indefinite"/>
+                      </p:stCondLst>
+                      <p:childTnLst>
+                        <p:par>
+                          <p:cTn id="16" fill="hold">
+                            <p:stCondLst>
+                              <p:cond delay="0"/>
+                            </p:stCondLst>
+                            <p:childTnLst>
+                              <p:par>
+                                <p:cTn id="17" presetID="3" presetClass="entr" presetSubtype="10" fill="hold" nodeType="clickEffect">
+                                  <p:stCondLst>
+                                    <p:cond delay="0"/>
+                                  </p:stCondLst>
+                                  <p:childTnLst>
+                                    <p:set>
+                                      <p:cBhvr>
+                                        <p:cTn id="18" dur="1" fill="hold">
+                                          <p:stCondLst>
+                                            <p:cond delay="0"/>
+                                          </p:stCondLst>
+                                        </p:cTn>
+                                        <p:tgtEl>
+                                          <p:spTgt spid="48"/>
+                                        </p:tgtEl>
+                                        <p:attrNameLst>
+                                          <p:attrName>style.visibility</p:attrName>
+                                        </p:attrNameLst>
+                                      </p:cBhvr>
+                                      <p:to>
+                                        <p:strVal val="visible"/>
+                                      </p:to>
+                                    </p:set>
+                                    <p:animEffect transition="in" filter="blinds(horizontal)">
+                                      <p:cBhvr>
+                                        <p:cTn id="19" dur="500"/>
+                                        <p:tgtEl>
+                                          <p:spTgt spid="48"/>
+                                        </p:tgtEl>
+                                      </p:cBhvr>
+                                    </p:animEffect>
+                                  </p:childTnLst>
+                                </p:cTn>
+                              </p:par>
+                            </p:childTnLst>
+                          </p:cTn>
+                        </p:par>
+                      </p:childTnLst>
+                    </p:cTn>
+                  </p:par>
+                </p:childTnLst>
+              </p:cTn>
+              <p:prevCondLst>
+                <p:cond evt="onPrev" delay="0">
+                  <p:tgtEl>
+                    <p:sldTgt/>
+                  </p:tgtEl>
+                </p:cond>
+              </p:prevCondLst>
+              <p:nextCondLst>
+                <p:cond evt="onNext" delay="0">
+                  <p:tgtEl>
+                    <p:sldTgt/>
+                  </p:tgtEl>
+                </p:cond>
+              </p:nextCondLst>
+            </p:seq>
+          </p:childTnLst>
+        </p:cTn>
+      </p:par>
+    </p:tnLst>
+    <p:bldLst>
+      <p:bldP spid="2" grpId="0" animBg="1"/>
+      <p:bldP spid="3" grpId="0" build="p"/>
+    </p:bldLst>
+  </p:timing>
+</p:sld>
+</file>
+
+<file path=ppt/slides/slide9.xml><?xml version="1.0" encoding="utf-8"?>
+<p:sld xmlns:a="http://schemas.openxmlformats.org/drawingml/2006/main" xmlns:r="http://schemas.openxmlformats.org/officeDocument/2006/relationships" xmlns:p="http://schemas.openxmlformats.org/presentationml/2006/main">
+  <p:cSld>
+    <p:spTree>
+      <p:nvGrpSpPr>
+        <p:cNvPr id="1" name=""/>
+        <p:cNvGrpSpPr/>
+        <p:nvPr/>
+      </p:nvGrpSpPr>
+      <p:grpSpPr>
+        <a:xfrm>
+          <a:off x="0" y="0"/>
+          <a:ext cx="0" cy="0"/>
+          <a:chOff x="0" y="0"/>
+          <a:chExt cx="0" cy="0"/>
+        </a:xfrm>
+      </p:grpSpPr>
+      <p:sp>
+        <p:nvSpPr>
+          <p:cNvPr id="2" name="Title 1">
+            <a:extLst>
+              <a:ext uri="{FF2B5EF4-FFF2-40B4-BE49-F238E27FC236}">
+                <a16:creationId xmlns:a16="http://schemas.microsoft.com/office/drawing/2014/main" id="{4F454D63-9B11-B001-73BC-06D2533E9457}"/>
+              </a:ext>
+            </a:extLst>
+          </p:cNvPr>
+          <p:cNvSpPr>
+            <a:spLocks noGrp="1"/>
+          </p:cNvSpPr>
+          <p:nvPr>
+            <p:ph type="title"/>
+          </p:nvPr>
+        </p:nvSpPr>
+        <p:spPr/>
+        <p:txBody>
+          <a:bodyPr/>
+          <a:lstStyle/>
+          <a:p>
+            <a:r>
+              <a:rPr lang="en-US" dirty="0"/>
+              <a:t>Types of graphs</a:t>
+            </a:r>
+          </a:p>
+        </p:txBody>
+      </p:sp>
+      <p:sp>
+        <p:nvSpPr>
+          <p:cNvPr id="3" name="Content Placeholder 2">
+            <a:extLst>
+              <a:ext uri="{FF2B5EF4-FFF2-40B4-BE49-F238E27FC236}">
+                <a16:creationId xmlns:a16="http://schemas.microsoft.com/office/drawing/2014/main" id="{C4AF29BB-3C61-80EC-A3FD-ECC11224755B}"/>
+              </a:ext>
+            </a:extLst>
+          </p:cNvPr>
+          <p:cNvSpPr>
+            <a:spLocks noGrp="1"/>
+          </p:cNvSpPr>
+          <p:nvPr>
+            <p:ph idx="1"/>
+          </p:nvPr>
+        </p:nvSpPr>
+        <p:spPr/>
+        <p:txBody>
+          <a:bodyPr/>
+          <a:lstStyle/>
+          <a:p>
+            <a:r>
+              <a:rPr lang="en-US" dirty="0"/>
+              <a:t>Directed</a:t>
+            </a:r>
+          </a:p>
+          <a:p>
+            <a:r>
+              <a:rPr lang="en-US" dirty="0"/>
+              <a:t>Undirected</a:t>
+            </a:r>
+          </a:p>
+          <a:p>
+            <a:r>
+              <a:rPr lang="en-US" dirty="0"/>
+              <a:t>Weighted</a:t>
+            </a:r>
+          </a:p>
+        </p:txBody>
+      </p:sp>
+    </p:spTree>
+    <p:extLst>
+      <p:ext uri="{BB962C8B-B14F-4D97-AF65-F5344CB8AC3E}">
+        <p14:creationId xmlns:p14="http://schemas.microsoft.com/office/powerpoint/2010/main" val="3098023438"/>
+      </p:ext>
+    </p:extLst>
+  </p:cSld>
+  <p:clrMapOvr>
+    <a:masterClrMapping/>
+  </p:clrMapOvr>
+  <p:timing>
+    <p:tnLst>
+      <p:par>
+        <p:cTn id="1" dur="indefinite" restart="never" nodeType="tmRoot">
+          <p:childTnLst>
+            <p:seq concurrent="1" nextAc="seek">
+              <p:cTn id="2" dur="indefinite" nodeType="mainSeq">
+                <p:childTnLst>
+                  <p:par>
+                    <p:cTn id="3" fill="hold">
+                      <p:stCondLst>
+                        <p:cond delay="indefinite"/>
+                        <p:cond evt="onBegin" delay="0">
+                          <p:tn val="2"/>
+                        </p:cond>
+                      </p:stCondLst>
+                      <p:childTnLst>
+                        <p:par>
+                          <p:cTn id="4" fill="hold">
+                            <p:stCondLst>
+                              <p:cond delay="0"/>
+                            </p:stCondLst>
+                            <p:childTnLst>
+                              <p:par>
+                                <p:cTn id="5" presetID="42" presetClass="entr" presetSubtype="0" fill="hold" grpId="0" nodeType="withEffect">
+                                  <p:stCondLst>
+                                    <p:cond delay="0"/>
+                                  </p:stCondLst>
+                                  <p:childTnLst>
+                                    <p:set>
+                                      <p:cBhvr>
+                                        <p:cTn id="6" dur="1" fill="hold">
+                                          <p:stCondLst>
+                                            <p:cond delay="0"/>
+                                          </p:stCondLst>
+                                        </p:cTn>
+                                        <p:tgtEl>
+                                          <p:spTgt spid="2"/>
+                                        </p:tgtEl>
+                                        <p:attrNameLst>
+                                          <p:attrName>style.visibility</p:attrName>
+                                        </p:attrNameLst>
+                                      </p:cBhvr>
+                                      <p:to>
+                                        <p:strVal val="visible"/>
+                                      </p:to>
+                                    </p:set>
+                                    <p:animEffect transition="in" filter="fade">
+                                      <p:cBhvr>
+                                        <p:cTn id="7" dur="1000"/>
+                                        <p:tgtEl>
+                                          <p:spTgt spid="2"/>
+                                        </p:tgtEl>
+                                      </p:cBhvr>
+                                    </p:animEffect>
+                                    <p:anim calcmode="lin" valueType="num">
+                                      <p:cBhvr>
+                                        <p:cTn id="8" dur="1000" fill="hold"/>
+                                        <p:tgtEl>
+                                          <p:spTgt spid="2"/>
+                                        </p:tgtEl>
+                                        <p:attrNameLst>
+                                          <p:attrName>ppt_x</p:attrName>
+                                        </p:attrNameLst>
+                                      </p:cBhvr>
+                                      <p:tavLst>
+                                        <p:tav tm="0">
+                                          <p:val>
+                                            <p:strVal val="#ppt_x"/>
+                                          </p:val>
+                                        </p:tav>
+                                        <p:tav tm="100000">
+                                          <p:val>
+                                            <p:strVal val="#ppt_x"/>
+                                          </p:val>
+                                        </p:tav>
+                                      </p:tavLst>
+                                    </p:anim>
+                                    <p:anim calcmode="lin" valueType="num">
+                                      <p:cBhvr>
+                                        <p:cTn id="9" dur="1000" fill="hold"/>
+                                        <p:tgtEl>
+                                          <p:spTgt spid="2"/>
+                                        </p:tgtEl>
+                                        <p:attrNameLst>
+                                          <p:attrName>ppt_y</p:attrName>
+                                        </p:attrNameLst>
+                                      </p:cBhvr>
+                                      <p:tavLst>
+                                        <p:tav tm="0">
+                                          <p:val>
+                                            <p:strVal val="#ppt_y+.1"/>
+                                          </p:val>
+                                        </p:tav>
+                                        <p:tav tm="100000">
+                                          <p:val>
+                                            <p:strVal val="#ppt_y"/>
+                                          </p:val>
+                                        </p:tav>
+                                      </p:tavLst>
+                                    </p:anim>
+                                  </p:childTnLst>
+                                </p:cTn>
+                              </p:par>
+                            </p:childTnLst>
+                          </p:cTn>
+                        </p:par>
+                      </p:childTnLst>
+                    </p:cTn>
+                  </p:par>
+                  <p:par>
+                    <p:cTn id="10" fill="hold">
+                      <p:stCondLst>
+                        <p:cond delay="indefinite"/>
+                      </p:stCondLst>
+                      <p:childTnLst>
+                        <p:par>
+                          <p:cTn id="11" fill="hold">
+                            <p:stCondLst>
+                              <p:cond delay="0"/>
+                            </p:stCondLst>
+                            <p:childTnLst>
+                              <p:par>
+                                <p:cTn id="12" presetID="18" presetClass="entr" presetSubtype="12" fill="hold" grpId="0" nodeType="clickEffect">
+                                  <p:stCondLst>
+                                    <p:cond delay="0"/>
+                                  </p:stCondLst>
+                                  <p:childTnLst>
+                                    <p:set>
+                                      <p:cBhvr>
+                                        <p:cTn id="13" dur="1" fill="hold">
+                                          <p:stCondLst>
+                                            <p:cond delay="0"/>
+                                          </p:stCondLst>
+                                        </p:cTn>
+                                        <p:tgtEl>
+                                          <p:spTgt spid="3">
+                                            <p:txEl>
+                                              <p:pRg st="0" end="0"/>
+                                            </p:txEl>
+                                          </p:spTgt>
+                                        </p:tgtEl>
+                                        <p:attrNameLst>
+                                          <p:attrName>style.visibility</p:attrName>
+                                        </p:attrNameLst>
+                                      </p:cBhvr>
+                                      <p:to>
+                                        <p:strVal val="visible"/>
+                                      </p:to>
+                                    </p:set>
+                                    <p:animEffect transition="in" filter="strips(downLeft)">
+                                      <p:cBhvr>
+                                        <p:cTn id="14" dur="500"/>
+                                        <p:tgtEl>
+                                          <p:spTgt spid="3">
+                                            <p:txEl>
+                                              <p:pRg st="0" end="0"/>
+                                            </p:txEl>
+                                          </p:spTgt>
+                                        </p:tgtEl>
+                                      </p:cBhvr>
+                                    </p:animEffect>
+                                  </p:childTnLst>
+                                </p:cTn>
+                              </p:par>
+                            </p:childTnLst>
+                          </p:cTn>
+                        </p:par>
+                      </p:childTnLst>
+                    </p:cTn>
+                  </p:par>
+                  <p:par>
+                    <p:cTn id="15" fill="hold">
+                      <p:stCondLst>
+                        <p:cond delay="indefinite"/>
+                      </p:stCondLst>
+                      <p:childTnLst>
+                        <p:par>
+                          <p:cTn id="16" fill="hold">
+                            <p:stCondLst>
+                              <p:cond delay="0"/>
+                            </p:stCondLst>
+                            <p:childTnLst>
+                              <p:par>
+                                <p:cTn id="17" presetID="18" presetClass="entr" presetSubtype="12" fill="hold" grpId="0" nodeType="clickEffect">
+                                  <p:stCondLst>
+                                    <p:cond delay="0"/>
+                                  </p:stCondLst>
+                                  <p:childTnLst>
+                                    <p:set>
+                                      <p:cBhvr>
+                                        <p:cTn id="18" dur="1" fill="hold">
+                                          <p:stCondLst>
+                                            <p:cond delay="0"/>
+                                          </p:stCondLst>
+                                        </p:cTn>
+                                        <p:tgtEl>
+                                          <p:spTgt spid="3">
+                                            <p:txEl>
+                                              <p:pRg st="1" end="1"/>
+                                            </p:txEl>
+                                          </p:spTgt>
+                                        </p:tgtEl>
+                                        <p:attrNameLst>
+                                          <p:attrName>style.visibility</p:attrName>
+                                        </p:attrNameLst>
+                                      </p:cBhvr>
+                                      <p:to>
+                                        <p:strVal val="visible"/>
+                                      </p:to>
+                                    </p:set>
+                                    <p:animEffect transition="in" filter="strips(downLeft)">
+                                      <p:cBhvr>
+                                        <p:cTn id="19" dur="500"/>
+                                        <p:tgtEl>
+                                          <p:spTgt spid="3">
+                                            <p:txEl>
+                                              <p:pRg st="1" end="1"/>
+                                            </p:txEl>
+                                          </p:spTgt>
+                                        </p:tgtEl>
+                                      </p:cBhvr>
+                                    </p:animEffect>
+                                  </p:childTnLst>
+                                </p:cTn>
+                              </p:par>
+                            </p:childTnLst>
+                          </p:cTn>
+                        </p:par>
+                      </p:childTnLst>
+                    </p:cTn>
+                  </p:par>
+                  <p:par>
+                    <p:cTn id="20" fill="hold">
+                      <p:stCondLst>
+                        <p:cond delay="indefinite"/>
+                      </p:stCondLst>
+                      <p:childTnLst>
+                        <p:par>
+                          <p:cTn id="21" fill="hold">
+                            <p:stCondLst>
+                              <p:cond delay="0"/>
+                            </p:stCondLst>
+                            <p:childTnLst>
+                              <p:par>
+                                <p:cTn id="22" presetID="18" presetClass="entr" presetSubtype="12" fill="hold" grpId="0" nodeType="clickEffect">
+                                  <p:stCondLst>
+                                    <p:cond delay="0"/>
+                                  </p:stCondLst>
+                                  <p:childTnLst>
+                                    <p:set>
+                                      <p:cBhvr>
+                                        <p:cTn id="23" dur="1" fill="hold">
+                                          <p:stCondLst>
+                                            <p:cond delay="0"/>
+                                          </p:stCondLst>
+                                        </p:cTn>
+                                        <p:tgtEl>
+                                          <p:spTgt spid="3">
+                                            <p:txEl>
+                                              <p:pRg st="2" end="2"/>
+                                            </p:txEl>
+                                          </p:spTgt>
+                                        </p:tgtEl>
+                                        <p:attrNameLst>
+                                          <p:attrName>style.visibility</p:attrName>
+                                        </p:attrNameLst>
+                                      </p:cBhvr>
+                                      <p:to>
+                                        <p:strVal val="visible"/>
+                                      </p:to>
+                                    </p:set>
+                                    <p:animEffect transition="in" filter="strips(downLeft)">
+                                      <p:cBhvr>
+                                        <p:cTn id="24" dur="500"/>
                                         <p:tgtEl>
                                           <p:spTgt spid="3">
                                             <p:txEl>
